--- a/ckd_process/kidney_disease.pptx
+++ b/ckd_process/kidney_disease.pptx
@@ -5,7 +5,7 @@
     <p:sldMasterId id="2147483648" r:id="rId1"/>
   </p:sldMasterIdLst>
   <p:notesMasterIdLst>
-    <p:notesMasterId r:id="rId33"/>
+    <p:notesMasterId r:id="rId29"/>
   </p:notesMasterIdLst>
   <p:sldIdLst>
     <p:sldId id="256" r:id="rId2"/>
@@ -21,9 +21,9 @@
     <p:sldId id="267" r:id="rId12"/>
     <p:sldId id="266" r:id="rId13"/>
     <p:sldId id="282" r:id="rId14"/>
-    <p:sldId id="284" r:id="rId15"/>
-    <p:sldId id="285" r:id="rId16"/>
-    <p:sldId id="263" r:id="rId17"/>
+    <p:sldId id="275" r:id="rId15"/>
+    <p:sldId id="284" r:id="rId16"/>
+    <p:sldId id="285" r:id="rId17"/>
     <p:sldId id="283" r:id="rId18"/>
     <p:sldId id="277" r:id="rId19"/>
     <p:sldId id="278" r:id="rId20"/>
@@ -35,21 +35,17 @@
     <p:sldId id="291" r:id="rId26"/>
     <p:sldId id="292" r:id="rId27"/>
     <p:sldId id="293" r:id="rId28"/>
-    <p:sldId id="279" r:id="rId29"/>
-    <p:sldId id="261" r:id="rId30"/>
-    <p:sldId id="280" r:id="rId31"/>
-    <p:sldId id="262" r:id="rId32"/>
   </p:sldIdLst>
   <p:sldSz cx="18288000" cy="10287000"/>
   <p:notesSz cx="6858000" cy="9144000"/>
   <p:embeddedFontLst>
     <p:embeddedFont>
       <p:font typeface="Arimo" panose="02020500000000000000" charset="0"/>
-      <p:regular r:id="rId34"/>
+      <p:regular r:id="rId30"/>
     </p:embeddedFont>
     <p:embeddedFont>
       <p:font typeface="Arimo Bold" panose="02020500000000000000" charset="0"/>
-      <p:regular r:id="rId35"/>
+      <p:regular r:id="rId31"/>
     </p:embeddedFont>
   </p:embeddedFontLst>
   <p:defaultTextStyle>
@@ -248,7 +244,7 @@
           <a:p>
             <a:fld id="{B7268E1E-0E44-426D-905E-8AD9B19D2182}" type="datetimeFigureOut">
               <a:rPr lang="cs-CZ" smtClean="0"/>
-              <a:t>12.07.2024</a:t>
+              <a:t>15.07.2024</a:t>
             </a:fld>
             <a:endParaRPr lang="cs-CZ"/>
           </a:p>
@@ -1751,7 +1747,7 @@
           <a:p>
             <a:r>
               <a:rPr lang="en-US"/>
-              <a:t>1</a:t>
+              <a:t>3</a:t>
             </a:r>
           </a:p>
         </p:txBody>
@@ -1822,11 +1818,6 @@
         </p:txBody>
       </p:sp>
     </p:spTree>
-    <p:extLst>
-      <p:ext uri="{BB962C8B-B14F-4D97-AF65-F5344CB8AC3E}">
-        <p14:creationId xmlns:p14="http://schemas.microsoft.com/office/powerpoint/2010/main" val="2325470815"/>
-      </p:ext>
-    </p:extLst>
   </p:cSld>
   <p:clrMapOvr>
     <a:masterClrMapping/>
@@ -1974,7 +1965,7 @@
           <a:p>
             <a:r>
               <a:rPr lang="en-US"/>
-              <a:t>3</a:t>
+              <a:t>1</a:t>
             </a:r>
           </a:p>
         </p:txBody>
@@ -2047,7 +2038,7 @@
     </p:spTree>
     <p:extLst>
       <p:ext uri="{BB962C8B-B14F-4D97-AF65-F5344CB8AC3E}">
-        <p14:creationId xmlns:p14="http://schemas.microsoft.com/office/powerpoint/2010/main" val="3258520254"/>
+        <p14:creationId xmlns:p14="http://schemas.microsoft.com/office/powerpoint/2010/main" val="2325470815"/>
       </p:ext>
     </p:extLst>
   </p:cSld>
@@ -2268,6 +2259,11 @@
         </p:txBody>
       </p:sp>
     </p:spTree>
+    <p:extLst>
+      <p:ext uri="{BB962C8B-B14F-4D97-AF65-F5344CB8AC3E}">
+        <p14:creationId xmlns:p14="http://schemas.microsoft.com/office/powerpoint/2010/main" val="3258520254"/>
+      </p:ext>
+    </p:extLst>
   </p:cSld>
   <p:clrMapOvr>
     <a:masterClrMapping/>
@@ -4951,447 +4947,6 @@
 </p:notes>
 </file>
 
-<file path=ppt/notesSlides/notesSlide28.xml><?xml version="1.0" encoding="utf-8"?>
-<p:notes xmlns:a="http://schemas.openxmlformats.org/drawingml/2006/main" xmlns:r="http://schemas.openxmlformats.org/officeDocument/2006/relationships" xmlns:p="http://schemas.openxmlformats.org/presentationml/2006/main">
-  <p:cSld>
-    <p:spTree>
-      <p:nvGrpSpPr>
-        <p:cNvPr id="1" name=""/>
-        <p:cNvGrpSpPr/>
-        <p:nvPr/>
-      </p:nvGrpSpPr>
-      <p:grpSpPr>
-        <a:xfrm>
-          <a:off x="0" y="0"/>
-          <a:ext cx="0" cy="0"/>
-          <a:chOff x="0" y="0"/>
-          <a:chExt cx="0" cy="0"/>
-        </a:xfrm>
-      </p:grpSpPr>
-      <p:sp>
-        <p:nvSpPr>
-          <p:cNvPr id="2" name="Header Placeholder 1"/>
-          <p:cNvSpPr>
-            <a:spLocks noGrp="1"/>
-          </p:cNvSpPr>
-          <p:nvPr>
-            <p:ph type="hdr" sz="quarter"/>
-          </p:nvPr>
-        </p:nvSpPr>
-        <p:spPr>
-          <a:xfrm>
-            <a:off x="0" y="0"/>
-            <a:ext cx="3962400" cy="342900"/>
-          </a:xfrm>
-          <a:prstGeom prst="rect">
-            <a:avLst/>
-          </a:prstGeom>
-        </p:spPr>
-        <p:txBody>
-          <a:bodyPr vert="horz" lIns="91440" tIns="45720" rIns="91440" bIns="45720" rtlCol="0"/>
-          <a:lstStyle>
-            <a:lvl1pPr algn="l">
-              <a:defRPr sz="1200"/>
-            </a:lvl1pPr>
-          </a:lstStyle>
-          <a:p>
-            <a:endParaRPr/>
-          </a:p>
-        </p:txBody>
-      </p:sp>
-      <p:sp>
-        <p:nvSpPr>
-          <p:cNvPr id="3" name="Date Placeholder 2"/>
-          <p:cNvSpPr>
-            <a:spLocks noGrp="1"/>
-          </p:cNvSpPr>
-          <p:nvPr>
-            <p:ph type="dt" idx="1"/>
-          </p:nvPr>
-        </p:nvSpPr>
-        <p:spPr>
-          <a:xfrm>
-            <a:off x="5180013" y="0"/>
-            <a:ext cx="3962400" cy="342900"/>
-          </a:xfrm>
-          <a:prstGeom prst="rect">
-            <a:avLst/>
-          </a:prstGeom>
-        </p:spPr>
-        <p:txBody>
-          <a:bodyPr vert="horz" lIns="91440" tIns="45720" rIns="91440" bIns="45720" rtlCol="0"/>
-          <a:lstStyle>
-            <a:lvl1pPr algn="r">
-              <a:defRPr sz="1200"/>
-            </a:lvl1pPr>
-          </a:lstStyle>
-          <a:p>
-            <a:r>
-              <a:rPr lang="cs-CZ"/>
-              <a:t>1.7.2013</a:t>
-            </a:r>
-          </a:p>
-        </p:txBody>
-      </p:sp>
-      <p:sp>
-        <p:nvSpPr>
-          <p:cNvPr id="4" name="Slide Image Placeholder 3"/>
-          <p:cNvSpPr>
-            <a:spLocks noGrp="1" noRot="1" noChangeAspect="1"/>
-          </p:cNvSpPr>
-          <p:nvPr>
-            <p:ph type="sldImg" idx="2"/>
-          </p:nvPr>
-        </p:nvSpPr>
-        <p:spPr>
-          <a:xfrm>
-            <a:off x="2290763" y="512763"/>
-            <a:ext cx="4562475" cy="2566987"/>
-          </a:xfrm>
-          <a:prstGeom prst="rect">
-            <a:avLst/>
-          </a:prstGeom>
-          <a:noFill/>
-          <a:ln w="12700">
-            <a:solidFill>
-              <a:prstClr val="black"/>
-            </a:solidFill>
-          </a:ln>
-        </p:spPr>
-        <p:txBody>
-          <a:bodyPr vert="horz" lIns="91440" tIns="45720" rIns="91440" bIns="45720" rtlCol="0" anchor="ctr"/>
-          <a:lstStyle/>
-          <a:p>
-            <a:endParaRPr/>
-          </a:p>
-        </p:txBody>
-      </p:sp>
-      <p:sp>
-        <p:nvSpPr>
-          <p:cNvPr id="5" name="Notes Placeholder 4"/>
-          <p:cNvSpPr>
-            <a:spLocks noGrp="1"/>
-          </p:cNvSpPr>
-          <p:nvPr>
-            <p:ph type="body" sz="quarter" idx="3"/>
-          </p:nvPr>
-        </p:nvSpPr>
-        <p:spPr>
-          <a:xfrm>
-            <a:off x="914400" y="3251200"/>
-            <a:ext cx="7315200" cy="3081338"/>
-          </a:xfrm>
-          <a:prstGeom prst="rect">
-            <a:avLst/>
-          </a:prstGeom>
-        </p:spPr>
-        <p:txBody>
-          <a:bodyPr vert="horz" lIns="91440" tIns="45720" rIns="91440" bIns="45720" rtlCol="0"/>
-          <a:lstStyle/>
-          <a:p>
-            <a:r>
-              <a:rPr lang="en-US"/>
-              <a:t>3</a:t>
-            </a:r>
-          </a:p>
-        </p:txBody>
-      </p:sp>
-      <p:sp>
-        <p:nvSpPr>
-          <p:cNvPr id="6" name="Footer Placeholder 5"/>
-          <p:cNvSpPr>
-            <a:spLocks noGrp="1"/>
-          </p:cNvSpPr>
-          <p:nvPr>
-            <p:ph type="ftr" sz="quarter" idx="4"/>
-          </p:nvPr>
-        </p:nvSpPr>
-        <p:spPr>
-          <a:xfrm>
-            <a:off x="0" y="6502400"/>
-            <a:ext cx="3962400" cy="341313"/>
-          </a:xfrm>
-          <a:prstGeom prst="rect">
-            <a:avLst/>
-          </a:prstGeom>
-        </p:spPr>
-        <p:txBody>
-          <a:bodyPr vert="horz" lIns="91440" tIns="45720" rIns="91440" bIns="45720" rtlCol="0" anchor="b"/>
-          <a:lstStyle>
-            <a:lvl1pPr algn="l">
-              <a:defRPr sz="1200"/>
-            </a:lvl1pPr>
-          </a:lstStyle>
-          <a:p>
-            <a:endParaRPr/>
-          </a:p>
-        </p:txBody>
-      </p:sp>
-      <p:sp>
-        <p:nvSpPr>
-          <p:cNvPr id="7" name="Slide Number Placeholder 6"/>
-          <p:cNvSpPr>
-            <a:spLocks noGrp="1"/>
-          </p:cNvSpPr>
-          <p:nvPr>
-            <p:ph type="sldNum" sz="quarter" idx="5"/>
-          </p:nvPr>
-        </p:nvSpPr>
-        <p:spPr>
-          <a:xfrm>
-            <a:off x="5180013" y="6502400"/>
-            <a:ext cx="3962400" cy="341313"/>
-          </a:xfrm>
-          <a:prstGeom prst="rect">
-            <a:avLst/>
-          </a:prstGeom>
-        </p:spPr>
-        <p:txBody>
-          <a:bodyPr vert="horz" lIns="91440" tIns="45720" rIns="91440" bIns="45720" rtlCol="0" anchor="b"/>
-          <a:lstStyle>
-            <a:lvl1pPr algn="r">
-              <a:defRPr sz="1200"/>
-            </a:lvl1pPr>
-          </a:lstStyle>
-          <a:p>
-            <a:r>
-              <a:rPr lang="cs-CZ"/>
-              <a:t>‹#›</a:t>
-            </a:r>
-          </a:p>
-        </p:txBody>
-      </p:sp>
-    </p:spTree>
-    <p:extLst>
-      <p:ext uri="{BB962C8B-B14F-4D97-AF65-F5344CB8AC3E}">
-        <p14:creationId xmlns:p14="http://schemas.microsoft.com/office/powerpoint/2010/main" val="4226586096"/>
-      </p:ext>
-    </p:extLst>
-  </p:cSld>
-  <p:clrMapOvr>
-    <a:masterClrMapping/>
-  </p:clrMapOvr>
-</p:notes>
-</file>
-
-<file path=ppt/notesSlides/notesSlide29.xml><?xml version="1.0" encoding="utf-8"?>
-<p:notes xmlns:a="http://schemas.openxmlformats.org/drawingml/2006/main" xmlns:r="http://schemas.openxmlformats.org/officeDocument/2006/relationships" xmlns:p="http://schemas.openxmlformats.org/presentationml/2006/main">
-  <p:cSld>
-    <p:spTree>
-      <p:nvGrpSpPr>
-        <p:cNvPr id="1" name=""/>
-        <p:cNvGrpSpPr/>
-        <p:nvPr/>
-      </p:nvGrpSpPr>
-      <p:grpSpPr>
-        <a:xfrm>
-          <a:off x="0" y="0"/>
-          <a:ext cx="0" cy="0"/>
-          <a:chOff x="0" y="0"/>
-          <a:chExt cx="0" cy="0"/>
-        </a:xfrm>
-      </p:grpSpPr>
-      <p:sp>
-        <p:nvSpPr>
-          <p:cNvPr id="2" name="Header Placeholder 1"/>
-          <p:cNvSpPr>
-            <a:spLocks noGrp="1"/>
-          </p:cNvSpPr>
-          <p:nvPr>
-            <p:ph type="hdr" sz="quarter"/>
-          </p:nvPr>
-        </p:nvSpPr>
-        <p:spPr>
-          <a:xfrm>
-            <a:off x="0" y="0"/>
-            <a:ext cx="3962400" cy="342900"/>
-          </a:xfrm>
-          <a:prstGeom prst="rect">
-            <a:avLst/>
-          </a:prstGeom>
-        </p:spPr>
-        <p:txBody>
-          <a:bodyPr vert="horz" lIns="91440" tIns="45720" rIns="91440" bIns="45720" rtlCol="0"/>
-          <a:lstStyle>
-            <a:lvl1pPr algn="l">
-              <a:defRPr sz="1200"/>
-            </a:lvl1pPr>
-          </a:lstStyle>
-          <a:p>
-            <a:endParaRPr/>
-          </a:p>
-        </p:txBody>
-      </p:sp>
-      <p:sp>
-        <p:nvSpPr>
-          <p:cNvPr id="3" name="Date Placeholder 2"/>
-          <p:cNvSpPr>
-            <a:spLocks noGrp="1"/>
-          </p:cNvSpPr>
-          <p:nvPr>
-            <p:ph type="dt" idx="1"/>
-          </p:nvPr>
-        </p:nvSpPr>
-        <p:spPr>
-          <a:xfrm>
-            <a:off x="5180013" y="0"/>
-            <a:ext cx="3962400" cy="342900"/>
-          </a:xfrm>
-          <a:prstGeom prst="rect">
-            <a:avLst/>
-          </a:prstGeom>
-        </p:spPr>
-        <p:txBody>
-          <a:bodyPr vert="horz" lIns="91440" tIns="45720" rIns="91440" bIns="45720" rtlCol="0"/>
-          <a:lstStyle>
-            <a:lvl1pPr algn="r">
-              <a:defRPr sz="1200"/>
-            </a:lvl1pPr>
-          </a:lstStyle>
-          <a:p>
-            <a:r>
-              <a:rPr lang="cs-CZ"/>
-              <a:t>1.7.2013</a:t>
-            </a:r>
-          </a:p>
-        </p:txBody>
-      </p:sp>
-      <p:sp>
-        <p:nvSpPr>
-          <p:cNvPr id="4" name="Slide Image Placeholder 3"/>
-          <p:cNvSpPr>
-            <a:spLocks noGrp="1" noRot="1" noChangeAspect="1"/>
-          </p:cNvSpPr>
-          <p:nvPr>
-            <p:ph type="sldImg" idx="2"/>
-          </p:nvPr>
-        </p:nvSpPr>
-        <p:spPr>
-          <a:xfrm>
-            <a:off x="2290763" y="512763"/>
-            <a:ext cx="4562475" cy="2566987"/>
-          </a:xfrm>
-          <a:prstGeom prst="rect">
-            <a:avLst/>
-          </a:prstGeom>
-          <a:noFill/>
-          <a:ln w="12700">
-            <a:solidFill>
-              <a:prstClr val="black"/>
-            </a:solidFill>
-          </a:ln>
-        </p:spPr>
-        <p:txBody>
-          <a:bodyPr vert="horz" lIns="91440" tIns="45720" rIns="91440" bIns="45720" rtlCol="0" anchor="ctr"/>
-          <a:lstStyle/>
-          <a:p>
-            <a:endParaRPr/>
-          </a:p>
-        </p:txBody>
-      </p:sp>
-      <p:sp>
-        <p:nvSpPr>
-          <p:cNvPr id="5" name="Notes Placeholder 4"/>
-          <p:cNvSpPr>
-            <a:spLocks noGrp="1"/>
-          </p:cNvSpPr>
-          <p:nvPr>
-            <p:ph type="body" sz="quarter" idx="3"/>
-          </p:nvPr>
-        </p:nvSpPr>
-        <p:spPr>
-          <a:xfrm>
-            <a:off x="914400" y="3251200"/>
-            <a:ext cx="7315200" cy="3081338"/>
-          </a:xfrm>
-          <a:prstGeom prst="rect">
-            <a:avLst/>
-          </a:prstGeom>
-        </p:spPr>
-        <p:txBody>
-          <a:bodyPr vert="horz" lIns="91440" tIns="45720" rIns="91440" bIns="45720" rtlCol="0"/>
-          <a:lstStyle/>
-          <a:p>
-            <a:r>
-              <a:rPr lang="en-US"/>
-              <a:t>3</a:t>
-            </a:r>
-          </a:p>
-        </p:txBody>
-      </p:sp>
-      <p:sp>
-        <p:nvSpPr>
-          <p:cNvPr id="6" name="Footer Placeholder 5"/>
-          <p:cNvSpPr>
-            <a:spLocks noGrp="1"/>
-          </p:cNvSpPr>
-          <p:nvPr>
-            <p:ph type="ftr" sz="quarter" idx="4"/>
-          </p:nvPr>
-        </p:nvSpPr>
-        <p:spPr>
-          <a:xfrm>
-            <a:off x="0" y="6502400"/>
-            <a:ext cx="3962400" cy="341313"/>
-          </a:xfrm>
-          <a:prstGeom prst="rect">
-            <a:avLst/>
-          </a:prstGeom>
-        </p:spPr>
-        <p:txBody>
-          <a:bodyPr vert="horz" lIns="91440" tIns="45720" rIns="91440" bIns="45720" rtlCol="0" anchor="b"/>
-          <a:lstStyle>
-            <a:lvl1pPr algn="l">
-              <a:defRPr sz="1200"/>
-            </a:lvl1pPr>
-          </a:lstStyle>
-          <a:p>
-            <a:endParaRPr/>
-          </a:p>
-        </p:txBody>
-      </p:sp>
-      <p:sp>
-        <p:nvSpPr>
-          <p:cNvPr id="7" name="Slide Number Placeholder 6"/>
-          <p:cNvSpPr>
-            <a:spLocks noGrp="1"/>
-          </p:cNvSpPr>
-          <p:nvPr>
-            <p:ph type="sldNum" sz="quarter" idx="5"/>
-          </p:nvPr>
-        </p:nvSpPr>
-        <p:spPr>
-          <a:xfrm>
-            <a:off x="5180013" y="6502400"/>
-            <a:ext cx="3962400" cy="341313"/>
-          </a:xfrm>
-          <a:prstGeom prst="rect">
-            <a:avLst/>
-          </a:prstGeom>
-        </p:spPr>
-        <p:txBody>
-          <a:bodyPr vert="horz" lIns="91440" tIns="45720" rIns="91440" bIns="45720" rtlCol="0" anchor="b"/>
-          <a:lstStyle>
-            <a:lvl1pPr algn="r">
-              <a:defRPr sz="1200"/>
-            </a:lvl1pPr>
-          </a:lstStyle>
-          <a:p>
-            <a:r>
-              <a:rPr lang="cs-CZ"/>
-              <a:t>‹#›</a:t>
-            </a:r>
-          </a:p>
-        </p:txBody>
-      </p:sp>
-    </p:spTree>
-  </p:cSld>
-  <p:clrMapOvr>
-    <a:masterClrMapping/>
-  </p:clrMapOvr>
-</p:notes>
-</file>
-
 <file path=ppt/notesSlides/notesSlide3.xml><?xml version="1.0" encoding="utf-8"?>
 <p:notes xmlns:a="http://schemas.openxmlformats.org/drawingml/2006/main" xmlns:r="http://schemas.openxmlformats.org/officeDocument/2006/relationships" xmlns:p="http://schemas.openxmlformats.org/presentationml/2006/main">
   <p:cSld>
@@ -5608,447 +5163,6 @@
         <p14:creationId xmlns:p14="http://schemas.microsoft.com/office/powerpoint/2010/main" val="3003316973"/>
       </p:ext>
     </p:extLst>
-  </p:cSld>
-  <p:clrMapOvr>
-    <a:masterClrMapping/>
-  </p:clrMapOvr>
-</p:notes>
-</file>
-
-<file path=ppt/notesSlides/notesSlide30.xml><?xml version="1.0" encoding="utf-8"?>
-<p:notes xmlns:a="http://schemas.openxmlformats.org/drawingml/2006/main" xmlns:r="http://schemas.openxmlformats.org/officeDocument/2006/relationships" xmlns:p="http://schemas.openxmlformats.org/presentationml/2006/main">
-  <p:cSld>
-    <p:spTree>
-      <p:nvGrpSpPr>
-        <p:cNvPr id="1" name=""/>
-        <p:cNvGrpSpPr/>
-        <p:nvPr/>
-      </p:nvGrpSpPr>
-      <p:grpSpPr>
-        <a:xfrm>
-          <a:off x="0" y="0"/>
-          <a:ext cx="0" cy="0"/>
-          <a:chOff x="0" y="0"/>
-          <a:chExt cx="0" cy="0"/>
-        </a:xfrm>
-      </p:grpSpPr>
-      <p:sp>
-        <p:nvSpPr>
-          <p:cNvPr id="2" name="Header Placeholder 1"/>
-          <p:cNvSpPr>
-            <a:spLocks noGrp="1"/>
-          </p:cNvSpPr>
-          <p:nvPr>
-            <p:ph type="hdr" sz="quarter"/>
-          </p:nvPr>
-        </p:nvSpPr>
-        <p:spPr>
-          <a:xfrm>
-            <a:off x="0" y="0"/>
-            <a:ext cx="3962400" cy="342900"/>
-          </a:xfrm>
-          <a:prstGeom prst="rect">
-            <a:avLst/>
-          </a:prstGeom>
-        </p:spPr>
-        <p:txBody>
-          <a:bodyPr vert="horz" lIns="91440" tIns="45720" rIns="91440" bIns="45720" rtlCol="0"/>
-          <a:lstStyle>
-            <a:lvl1pPr algn="l">
-              <a:defRPr sz="1200"/>
-            </a:lvl1pPr>
-          </a:lstStyle>
-          <a:p>
-            <a:endParaRPr/>
-          </a:p>
-        </p:txBody>
-      </p:sp>
-      <p:sp>
-        <p:nvSpPr>
-          <p:cNvPr id="3" name="Date Placeholder 2"/>
-          <p:cNvSpPr>
-            <a:spLocks noGrp="1"/>
-          </p:cNvSpPr>
-          <p:nvPr>
-            <p:ph type="dt" idx="1"/>
-          </p:nvPr>
-        </p:nvSpPr>
-        <p:spPr>
-          <a:xfrm>
-            <a:off x="5180013" y="0"/>
-            <a:ext cx="3962400" cy="342900"/>
-          </a:xfrm>
-          <a:prstGeom prst="rect">
-            <a:avLst/>
-          </a:prstGeom>
-        </p:spPr>
-        <p:txBody>
-          <a:bodyPr vert="horz" lIns="91440" tIns="45720" rIns="91440" bIns="45720" rtlCol="0"/>
-          <a:lstStyle>
-            <a:lvl1pPr algn="r">
-              <a:defRPr sz="1200"/>
-            </a:lvl1pPr>
-          </a:lstStyle>
-          <a:p>
-            <a:r>
-              <a:rPr lang="cs-CZ"/>
-              <a:t>1.7.2013</a:t>
-            </a:r>
-          </a:p>
-        </p:txBody>
-      </p:sp>
-      <p:sp>
-        <p:nvSpPr>
-          <p:cNvPr id="4" name="Slide Image Placeholder 3"/>
-          <p:cNvSpPr>
-            <a:spLocks noGrp="1" noRot="1" noChangeAspect="1"/>
-          </p:cNvSpPr>
-          <p:nvPr>
-            <p:ph type="sldImg" idx="2"/>
-          </p:nvPr>
-        </p:nvSpPr>
-        <p:spPr>
-          <a:xfrm>
-            <a:off x="2290763" y="512763"/>
-            <a:ext cx="4562475" cy="2566987"/>
-          </a:xfrm>
-          <a:prstGeom prst="rect">
-            <a:avLst/>
-          </a:prstGeom>
-          <a:noFill/>
-          <a:ln w="12700">
-            <a:solidFill>
-              <a:prstClr val="black"/>
-            </a:solidFill>
-          </a:ln>
-        </p:spPr>
-        <p:txBody>
-          <a:bodyPr vert="horz" lIns="91440" tIns="45720" rIns="91440" bIns="45720" rtlCol="0" anchor="ctr"/>
-          <a:lstStyle/>
-          <a:p>
-            <a:endParaRPr/>
-          </a:p>
-        </p:txBody>
-      </p:sp>
-      <p:sp>
-        <p:nvSpPr>
-          <p:cNvPr id="5" name="Notes Placeholder 4"/>
-          <p:cNvSpPr>
-            <a:spLocks noGrp="1"/>
-          </p:cNvSpPr>
-          <p:nvPr>
-            <p:ph type="body" sz="quarter" idx="3"/>
-          </p:nvPr>
-        </p:nvSpPr>
-        <p:spPr>
-          <a:xfrm>
-            <a:off x="914400" y="3251200"/>
-            <a:ext cx="7315200" cy="3081338"/>
-          </a:xfrm>
-          <a:prstGeom prst="rect">
-            <a:avLst/>
-          </a:prstGeom>
-        </p:spPr>
-        <p:txBody>
-          <a:bodyPr vert="horz" lIns="91440" tIns="45720" rIns="91440" bIns="45720" rtlCol="0"/>
-          <a:lstStyle/>
-          <a:p>
-            <a:r>
-              <a:rPr lang="en-US"/>
-              <a:t>3</a:t>
-            </a:r>
-          </a:p>
-        </p:txBody>
-      </p:sp>
-      <p:sp>
-        <p:nvSpPr>
-          <p:cNvPr id="6" name="Footer Placeholder 5"/>
-          <p:cNvSpPr>
-            <a:spLocks noGrp="1"/>
-          </p:cNvSpPr>
-          <p:nvPr>
-            <p:ph type="ftr" sz="quarter" idx="4"/>
-          </p:nvPr>
-        </p:nvSpPr>
-        <p:spPr>
-          <a:xfrm>
-            <a:off x="0" y="6502400"/>
-            <a:ext cx="3962400" cy="341313"/>
-          </a:xfrm>
-          <a:prstGeom prst="rect">
-            <a:avLst/>
-          </a:prstGeom>
-        </p:spPr>
-        <p:txBody>
-          <a:bodyPr vert="horz" lIns="91440" tIns="45720" rIns="91440" bIns="45720" rtlCol="0" anchor="b"/>
-          <a:lstStyle>
-            <a:lvl1pPr algn="l">
-              <a:defRPr sz="1200"/>
-            </a:lvl1pPr>
-          </a:lstStyle>
-          <a:p>
-            <a:endParaRPr/>
-          </a:p>
-        </p:txBody>
-      </p:sp>
-      <p:sp>
-        <p:nvSpPr>
-          <p:cNvPr id="7" name="Slide Number Placeholder 6"/>
-          <p:cNvSpPr>
-            <a:spLocks noGrp="1"/>
-          </p:cNvSpPr>
-          <p:nvPr>
-            <p:ph type="sldNum" sz="quarter" idx="5"/>
-          </p:nvPr>
-        </p:nvSpPr>
-        <p:spPr>
-          <a:xfrm>
-            <a:off x="5180013" y="6502400"/>
-            <a:ext cx="3962400" cy="341313"/>
-          </a:xfrm>
-          <a:prstGeom prst="rect">
-            <a:avLst/>
-          </a:prstGeom>
-        </p:spPr>
-        <p:txBody>
-          <a:bodyPr vert="horz" lIns="91440" tIns="45720" rIns="91440" bIns="45720" rtlCol="0" anchor="b"/>
-          <a:lstStyle>
-            <a:lvl1pPr algn="r">
-              <a:defRPr sz="1200"/>
-            </a:lvl1pPr>
-          </a:lstStyle>
-          <a:p>
-            <a:r>
-              <a:rPr lang="cs-CZ"/>
-              <a:t>‹#›</a:t>
-            </a:r>
-          </a:p>
-        </p:txBody>
-      </p:sp>
-    </p:spTree>
-    <p:extLst>
-      <p:ext uri="{BB962C8B-B14F-4D97-AF65-F5344CB8AC3E}">
-        <p14:creationId xmlns:p14="http://schemas.microsoft.com/office/powerpoint/2010/main" val="4130382370"/>
-      </p:ext>
-    </p:extLst>
-  </p:cSld>
-  <p:clrMapOvr>
-    <a:masterClrMapping/>
-  </p:clrMapOvr>
-</p:notes>
-</file>
-
-<file path=ppt/notesSlides/notesSlide31.xml><?xml version="1.0" encoding="utf-8"?>
-<p:notes xmlns:a="http://schemas.openxmlformats.org/drawingml/2006/main" xmlns:r="http://schemas.openxmlformats.org/officeDocument/2006/relationships" xmlns:p="http://schemas.openxmlformats.org/presentationml/2006/main">
-  <p:cSld>
-    <p:spTree>
-      <p:nvGrpSpPr>
-        <p:cNvPr id="1" name=""/>
-        <p:cNvGrpSpPr/>
-        <p:nvPr/>
-      </p:nvGrpSpPr>
-      <p:grpSpPr>
-        <a:xfrm>
-          <a:off x="0" y="0"/>
-          <a:ext cx="0" cy="0"/>
-          <a:chOff x="0" y="0"/>
-          <a:chExt cx="0" cy="0"/>
-        </a:xfrm>
-      </p:grpSpPr>
-      <p:sp>
-        <p:nvSpPr>
-          <p:cNvPr id="2" name="Header Placeholder 1"/>
-          <p:cNvSpPr>
-            <a:spLocks noGrp="1"/>
-          </p:cNvSpPr>
-          <p:nvPr>
-            <p:ph type="hdr" sz="quarter"/>
-          </p:nvPr>
-        </p:nvSpPr>
-        <p:spPr>
-          <a:xfrm>
-            <a:off x="0" y="0"/>
-            <a:ext cx="3962400" cy="342900"/>
-          </a:xfrm>
-          <a:prstGeom prst="rect">
-            <a:avLst/>
-          </a:prstGeom>
-        </p:spPr>
-        <p:txBody>
-          <a:bodyPr vert="horz" lIns="91440" tIns="45720" rIns="91440" bIns="45720" rtlCol="0"/>
-          <a:lstStyle>
-            <a:lvl1pPr algn="l">
-              <a:defRPr sz="1200"/>
-            </a:lvl1pPr>
-          </a:lstStyle>
-          <a:p>
-            <a:endParaRPr/>
-          </a:p>
-        </p:txBody>
-      </p:sp>
-      <p:sp>
-        <p:nvSpPr>
-          <p:cNvPr id="3" name="Date Placeholder 2"/>
-          <p:cNvSpPr>
-            <a:spLocks noGrp="1"/>
-          </p:cNvSpPr>
-          <p:nvPr>
-            <p:ph type="dt" idx="1"/>
-          </p:nvPr>
-        </p:nvSpPr>
-        <p:spPr>
-          <a:xfrm>
-            <a:off x="5180013" y="0"/>
-            <a:ext cx="3962400" cy="342900"/>
-          </a:xfrm>
-          <a:prstGeom prst="rect">
-            <a:avLst/>
-          </a:prstGeom>
-        </p:spPr>
-        <p:txBody>
-          <a:bodyPr vert="horz" lIns="91440" tIns="45720" rIns="91440" bIns="45720" rtlCol="0"/>
-          <a:lstStyle>
-            <a:lvl1pPr algn="r">
-              <a:defRPr sz="1200"/>
-            </a:lvl1pPr>
-          </a:lstStyle>
-          <a:p>
-            <a:r>
-              <a:rPr lang="cs-CZ"/>
-              <a:t>1.7.2013</a:t>
-            </a:r>
-          </a:p>
-        </p:txBody>
-      </p:sp>
-      <p:sp>
-        <p:nvSpPr>
-          <p:cNvPr id="4" name="Slide Image Placeholder 3"/>
-          <p:cNvSpPr>
-            <a:spLocks noGrp="1" noRot="1" noChangeAspect="1"/>
-          </p:cNvSpPr>
-          <p:nvPr>
-            <p:ph type="sldImg" idx="2"/>
-          </p:nvPr>
-        </p:nvSpPr>
-        <p:spPr>
-          <a:xfrm>
-            <a:off x="2290763" y="512763"/>
-            <a:ext cx="4562475" cy="2566987"/>
-          </a:xfrm>
-          <a:prstGeom prst="rect">
-            <a:avLst/>
-          </a:prstGeom>
-          <a:noFill/>
-          <a:ln w="12700">
-            <a:solidFill>
-              <a:prstClr val="black"/>
-            </a:solidFill>
-          </a:ln>
-        </p:spPr>
-        <p:txBody>
-          <a:bodyPr vert="horz" lIns="91440" tIns="45720" rIns="91440" bIns="45720" rtlCol="0" anchor="ctr"/>
-          <a:lstStyle/>
-          <a:p>
-            <a:endParaRPr/>
-          </a:p>
-        </p:txBody>
-      </p:sp>
-      <p:sp>
-        <p:nvSpPr>
-          <p:cNvPr id="5" name="Notes Placeholder 4"/>
-          <p:cNvSpPr>
-            <a:spLocks noGrp="1"/>
-          </p:cNvSpPr>
-          <p:nvPr>
-            <p:ph type="body" sz="quarter" idx="3"/>
-          </p:nvPr>
-        </p:nvSpPr>
-        <p:spPr>
-          <a:xfrm>
-            <a:off x="914400" y="3251200"/>
-            <a:ext cx="7315200" cy="3081338"/>
-          </a:xfrm>
-          <a:prstGeom prst="rect">
-            <a:avLst/>
-          </a:prstGeom>
-        </p:spPr>
-        <p:txBody>
-          <a:bodyPr vert="horz" lIns="91440" tIns="45720" rIns="91440" bIns="45720" rtlCol="0"/>
-          <a:lstStyle/>
-          <a:p>
-            <a:r>
-              <a:rPr lang="en-US"/>
-              <a:t>3</a:t>
-            </a:r>
-          </a:p>
-        </p:txBody>
-      </p:sp>
-      <p:sp>
-        <p:nvSpPr>
-          <p:cNvPr id="6" name="Footer Placeholder 5"/>
-          <p:cNvSpPr>
-            <a:spLocks noGrp="1"/>
-          </p:cNvSpPr>
-          <p:nvPr>
-            <p:ph type="ftr" sz="quarter" idx="4"/>
-          </p:nvPr>
-        </p:nvSpPr>
-        <p:spPr>
-          <a:xfrm>
-            <a:off x="0" y="6502400"/>
-            <a:ext cx="3962400" cy="341313"/>
-          </a:xfrm>
-          <a:prstGeom prst="rect">
-            <a:avLst/>
-          </a:prstGeom>
-        </p:spPr>
-        <p:txBody>
-          <a:bodyPr vert="horz" lIns="91440" tIns="45720" rIns="91440" bIns="45720" rtlCol="0" anchor="b"/>
-          <a:lstStyle>
-            <a:lvl1pPr algn="l">
-              <a:defRPr sz="1200"/>
-            </a:lvl1pPr>
-          </a:lstStyle>
-          <a:p>
-            <a:endParaRPr/>
-          </a:p>
-        </p:txBody>
-      </p:sp>
-      <p:sp>
-        <p:nvSpPr>
-          <p:cNvPr id="7" name="Slide Number Placeholder 6"/>
-          <p:cNvSpPr>
-            <a:spLocks noGrp="1"/>
-          </p:cNvSpPr>
-          <p:nvPr>
-            <p:ph type="sldNum" sz="quarter" idx="5"/>
-          </p:nvPr>
-        </p:nvSpPr>
-        <p:spPr>
-          <a:xfrm>
-            <a:off x="5180013" y="6502400"/>
-            <a:ext cx="3962400" cy="341313"/>
-          </a:xfrm>
-          <a:prstGeom prst="rect">
-            <a:avLst/>
-          </a:prstGeom>
-        </p:spPr>
-        <p:txBody>
-          <a:bodyPr vert="horz" lIns="91440" tIns="45720" rIns="91440" bIns="45720" rtlCol="0" anchor="b"/>
-          <a:lstStyle>
-            <a:lvl1pPr algn="r">
-              <a:defRPr sz="1200"/>
-            </a:lvl1pPr>
-          </a:lstStyle>
-          <a:p>
-            <a:r>
-              <a:rPr lang="cs-CZ"/>
-              <a:t>‹#›</a:t>
-            </a:r>
-          </a:p>
-        </p:txBody>
-      </p:sp>
-    </p:spTree>
   </p:cSld>
   <p:clrMapOvr>
     <a:masterClrMapping/>
@@ -7559,7 +6673,7 @@
             <a:fld id="{1D8BD707-D9CF-40AE-B4C6-C98DA3205C09}" type="datetimeFigureOut">
               <a:rPr lang="en-US" smtClean="0"/>
               <a:pPr/>
-              <a:t>7/12/2024</a:t>
+              <a:t>7/15/2024</a:t>
             </a:fld>
             <a:endParaRPr lang="en-US"/>
           </a:p>
@@ -7724,7 +6838,7 @@
             <a:fld id="{1D8BD707-D9CF-40AE-B4C6-C98DA3205C09}" type="datetimeFigureOut">
               <a:rPr lang="en-US" smtClean="0"/>
               <a:pPr/>
-              <a:t>7/12/2024</a:t>
+              <a:t>7/15/2024</a:t>
             </a:fld>
             <a:endParaRPr lang="en-US"/>
           </a:p>
@@ -7899,7 +7013,7 @@
             <a:fld id="{1D8BD707-D9CF-40AE-B4C6-C98DA3205C09}" type="datetimeFigureOut">
               <a:rPr lang="en-US" smtClean="0"/>
               <a:pPr/>
-              <a:t>7/12/2024</a:t>
+              <a:t>7/15/2024</a:t>
             </a:fld>
             <a:endParaRPr lang="en-US"/>
           </a:p>
@@ -8064,7 +7178,7 @@
             <a:fld id="{1D8BD707-D9CF-40AE-B4C6-C98DA3205C09}" type="datetimeFigureOut">
               <a:rPr lang="en-US" smtClean="0"/>
               <a:pPr/>
-              <a:t>7/12/2024</a:t>
+              <a:t>7/15/2024</a:t>
             </a:fld>
             <a:endParaRPr lang="en-US"/>
           </a:p>
@@ -8306,7 +7420,7 @@
             <a:fld id="{1D8BD707-D9CF-40AE-B4C6-C98DA3205C09}" type="datetimeFigureOut">
               <a:rPr lang="en-US" smtClean="0"/>
               <a:pPr/>
-              <a:t>7/12/2024</a:t>
+              <a:t>7/15/2024</a:t>
             </a:fld>
             <a:endParaRPr lang="en-US"/>
           </a:p>
@@ -8588,7 +7702,7 @@
             <a:fld id="{1D8BD707-D9CF-40AE-B4C6-C98DA3205C09}" type="datetimeFigureOut">
               <a:rPr lang="en-US" smtClean="0"/>
               <a:pPr/>
-              <a:t>7/12/2024</a:t>
+              <a:t>7/15/2024</a:t>
             </a:fld>
             <a:endParaRPr lang="en-US"/>
           </a:p>
@@ -9004,7 +8118,7 @@
             <a:fld id="{1D8BD707-D9CF-40AE-B4C6-C98DA3205C09}" type="datetimeFigureOut">
               <a:rPr lang="en-US" smtClean="0"/>
               <a:pPr/>
-              <a:t>7/12/2024</a:t>
+              <a:t>7/15/2024</a:t>
             </a:fld>
             <a:endParaRPr lang="en-US"/>
           </a:p>
@@ -9118,7 +8232,7 @@
             <a:fld id="{1D8BD707-D9CF-40AE-B4C6-C98DA3205C09}" type="datetimeFigureOut">
               <a:rPr lang="en-US" smtClean="0"/>
               <a:pPr/>
-              <a:t>7/12/2024</a:t>
+              <a:t>7/15/2024</a:t>
             </a:fld>
             <a:endParaRPr lang="en-US"/>
           </a:p>
@@ -9210,7 +8324,7 @@
             <a:fld id="{1D8BD707-D9CF-40AE-B4C6-C98DA3205C09}" type="datetimeFigureOut">
               <a:rPr lang="en-US" smtClean="0"/>
               <a:pPr/>
-              <a:t>7/12/2024</a:t>
+              <a:t>7/15/2024</a:t>
             </a:fld>
             <a:endParaRPr lang="en-US"/>
           </a:p>
@@ -9482,7 +8596,7 @@
             <a:fld id="{1D8BD707-D9CF-40AE-B4C6-C98DA3205C09}" type="datetimeFigureOut">
               <a:rPr lang="en-US" smtClean="0"/>
               <a:pPr/>
-              <a:t>7/12/2024</a:t>
+              <a:t>7/15/2024</a:t>
             </a:fld>
             <a:endParaRPr lang="en-US"/>
           </a:p>
@@ -9731,7 +8845,7 @@
             <a:fld id="{1D8BD707-D9CF-40AE-B4C6-C98DA3205C09}" type="datetimeFigureOut">
               <a:rPr lang="en-US" smtClean="0"/>
               <a:pPr/>
-              <a:t>7/12/2024</a:t>
+              <a:t>7/15/2024</a:t>
             </a:fld>
             <a:endParaRPr lang="en-US"/>
           </a:p>
@@ -9939,7 +9053,7 @@
             <a:fld id="{1D8BD707-D9CF-40AE-B4C6-C98DA3205C09}" type="datetimeFigureOut">
               <a:rPr lang="en-US" smtClean="0"/>
               <a:pPr/>
-              <a:t>7/12/2024</a:t>
+              <a:t>7/15/2024</a:t>
             </a:fld>
             <a:endParaRPr lang="en-US"/>
           </a:p>
@@ -11779,547 +10893,6 @@
           </a:p>
         </p:txBody>
       </p:sp>
-      <p:pic>
-        <p:nvPicPr>
-          <p:cNvPr id="9" name="圖片 8">
-            <a:extLst>
-              <a:ext uri="{FF2B5EF4-FFF2-40B4-BE49-F238E27FC236}">
-                <a16:creationId xmlns:a16="http://schemas.microsoft.com/office/drawing/2014/main" id="{ACC2D1BF-E942-3974-D04A-2FD7C62204FA}"/>
-              </a:ext>
-            </a:extLst>
-          </p:cNvPr>
-          <p:cNvPicPr>
-            <a:picLocks noChangeAspect="1"/>
-          </p:cNvPicPr>
-          <p:nvPr/>
-        </p:nvPicPr>
-        <p:blipFill rotWithShape="1">
-          <a:blip r:embed="rId4"/>
-          <a:srcRect r="32325"/>
-          <a:stretch/>
-        </p:blipFill>
-        <p:spPr>
-          <a:xfrm>
-            <a:off x="5676094" y="2042652"/>
-            <a:ext cx="6820706" cy="5591112"/>
-          </a:xfrm>
-          <a:prstGeom prst="rect">
-            <a:avLst/>
-          </a:prstGeom>
-        </p:spPr>
-      </p:pic>
-      <p:pic>
-        <p:nvPicPr>
-          <p:cNvPr id="6" name="圖片 5">
-            <a:extLst>
-              <a:ext uri="{FF2B5EF4-FFF2-40B4-BE49-F238E27FC236}">
-                <a16:creationId xmlns:a16="http://schemas.microsoft.com/office/drawing/2014/main" id="{0AE6254E-8A31-BDB3-DF86-BB7D6DBE39F4}"/>
-              </a:ext>
-            </a:extLst>
-          </p:cNvPr>
-          <p:cNvPicPr>
-            <a:picLocks noChangeAspect="1"/>
-          </p:cNvPicPr>
-          <p:nvPr/>
-        </p:nvPicPr>
-        <p:blipFill rotWithShape="1">
-          <a:blip r:embed="rId5"/>
-          <a:srcRect r="52004"/>
-          <a:stretch/>
-        </p:blipFill>
-        <p:spPr>
-          <a:xfrm>
-            <a:off x="0" y="1892210"/>
-            <a:ext cx="5700676" cy="5739835"/>
-          </a:xfrm>
-          <a:prstGeom prst="rect">
-            <a:avLst/>
-          </a:prstGeom>
-        </p:spPr>
-      </p:pic>
-      <p:sp>
-        <p:nvSpPr>
-          <p:cNvPr id="7" name="TextBox 4">
-            <a:extLst>
-              <a:ext uri="{FF2B5EF4-FFF2-40B4-BE49-F238E27FC236}">
-                <a16:creationId xmlns:a16="http://schemas.microsoft.com/office/drawing/2014/main" id="{886975D5-9E76-7E24-932D-154EC41F7837}"/>
-              </a:ext>
-            </a:extLst>
-          </p:cNvPr>
-          <p:cNvSpPr txBox="1"/>
-          <p:nvPr/>
-        </p:nvSpPr>
-        <p:spPr>
-          <a:xfrm>
-            <a:off x="304800" y="698187"/>
-            <a:ext cx="15697200" cy="615553"/>
-          </a:xfrm>
-          <a:prstGeom prst="rect">
-            <a:avLst/>
-          </a:prstGeom>
-        </p:spPr>
-        <p:txBody>
-          <a:bodyPr wrap="square" lIns="0" tIns="0" rIns="0" bIns="0" rtlCol="0" anchor="t">
-            <a:spAutoFit/>
-          </a:bodyPr>
-          <a:lstStyle/>
-          <a:p>
-            <a:pPr>
-              <a:lnSpc>
-                <a:spcPts val="4750"/>
-              </a:lnSpc>
-            </a:pPr>
-            <a:r>
-              <a:rPr lang="en-US" altLang="zh-TW" sz="5400" dirty="0">
-                <a:solidFill>
-                  <a:srgbClr val="5B5F72"/>
-                </a:solidFill>
-                <a:latin typeface="Arimo Bold"/>
-                <a:ea typeface="Arimo Bold"/>
-                <a:cs typeface="Arimo Bold"/>
-                <a:sym typeface="Arimo Bold"/>
-              </a:rPr>
-              <a:t>Common</a:t>
-            </a:r>
-            <a:r>
-              <a:rPr lang="zh-TW" altLang="en-US" sz="5400" dirty="0">
-                <a:solidFill>
-                  <a:srgbClr val="5B5F72"/>
-                </a:solidFill>
-                <a:latin typeface="Arimo Bold"/>
-                <a:ea typeface="Arimo Bold"/>
-                <a:cs typeface="Arimo Bold"/>
-                <a:sym typeface="Arimo Bold"/>
-              </a:rPr>
-              <a:t> </a:t>
-            </a:r>
-            <a:r>
-              <a:rPr lang="en-US" altLang="zh-TW" sz="5400" dirty="0">
-                <a:solidFill>
-                  <a:srgbClr val="5B5F72"/>
-                </a:solidFill>
-                <a:latin typeface="Arimo Bold"/>
-                <a:ea typeface="Arimo Bold"/>
-                <a:cs typeface="Arimo Bold"/>
-                <a:sym typeface="Arimo Bold"/>
-              </a:rPr>
-              <a:t>Factors</a:t>
-            </a:r>
-            <a:endParaRPr lang="en-US" sz="5400" dirty="0">
-              <a:solidFill>
-                <a:srgbClr val="5B5F72"/>
-              </a:solidFill>
-              <a:latin typeface="Arimo Bold"/>
-              <a:ea typeface="Arimo Bold"/>
-              <a:cs typeface="Arimo Bold"/>
-              <a:sym typeface="Arimo Bold"/>
-            </a:endParaRPr>
-          </a:p>
-        </p:txBody>
-      </p:sp>
-      <p:sp>
-        <p:nvSpPr>
-          <p:cNvPr id="8" name="TextBox 4">
-            <a:extLst>
-              <a:ext uri="{FF2B5EF4-FFF2-40B4-BE49-F238E27FC236}">
-                <a16:creationId xmlns:a16="http://schemas.microsoft.com/office/drawing/2014/main" id="{7A3218B0-4E01-6094-22FC-84A0FEEA6B18}"/>
-              </a:ext>
-            </a:extLst>
-          </p:cNvPr>
-          <p:cNvSpPr txBox="1"/>
-          <p:nvPr/>
-        </p:nvSpPr>
-        <p:spPr>
-          <a:xfrm>
-            <a:off x="1066800" y="8388523"/>
-            <a:ext cx="15882612" cy="1092543"/>
-          </a:xfrm>
-          <a:prstGeom prst="rect">
-            <a:avLst/>
-          </a:prstGeom>
-        </p:spPr>
-        <p:txBody>
-          <a:bodyPr wrap="square" lIns="0" tIns="0" rIns="0" bIns="0" rtlCol="0" anchor="t">
-            <a:spAutoFit/>
-          </a:bodyPr>
-          <a:lstStyle/>
-          <a:p>
-            <a:pPr>
-              <a:lnSpc>
-                <a:spcPts val="4375"/>
-              </a:lnSpc>
-            </a:pPr>
-            <a:r>
-              <a:rPr lang="en-US" altLang="zh-TW" sz="3600" dirty="0">
-                <a:solidFill>
-                  <a:srgbClr val="5B5F72"/>
-                </a:solidFill>
-                <a:latin typeface="Arimo Bold"/>
-                <a:ea typeface="Arimo Bold"/>
-                <a:cs typeface="Arimo Bold"/>
-                <a:sym typeface="Arimo Bold"/>
-              </a:rPr>
-              <a:t>Positive:</a:t>
-            </a:r>
-            <a:r>
-              <a:rPr lang="zh-TW" altLang="en-US" sz="3600" dirty="0">
-                <a:solidFill>
-                  <a:srgbClr val="5B5F72"/>
-                </a:solidFill>
-                <a:latin typeface="Arimo Bold"/>
-                <a:ea typeface="Arimo Bold"/>
-                <a:cs typeface="Arimo Bold"/>
-                <a:sym typeface="Arimo Bold"/>
-              </a:rPr>
-              <a:t> </a:t>
-            </a:r>
-            <a:r>
-              <a:rPr lang="en-US" altLang="zh-TW" sz="3600" dirty="0" err="1">
-                <a:solidFill>
-                  <a:schemeClr val="accent3">
-                    <a:lumMod val="75000"/>
-                  </a:schemeClr>
-                </a:solidFill>
-                <a:latin typeface="Arimo Bold"/>
-                <a:ea typeface="Arimo Bold"/>
-                <a:cs typeface="Arimo Bold"/>
-                <a:sym typeface="Arimo Bold"/>
-              </a:rPr>
-              <a:t>sc</a:t>
-            </a:r>
-            <a:r>
-              <a:rPr lang="en-US" altLang="zh-TW" sz="3600" dirty="0">
-                <a:solidFill>
-                  <a:schemeClr val="accent3">
-                    <a:lumMod val="75000"/>
-                  </a:schemeClr>
-                </a:solidFill>
-                <a:latin typeface="Arimo Bold"/>
-                <a:ea typeface="Arimo Bold"/>
-                <a:cs typeface="Arimo Bold"/>
-                <a:sym typeface="Arimo Bold"/>
-              </a:rPr>
-              <a:t>(serum creatinine)</a:t>
-            </a:r>
-            <a:endParaRPr lang="en-US" altLang="zh-TW" sz="3200" dirty="0">
-              <a:solidFill>
-                <a:schemeClr val="accent3">
-                  <a:lumMod val="75000"/>
-                </a:schemeClr>
-              </a:solidFill>
-              <a:latin typeface="Arimo Bold"/>
-              <a:ea typeface="Arimo Bold"/>
-              <a:cs typeface="Arimo Bold"/>
-              <a:sym typeface="Arimo Bold"/>
-            </a:endParaRPr>
-          </a:p>
-          <a:p>
-            <a:pPr>
-              <a:lnSpc>
-                <a:spcPts val="4375"/>
-              </a:lnSpc>
-            </a:pPr>
-            <a:endParaRPr lang="en-US" altLang="zh-TW" sz="3600" dirty="0">
-              <a:solidFill>
-                <a:srgbClr val="5B5F72"/>
-              </a:solidFill>
-              <a:latin typeface="Arimo Bold"/>
-              <a:ea typeface="Arimo Bold"/>
-              <a:cs typeface="Arimo Bold"/>
-              <a:sym typeface="Arimo Bold"/>
-            </a:endParaRPr>
-          </a:p>
-        </p:txBody>
-      </p:sp>
-      <p:sp>
-        <p:nvSpPr>
-          <p:cNvPr id="10" name="TextBox 4">
-            <a:extLst>
-              <a:ext uri="{FF2B5EF4-FFF2-40B4-BE49-F238E27FC236}">
-                <a16:creationId xmlns:a16="http://schemas.microsoft.com/office/drawing/2014/main" id="{98B97A70-4506-0F51-21BA-812D6A3A5437}"/>
-              </a:ext>
-            </a:extLst>
-          </p:cNvPr>
-          <p:cNvSpPr txBox="1"/>
-          <p:nvPr/>
-        </p:nvSpPr>
-        <p:spPr>
-          <a:xfrm>
-            <a:off x="8153400" y="8387294"/>
-            <a:ext cx="9764978" cy="1656800"/>
-          </a:xfrm>
-          <a:prstGeom prst="rect">
-            <a:avLst/>
-          </a:prstGeom>
-        </p:spPr>
-        <p:txBody>
-          <a:bodyPr wrap="square" lIns="0" tIns="0" rIns="0" bIns="0" rtlCol="0" anchor="t">
-            <a:spAutoFit/>
-          </a:bodyPr>
-          <a:lstStyle/>
-          <a:p>
-            <a:pPr>
-              <a:lnSpc>
-                <a:spcPts val="4375"/>
-              </a:lnSpc>
-            </a:pPr>
-            <a:r>
-              <a:rPr lang="en-US" altLang="zh-TW" sz="3600" dirty="0">
-                <a:solidFill>
-                  <a:srgbClr val="5B5F72"/>
-                </a:solidFill>
-                <a:latin typeface="Arimo Bold"/>
-                <a:ea typeface="Arimo Bold"/>
-                <a:cs typeface="Arimo Bold"/>
-                <a:sym typeface="Arimo Bold"/>
-              </a:rPr>
-              <a:t>Negative:</a:t>
-            </a:r>
-            <a:r>
-              <a:rPr lang="zh-TW" altLang="en-US" sz="3600" dirty="0">
-                <a:solidFill>
-                  <a:srgbClr val="5B5F72"/>
-                </a:solidFill>
-                <a:latin typeface="Arimo Bold"/>
-                <a:ea typeface="Arimo Bold"/>
-                <a:cs typeface="Arimo Bold"/>
-                <a:sym typeface="Arimo Bold"/>
-              </a:rPr>
-              <a:t> </a:t>
-            </a:r>
-            <a:r>
-              <a:rPr lang="en-US" altLang="zh-TW" sz="3600" dirty="0" err="1">
-                <a:solidFill>
-                  <a:srgbClr val="C00000"/>
-                </a:solidFill>
-                <a:latin typeface="Arimo Bold"/>
-                <a:ea typeface="Arimo Bold"/>
-                <a:cs typeface="Arimo Bold"/>
-                <a:sym typeface="Arimo Bold"/>
-              </a:rPr>
-              <a:t>hemo</a:t>
-            </a:r>
-            <a:r>
-              <a:rPr lang="en-US" altLang="zh-TW" sz="3600" dirty="0">
-                <a:solidFill>
-                  <a:srgbClr val="C00000"/>
-                </a:solidFill>
-                <a:latin typeface="Arimo Bold"/>
-                <a:ea typeface="Arimo Bold"/>
-                <a:cs typeface="Arimo Bold"/>
-                <a:sym typeface="Arimo Bold"/>
-              </a:rPr>
-              <a:t>(hemoglobin)	</a:t>
-            </a:r>
-            <a:r>
-              <a:rPr lang="zh-TW" altLang="en-US" sz="3600" dirty="0">
-                <a:latin typeface="Arimo Bold"/>
-                <a:ea typeface="Arimo Bold"/>
-                <a:cs typeface="Arimo Bold"/>
-                <a:sym typeface="Arimo Bold"/>
-              </a:rPr>
-              <a:t>、</a:t>
-            </a:r>
-            <a:r>
-              <a:rPr lang="en-US" altLang="zh-TW" sz="3600" dirty="0">
-                <a:solidFill>
-                  <a:srgbClr val="C00000"/>
-                </a:solidFill>
-                <a:latin typeface="Arimo Bold"/>
-                <a:ea typeface="Arimo Bold"/>
-                <a:cs typeface="Arimo Bold"/>
-                <a:sym typeface="Arimo Bold"/>
-              </a:rPr>
-              <a:t>		</a:t>
-            </a:r>
-            <a:r>
-              <a:rPr lang="zh-TW" altLang="en-US" sz="3600" dirty="0">
-                <a:solidFill>
-                  <a:srgbClr val="C00000"/>
-                </a:solidFill>
-                <a:latin typeface="Arimo Bold"/>
-                <a:ea typeface="Arimo Bold"/>
-                <a:cs typeface="Arimo Bold"/>
-                <a:sym typeface="Arimo Bold"/>
-              </a:rPr>
-              <a:t>   </a:t>
-            </a:r>
-            <a:r>
-              <a:rPr lang="en-US" altLang="zh-TW" sz="3600" dirty="0" err="1">
-                <a:solidFill>
-                  <a:srgbClr val="C00000"/>
-                </a:solidFill>
-                <a:latin typeface="Arimo Bold"/>
-                <a:ea typeface="Arimo Bold"/>
-                <a:cs typeface="Arimo Bold"/>
-                <a:sym typeface="Arimo Bold"/>
-              </a:rPr>
-              <a:t>pcv</a:t>
-            </a:r>
-            <a:r>
-              <a:rPr lang="en-US" altLang="zh-TW" sz="3600" dirty="0">
-                <a:solidFill>
-                  <a:srgbClr val="C00000"/>
-                </a:solidFill>
-                <a:latin typeface="Arimo Bold"/>
-                <a:ea typeface="Arimo Bold"/>
-                <a:cs typeface="Arimo Bold"/>
-                <a:sym typeface="Arimo Bold"/>
-              </a:rPr>
-              <a:t>(packed cell volume)</a:t>
-            </a:r>
-            <a:r>
-              <a:rPr lang="zh-TW" altLang="en-US" sz="3600" dirty="0">
-                <a:latin typeface="Arimo Bold"/>
-                <a:ea typeface="Arimo Bold"/>
-                <a:cs typeface="Arimo Bold"/>
-                <a:sym typeface="Arimo Bold"/>
-              </a:rPr>
-              <a:t>、</a:t>
-            </a:r>
-            <a:r>
-              <a:rPr lang="en-US" altLang="zh-TW" sz="3600" dirty="0">
-                <a:solidFill>
-                  <a:srgbClr val="C00000"/>
-                </a:solidFill>
-                <a:latin typeface="Arimo Bold"/>
-                <a:ea typeface="Arimo Bold"/>
-                <a:cs typeface="Arimo Bold"/>
-                <a:sym typeface="Arimo Bold"/>
-              </a:rPr>
-              <a:t>sg(specific gravity)</a:t>
-            </a:r>
-          </a:p>
-          <a:p>
-            <a:pPr>
-              <a:lnSpc>
-                <a:spcPts val="4375"/>
-              </a:lnSpc>
-            </a:pPr>
-            <a:endParaRPr lang="en-US" sz="3600" dirty="0">
-              <a:solidFill>
-                <a:srgbClr val="5B5F72"/>
-              </a:solidFill>
-              <a:latin typeface="Arimo Bold"/>
-              <a:ea typeface="Arimo Bold"/>
-              <a:cs typeface="Arimo Bold"/>
-              <a:sym typeface="Arimo Bold"/>
-            </a:endParaRPr>
-          </a:p>
-        </p:txBody>
-      </p:sp>
-      <p:pic>
-        <p:nvPicPr>
-          <p:cNvPr id="5" name="圖片 4">
-            <a:extLst>
-              <a:ext uri="{FF2B5EF4-FFF2-40B4-BE49-F238E27FC236}">
-                <a16:creationId xmlns:a16="http://schemas.microsoft.com/office/drawing/2014/main" id="{F90190AE-044F-6F94-65B0-B8C8EE982741}"/>
-              </a:ext>
-            </a:extLst>
-          </p:cNvPr>
-          <p:cNvPicPr>
-            <a:picLocks noChangeAspect="1"/>
-          </p:cNvPicPr>
-          <p:nvPr/>
-        </p:nvPicPr>
-        <p:blipFill rotWithShape="1">
-          <a:blip r:embed="rId6"/>
-          <a:srcRect r="47900"/>
-          <a:stretch/>
-        </p:blipFill>
-        <p:spPr>
-          <a:xfrm>
-            <a:off x="12481561" y="2027942"/>
-            <a:ext cx="5806440" cy="5612746"/>
-          </a:xfrm>
-          <a:prstGeom prst="rect">
-            <a:avLst/>
-          </a:prstGeom>
-        </p:spPr>
-      </p:pic>
-    </p:spTree>
-    <p:extLst>
-      <p:ext uri="{BB962C8B-B14F-4D97-AF65-F5344CB8AC3E}">
-        <p14:creationId xmlns:p14="http://schemas.microsoft.com/office/powerpoint/2010/main" val="2398364674"/>
-      </p:ext>
-    </p:extLst>
-  </p:cSld>
-  <p:clrMapOvr>
-    <a:masterClrMapping/>
-  </p:clrMapOvr>
-</p:sld>
-</file>
-
-<file path=ppt/slides/slide15.xml><?xml version="1.0" encoding="utf-8"?>
-<p:sld xmlns:a="http://schemas.openxmlformats.org/drawingml/2006/main" xmlns:r="http://schemas.openxmlformats.org/officeDocument/2006/relationships" xmlns:p="http://schemas.openxmlformats.org/presentationml/2006/main">
-  <p:cSld>
-    <p:spTree>
-      <p:nvGrpSpPr>
-        <p:cNvPr id="1" name=""/>
-        <p:cNvGrpSpPr/>
-        <p:nvPr/>
-      </p:nvGrpSpPr>
-      <p:grpSpPr>
-        <a:xfrm>
-          <a:off x="0" y="0"/>
-          <a:ext cx="0" cy="0"/>
-          <a:chOff x="0" y="0"/>
-          <a:chExt cx="0" cy="0"/>
-        </a:xfrm>
-      </p:grpSpPr>
-      <p:sp>
-        <p:nvSpPr>
-          <p:cNvPr id="2" name="Freeform 2" descr="preencoded.png"/>
-          <p:cNvSpPr/>
-          <p:nvPr/>
-        </p:nvSpPr>
-        <p:spPr>
-          <a:xfrm>
-            <a:off x="0" y="0"/>
-            <a:ext cx="18288000" cy="10287000"/>
-          </a:xfrm>
-          <a:custGeom>
-            <a:avLst/>
-            <a:gdLst/>
-            <a:ahLst/>
-            <a:cxnLst/>
-            <a:rect l="l" t="t" r="r" b="b"/>
-            <a:pathLst>
-              <a:path w="18288000" h="10287000">
-                <a:moveTo>
-                  <a:pt x="0" y="0"/>
-                </a:moveTo>
-                <a:lnTo>
-                  <a:pt x="18288000" y="0"/>
-                </a:lnTo>
-                <a:lnTo>
-                  <a:pt x="18288000" y="10287000"/>
-                </a:lnTo>
-                <a:lnTo>
-                  <a:pt x="0" y="10287000"/>
-                </a:lnTo>
-                <a:lnTo>
-                  <a:pt x="0" y="0"/>
-                </a:lnTo>
-                <a:close/>
-              </a:path>
-            </a:pathLst>
-          </a:custGeom>
-          <a:blipFill>
-            <a:blip r:embed="rId3"/>
-            <a:stretch>
-              <a:fillRect/>
-            </a:stretch>
-          </a:blipFill>
-        </p:spPr>
-        <p:txBody>
-          <a:bodyPr/>
-          <a:lstStyle/>
-          <a:p>
-            <a:endParaRPr lang="zh-TW" altLang="en-US"/>
-          </a:p>
-        </p:txBody>
-      </p:sp>
       <p:grpSp>
         <p:nvGrpSpPr>
           <p:cNvPr id="3" name="Group 3"/>
@@ -12386,21 +10959,27 @@
       </p:grpSp>
       <p:sp>
         <p:nvSpPr>
-          <p:cNvPr id="5" name="TextBox 5"/>
+          <p:cNvPr id="10" name="TextBox 6">
+            <a:extLst>
+              <a:ext uri="{FF2B5EF4-FFF2-40B4-BE49-F238E27FC236}">
+                <a16:creationId xmlns:a16="http://schemas.microsoft.com/office/drawing/2014/main" id="{BC2BA4F5-4C08-1154-A467-59E8FD21B5E3}"/>
+              </a:ext>
+            </a:extLst>
+          </p:cNvPr>
           <p:cNvSpPr txBox="1"/>
           <p:nvPr/>
         </p:nvSpPr>
         <p:spPr>
           <a:xfrm>
-            <a:off x="609600" y="462624"/>
-            <a:ext cx="12344400" cy="908326"/>
-          </a:xfrm>
-          <a:prstGeom prst="rect">
-            <a:avLst/>
-          </a:prstGeom>
-        </p:spPr>
-        <p:txBody>
-          <a:bodyPr wrap="square" lIns="0" tIns="0" rIns="0" bIns="0" rtlCol="0" anchor="t">
+            <a:off x="609600" y="571500"/>
+            <a:ext cx="10533337" cy="908326"/>
+          </a:xfrm>
+          <a:prstGeom prst="rect">
+            <a:avLst/>
+          </a:prstGeom>
+        </p:spPr>
+        <p:txBody>
+          <a:bodyPr lIns="0" tIns="0" rIns="0" bIns="0" rtlCol="0" anchor="t">
             <a:spAutoFit/>
           </a:bodyPr>
           <a:lstStyle/>
@@ -12420,7 +10999,7 @@
                 <a:cs typeface="Arimo Bold"/>
                 <a:sym typeface="Arimo Bold"/>
               </a:rPr>
-              <a:t>Operate with </a:t>
+              <a:t>Accuracy(</a:t>
             </a:r>
             <a:r>
               <a:rPr lang="en-US" altLang="zh-TW" sz="6075" dirty="0">
@@ -12432,9 +11011,602 @@
                 <a:cs typeface="Arimo Bold"/>
                 <a:sym typeface="Arimo Bold"/>
               </a:rPr>
-              <a:t>LLM</a:t>
-            </a:r>
-            <a:endParaRPr lang="en-US" sz="6075" dirty="0">
+              <a:t>Causal</a:t>
+            </a:r>
+            <a:r>
+              <a:rPr lang="zh-TW" altLang="en-US" sz="6075" dirty="0">
+                <a:solidFill>
+                  <a:srgbClr val="5B5F72"/>
+                </a:solidFill>
+                <a:latin typeface="Arimo Bold"/>
+                <a:ea typeface="Arimo Bold"/>
+                <a:cs typeface="Arimo Bold"/>
+                <a:sym typeface="Arimo Bold"/>
+              </a:rPr>
+              <a:t> </a:t>
+            </a:r>
+            <a:r>
+              <a:rPr lang="en-US" altLang="zh-TW" sz="6075" dirty="0">
+                <a:solidFill>
+                  <a:srgbClr val="5B5F72"/>
+                </a:solidFill>
+                <a:latin typeface="Arimo Bold"/>
+                <a:ea typeface="Arimo Bold"/>
+                <a:cs typeface="Arimo Bold"/>
+                <a:sym typeface="Arimo Bold"/>
+              </a:rPr>
+              <a:t>Prediction</a:t>
+            </a:r>
+            <a:r>
+              <a:rPr lang="en-US" sz="6075" dirty="0">
+                <a:solidFill>
+                  <a:srgbClr val="5B5F72"/>
+                </a:solidFill>
+                <a:latin typeface="Arimo Bold"/>
+                <a:ea typeface="Arimo Bold"/>
+                <a:cs typeface="Arimo Bold"/>
+                <a:sym typeface="Arimo Bold"/>
+              </a:rPr>
+              <a:t>)</a:t>
+            </a:r>
+          </a:p>
+        </p:txBody>
+      </p:sp>
+      <p:sp>
+        <p:nvSpPr>
+          <p:cNvPr id="11" name="TextBox 8">
+            <a:extLst>
+              <a:ext uri="{FF2B5EF4-FFF2-40B4-BE49-F238E27FC236}">
+                <a16:creationId xmlns:a16="http://schemas.microsoft.com/office/drawing/2014/main" id="{D2E3CD7C-930B-AA43-72E0-EE65319011EF}"/>
+              </a:ext>
+            </a:extLst>
+          </p:cNvPr>
+          <p:cNvSpPr txBox="1"/>
+          <p:nvPr/>
+        </p:nvSpPr>
+        <p:spPr>
+          <a:xfrm>
+            <a:off x="609600" y="1618484"/>
+            <a:ext cx="17068800" cy="456856"/>
+          </a:xfrm>
+          <a:prstGeom prst="rect">
+            <a:avLst/>
+          </a:prstGeom>
+        </p:spPr>
+        <p:txBody>
+          <a:bodyPr wrap="square" lIns="0" tIns="0" rIns="0" bIns="0" rtlCol="0" anchor="t">
+            <a:spAutoFit/>
+          </a:bodyPr>
+          <a:lstStyle/>
+          <a:p>
+            <a:pPr>
+              <a:lnSpc>
+                <a:spcPts val="3887"/>
+              </a:lnSpc>
+            </a:pPr>
+            <a:r>
+              <a:rPr lang="en-US" altLang="zh-TW" sz="2800" dirty="0">
+                <a:solidFill>
+                  <a:srgbClr val="5B5F71"/>
+                </a:solidFill>
+                <a:latin typeface="Arimo"/>
+                <a:ea typeface="Arimo"/>
+                <a:cs typeface="Arimo"/>
+                <a:sym typeface="Arimo"/>
+              </a:rPr>
+              <a:t>Change outliers to</a:t>
+            </a:r>
+            <a:r>
+              <a:rPr lang="zh-TW" altLang="en-US" sz="2800" dirty="0">
+                <a:solidFill>
+                  <a:srgbClr val="5B5F71"/>
+                </a:solidFill>
+                <a:latin typeface="Arimo"/>
+                <a:ea typeface="Arimo"/>
+                <a:cs typeface="Arimo"/>
+                <a:sym typeface="Arimo"/>
+              </a:rPr>
+              <a:t> </a:t>
+            </a:r>
+            <a:r>
+              <a:rPr lang="en-US" altLang="zh-TW" sz="2800" dirty="0">
+                <a:solidFill>
+                  <a:srgbClr val="5B5F71"/>
+                </a:solidFill>
+                <a:latin typeface="Arimo"/>
+                <a:ea typeface="Arimo"/>
+                <a:cs typeface="Arimo"/>
+                <a:sym typeface="Arimo"/>
+              </a:rPr>
+              <a:t>empty value(90%). Delete row(Over 3 empty).</a:t>
+            </a:r>
+            <a:r>
+              <a:rPr lang="zh-TW" altLang="en-US" sz="2800" dirty="0">
+                <a:solidFill>
+                  <a:srgbClr val="5B5F71"/>
+                </a:solidFill>
+                <a:latin typeface="Arimo"/>
+                <a:ea typeface="Arimo"/>
+                <a:cs typeface="Arimo"/>
+                <a:sym typeface="Arimo"/>
+              </a:rPr>
+              <a:t> </a:t>
+            </a:r>
+            <a:r>
+              <a:rPr lang="en-US" altLang="zh-TW" sz="2800" dirty="0">
+                <a:solidFill>
+                  <a:srgbClr val="5B5F71"/>
+                </a:solidFill>
+                <a:latin typeface="Arimo"/>
+                <a:ea typeface="Arimo"/>
+                <a:cs typeface="Arimo"/>
+                <a:sym typeface="Arimo"/>
+              </a:rPr>
+              <a:t>Balance data. Training with 70% of data</a:t>
+            </a:r>
+          </a:p>
+        </p:txBody>
+      </p:sp>
+      <p:pic>
+        <p:nvPicPr>
+          <p:cNvPr id="6" name="圖片 5">
+            <a:extLst>
+              <a:ext uri="{FF2B5EF4-FFF2-40B4-BE49-F238E27FC236}">
+                <a16:creationId xmlns:a16="http://schemas.microsoft.com/office/drawing/2014/main" id="{D6EC57B0-83DB-973A-656E-701B1B9753A4}"/>
+              </a:ext>
+            </a:extLst>
+          </p:cNvPr>
+          <p:cNvPicPr>
+            <a:picLocks noChangeAspect="1"/>
+          </p:cNvPicPr>
+          <p:nvPr/>
+        </p:nvPicPr>
+        <p:blipFill rotWithShape="1">
+          <a:blip r:embed="rId4">
+            <a:extLst>
+              <a:ext uri="{28A0092B-C50C-407E-A947-70E740481C1C}">
+                <a14:useLocalDpi xmlns:a14="http://schemas.microsoft.com/office/drawing/2010/main" val="0"/>
+              </a:ext>
+            </a:extLst>
+          </a:blip>
+          <a:srcRect l="833" t="42643" r="833" b="18885"/>
+          <a:stretch/>
+        </p:blipFill>
+        <p:spPr>
+          <a:xfrm>
+            <a:off x="152400" y="6193947"/>
+            <a:ext cx="17983200" cy="557952"/>
+          </a:xfrm>
+          <a:prstGeom prst="rect">
+            <a:avLst/>
+          </a:prstGeom>
+        </p:spPr>
+      </p:pic>
+      <p:pic>
+        <p:nvPicPr>
+          <p:cNvPr id="8" name="圖片 7">
+            <a:extLst>
+              <a:ext uri="{FF2B5EF4-FFF2-40B4-BE49-F238E27FC236}">
+                <a16:creationId xmlns:a16="http://schemas.microsoft.com/office/drawing/2014/main" id="{A51865C3-2F8D-F62E-B233-D1D203775FD4}"/>
+              </a:ext>
+            </a:extLst>
+          </p:cNvPr>
+          <p:cNvPicPr>
+            <a:picLocks noChangeAspect="1"/>
+          </p:cNvPicPr>
+          <p:nvPr/>
+        </p:nvPicPr>
+        <p:blipFill rotWithShape="1">
+          <a:blip r:embed="rId5">
+            <a:extLst>
+              <a:ext uri="{28A0092B-C50C-407E-A947-70E740481C1C}">
+                <a14:useLocalDpi xmlns:a14="http://schemas.microsoft.com/office/drawing/2010/main" val="0"/>
+              </a:ext>
+            </a:extLst>
+          </a:blip>
+          <a:srcRect l="833" t="41489" r="833" b="15354"/>
+          <a:stretch/>
+        </p:blipFill>
+        <p:spPr>
+          <a:xfrm>
+            <a:off x="152400" y="5557837"/>
+            <a:ext cx="17983200" cy="629416"/>
+          </a:xfrm>
+          <a:prstGeom prst="rect">
+            <a:avLst/>
+          </a:prstGeom>
+        </p:spPr>
+      </p:pic>
+      <p:pic>
+        <p:nvPicPr>
+          <p:cNvPr id="12" name="圖片 11">
+            <a:extLst>
+              <a:ext uri="{FF2B5EF4-FFF2-40B4-BE49-F238E27FC236}">
+                <a16:creationId xmlns:a16="http://schemas.microsoft.com/office/drawing/2014/main" id="{A35022FE-6AD7-7326-9882-AE8C280387C8}"/>
+              </a:ext>
+            </a:extLst>
+          </p:cNvPr>
+          <p:cNvPicPr>
+            <a:picLocks noChangeAspect="1"/>
+          </p:cNvPicPr>
+          <p:nvPr/>
+        </p:nvPicPr>
+        <p:blipFill rotWithShape="1">
+          <a:blip r:embed="rId6">
+            <a:extLst>
+              <a:ext uri="{28A0092B-C50C-407E-A947-70E740481C1C}">
+                <a14:useLocalDpi xmlns:a14="http://schemas.microsoft.com/office/drawing/2010/main" val="0"/>
+              </a:ext>
+            </a:extLst>
+          </a:blip>
+          <a:srcRect l="833" t="42271" r="833" b="19039"/>
+          <a:stretch/>
+        </p:blipFill>
+        <p:spPr>
+          <a:xfrm>
+            <a:off x="152400" y="5010984"/>
+            <a:ext cx="17983200" cy="557952"/>
+          </a:xfrm>
+          <a:prstGeom prst="rect">
+            <a:avLst/>
+          </a:prstGeom>
+        </p:spPr>
+      </p:pic>
+      <p:pic>
+        <p:nvPicPr>
+          <p:cNvPr id="14" name="圖片 13">
+            <a:extLst>
+              <a:ext uri="{FF2B5EF4-FFF2-40B4-BE49-F238E27FC236}">
+                <a16:creationId xmlns:a16="http://schemas.microsoft.com/office/drawing/2014/main" id="{63CF62E8-A453-D2DB-FC19-B56061FB140F}"/>
+              </a:ext>
+            </a:extLst>
+          </p:cNvPr>
+          <p:cNvPicPr>
+            <a:picLocks noChangeAspect="1"/>
+          </p:cNvPicPr>
+          <p:nvPr/>
+        </p:nvPicPr>
+        <p:blipFill rotWithShape="1">
+          <a:blip r:embed="rId7">
+            <a:extLst>
+              <a:ext uri="{28A0092B-C50C-407E-A947-70E740481C1C}">
+                <a14:useLocalDpi xmlns:a14="http://schemas.microsoft.com/office/drawing/2010/main" val="0"/>
+              </a:ext>
+            </a:extLst>
+          </a:blip>
+          <a:srcRect l="833" t="40308" r="833" b="16171"/>
+          <a:stretch/>
+        </p:blipFill>
+        <p:spPr>
+          <a:xfrm>
+            <a:off x="152400" y="4347428"/>
+            <a:ext cx="17983200" cy="684399"/>
+          </a:xfrm>
+          <a:prstGeom prst="rect">
+            <a:avLst/>
+          </a:prstGeom>
+        </p:spPr>
+      </p:pic>
+      <p:pic>
+        <p:nvPicPr>
+          <p:cNvPr id="17" name="圖片 16">
+            <a:extLst>
+              <a:ext uri="{FF2B5EF4-FFF2-40B4-BE49-F238E27FC236}">
+                <a16:creationId xmlns:a16="http://schemas.microsoft.com/office/drawing/2014/main" id="{597F2191-BC98-19B8-0A3D-6CC388F69526}"/>
+              </a:ext>
+            </a:extLst>
+          </p:cNvPr>
+          <p:cNvPicPr>
+            <a:picLocks noChangeAspect="1"/>
+          </p:cNvPicPr>
+          <p:nvPr/>
+        </p:nvPicPr>
+        <p:blipFill rotWithShape="1">
+          <a:blip r:embed="rId8">
+            <a:extLst>
+              <a:ext uri="{28A0092B-C50C-407E-A947-70E740481C1C}">
+                <a14:useLocalDpi xmlns:a14="http://schemas.microsoft.com/office/drawing/2010/main" val="0"/>
+              </a:ext>
+            </a:extLst>
+          </a:blip>
+          <a:srcRect t="-2788"/>
+          <a:stretch/>
+        </p:blipFill>
+        <p:spPr>
+          <a:xfrm>
+            <a:off x="152400" y="2781300"/>
+            <a:ext cx="17983200" cy="1592725"/>
+          </a:xfrm>
+          <a:prstGeom prst="rect">
+            <a:avLst/>
+          </a:prstGeom>
+        </p:spPr>
+      </p:pic>
+      <p:sp>
+        <p:nvSpPr>
+          <p:cNvPr id="18" name="TextBox 8">
+            <a:extLst>
+              <a:ext uri="{FF2B5EF4-FFF2-40B4-BE49-F238E27FC236}">
+                <a16:creationId xmlns:a16="http://schemas.microsoft.com/office/drawing/2014/main" id="{0CBC0CE1-FEE2-EDB6-2B8E-982D393883E3}"/>
+              </a:ext>
+            </a:extLst>
+          </p:cNvPr>
+          <p:cNvSpPr txBox="1"/>
+          <p:nvPr/>
+        </p:nvSpPr>
+        <p:spPr>
+          <a:xfrm>
+            <a:off x="762000" y="7726375"/>
+            <a:ext cx="17068800" cy="968663"/>
+          </a:xfrm>
+          <a:prstGeom prst="rect">
+            <a:avLst/>
+          </a:prstGeom>
+        </p:spPr>
+        <p:txBody>
+          <a:bodyPr wrap="square" lIns="0" tIns="0" rIns="0" bIns="0" rtlCol="0" anchor="t">
+            <a:spAutoFit/>
+          </a:bodyPr>
+          <a:lstStyle/>
+          <a:p>
+            <a:pPr>
+              <a:lnSpc>
+                <a:spcPts val="3887"/>
+              </a:lnSpc>
+            </a:pPr>
+            <a:r>
+              <a:rPr lang="en-US" altLang="zh-TW" sz="3200" dirty="0">
+                <a:latin typeface="Arimo"/>
+                <a:ea typeface="Arimo"/>
+                <a:cs typeface="Arimo"/>
+                <a:sym typeface="Arimo"/>
+              </a:rPr>
+              <a:t>Here I input 5 piece of data for testing the target value – classification. And I found </a:t>
+            </a:r>
+            <a:r>
+              <a:rPr lang="en-US" altLang="zh-TW" sz="3200">
+                <a:latin typeface="Arimo"/>
+                <a:ea typeface="Arimo"/>
+                <a:cs typeface="Arimo"/>
+                <a:sym typeface="Arimo"/>
+              </a:rPr>
+              <a:t>that it’s </a:t>
+            </a:r>
+            <a:r>
+              <a:rPr lang="en-US" altLang="zh-TW" sz="3200" dirty="0">
+                <a:latin typeface="Arimo"/>
+                <a:ea typeface="Arimo"/>
+                <a:cs typeface="Arimo"/>
+                <a:sym typeface="Arimo"/>
+              </a:rPr>
+              <a:t>totally correct, Which means we can use this tool to predict whether patient will get </a:t>
+            </a:r>
+            <a:r>
+              <a:rPr lang="en-US" altLang="zh-TW" sz="3200" dirty="0" err="1">
+                <a:latin typeface="Arimo"/>
+                <a:ea typeface="Arimo"/>
+                <a:cs typeface="Arimo"/>
+                <a:sym typeface="Arimo"/>
+              </a:rPr>
+              <a:t>ckd</a:t>
+            </a:r>
+            <a:r>
+              <a:rPr lang="en-US" altLang="zh-TW" sz="3200" dirty="0">
+                <a:latin typeface="Arimo"/>
+                <a:ea typeface="Arimo"/>
+                <a:cs typeface="Arimo"/>
+                <a:sym typeface="Arimo"/>
+              </a:rPr>
+              <a:t> or not.</a:t>
+            </a:r>
+          </a:p>
+        </p:txBody>
+      </p:sp>
+    </p:spTree>
+  </p:cSld>
+  <p:clrMapOvr>
+    <a:masterClrMapping/>
+  </p:clrMapOvr>
+</p:sld>
+</file>
+
+<file path=ppt/slides/slide15.xml><?xml version="1.0" encoding="utf-8"?>
+<p:sld xmlns:a="http://schemas.openxmlformats.org/drawingml/2006/main" xmlns:r="http://schemas.openxmlformats.org/officeDocument/2006/relationships" xmlns:p="http://schemas.openxmlformats.org/presentationml/2006/main">
+  <p:cSld>
+    <p:spTree>
+      <p:nvGrpSpPr>
+        <p:cNvPr id="1" name=""/>
+        <p:cNvGrpSpPr/>
+        <p:nvPr/>
+      </p:nvGrpSpPr>
+      <p:grpSpPr>
+        <a:xfrm>
+          <a:off x="0" y="0"/>
+          <a:ext cx="0" cy="0"/>
+          <a:chOff x="0" y="0"/>
+          <a:chExt cx="0" cy="0"/>
+        </a:xfrm>
+      </p:grpSpPr>
+      <p:sp>
+        <p:nvSpPr>
+          <p:cNvPr id="2" name="Freeform 2" descr="preencoded.png"/>
+          <p:cNvSpPr/>
+          <p:nvPr/>
+        </p:nvSpPr>
+        <p:spPr>
+          <a:xfrm>
+            <a:off x="0" y="0"/>
+            <a:ext cx="18288000" cy="10287000"/>
+          </a:xfrm>
+          <a:custGeom>
+            <a:avLst/>
+            <a:gdLst/>
+            <a:ahLst/>
+            <a:cxnLst/>
+            <a:rect l="l" t="t" r="r" b="b"/>
+            <a:pathLst>
+              <a:path w="18288000" h="10287000">
+                <a:moveTo>
+                  <a:pt x="0" y="0"/>
+                </a:moveTo>
+                <a:lnTo>
+                  <a:pt x="18288000" y="0"/>
+                </a:lnTo>
+                <a:lnTo>
+                  <a:pt x="18288000" y="10287000"/>
+                </a:lnTo>
+                <a:lnTo>
+                  <a:pt x="0" y="10287000"/>
+                </a:lnTo>
+                <a:lnTo>
+                  <a:pt x="0" y="0"/>
+                </a:lnTo>
+                <a:close/>
+              </a:path>
+            </a:pathLst>
+          </a:custGeom>
+          <a:blipFill>
+            <a:blip r:embed="rId3"/>
+            <a:stretch>
+              <a:fillRect/>
+            </a:stretch>
+          </a:blipFill>
+        </p:spPr>
+        <p:txBody>
+          <a:bodyPr/>
+          <a:lstStyle/>
+          <a:p>
+            <a:endParaRPr lang="zh-TW" altLang="en-US"/>
+          </a:p>
+        </p:txBody>
+      </p:sp>
+      <p:pic>
+        <p:nvPicPr>
+          <p:cNvPr id="9" name="圖片 8">
+            <a:extLst>
+              <a:ext uri="{FF2B5EF4-FFF2-40B4-BE49-F238E27FC236}">
+                <a16:creationId xmlns:a16="http://schemas.microsoft.com/office/drawing/2014/main" id="{ACC2D1BF-E942-3974-D04A-2FD7C62204FA}"/>
+              </a:ext>
+            </a:extLst>
+          </p:cNvPr>
+          <p:cNvPicPr>
+            <a:picLocks noChangeAspect="1"/>
+          </p:cNvPicPr>
+          <p:nvPr/>
+        </p:nvPicPr>
+        <p:blipFill rotWithShape="1">
+          <a:blip r:embed="rId4"/>
+          <a:srcRect r="32325"/>
+          <a:stretch/>
+        </p:blipFill>
+        <p:spPr>
+          <a:xfrm>
+            <a:off x="5676094" y="2042652"/>
+            <a:ext cx="6820706" cy="5591112"/>
+          </a:xfrm>
+          <a:prstGeom prst="rect">
+            <a:avLst/>
+          </a:prstGeom>
+        </p:spPr>
+      </p:pic>
+      <p:pic>
+        <p:nvPicPr>
+          <p:cNvPr id="6" name="圖片 5">
+            <a:extLst>
+              <a:ext uri="{FF2B5EF4-FFF2-40B4-BE49-F238E27FC236}">
+                <a16:creationId xmlns:a16="http://schemas.microsoft.com/office/drawing/2014/main" id="{0AE6254E-8A31-BDB3-DF86-BB7D6DBE39F4}"/>
+              </a:ext>
+            </a:extLst>
+          </p:cNvPr>
+          <p:cNvPicPr>
+            <a:picLocks noChangeAspect="1"/>
+          </p:cNvPicPr>
+          <p:nvPr/>
+        </p:nvPicPr>
+        <p:blipFill rotWithShape="1">
+          <a:blip r:embed="rId5"/>
+          <a:srcRect r="52004"/>
+          <a:stretch/>
+        </p:blipFill>
+        <p:spPr>
+          <a:xfrm>
+            <a:off x="0" y="1892210"/>
+            <a:ext cx="5700676" cy="5739835"/>
+          </a:xfrm>
+          <a:prstGeom prst="rect">
+            <a:avLst/>
+          </a:prstGeom>
+        </p:spPr>
+      </p:pic>
+      <p:sp>
+        <p:nvSpPr>
+          <p:cNvPr id="7" name="TextBox 4">
+            <a:extLst>
+              <a:ext uri="{FF2B5EF4-FFF2-40B4-BE49-F238E27FC236}">
+                <a16:creationId xmlns:a16="http://schemas.microsoft.com/office/drawing/2014/main" id="{886975D5-9E76-7E24-932D-154EC41F7837}"/>
+              </a:ext>
+            </a:extLst>
+          </p:cNvPr>
+          <p:cNvSpPr txBox="1"/>
+          <p:nvPr/>
+        </p:nvSpPr>
+        <p:spPr>
+          <a:xfrm>
+            <a:off x="304800" y="698187"/>
+            <a:ext cx="15697200" cy="615553"/>
+          </a:xfrm>
+          <a:prstGeom prst="rect">
+            <a:avLst/>
+          </a:prstGeom>
+        </p:spPr>
+        <p:txBody>
+          <a:bodyPr wrap="square" lIns="0" tIns="0" rIns="0" bIns="0" rtlCol="0" anchor="t">
+            <a:spAutoFit/>
+          </a:bodyPr>
+          <a:lstStyle/>
+          <a:p>
+            <a:pPr>
+              <a:lnSpc>
+                <a:spcPts val="4750"/>
+              </a:lnSpc>
+            </a:pPr>
+            <a:r>
+              <a:rPr lang="en-US" altLang="zh-TW" sz="5400" dirty="0">
+                <a:solidFill>
+                  <a:srgbClr val="5B5F72"/>
+                </a:solidFill>
+                <a:latin typeface="Arimo Bold"/>
+                <a:ea typeface="Arimo Bold"/>
+                <a:cs typeface="Arimo Bold"/>
+                <a:sym typeface="Arimo Bold"/>
+              </a:rPr>
+              <a:t>Common</a:t>
+            </a:r>
+            <a:r>
+              <a:rPr lang="zh-TW" altLang="en-US" sz="5400" dirty="0">
+                <a:solidFill>
+                  <a:srgbClr val="5B5F72"/>
+                </a:solidFill>
+                <a:latin typeface="Arimo Bold"/>
+                <a:ea typeface="Arimo Bold"/>
+                <a:cs typeface="Arimo Bold"/>
+                <a:sym typeface="Arimo Bold"/>
+              </a:rPr>
+              <a:t> </a:t>
+            </a:r>
+            <a:r>
+              <a:rPr lang="en-US" altLang="zh-TW" sz="5400" dirty="0">
+                <a:solidFill>
+                  <a:srgbClr val="5B5F72"/>
+                </a:solidFill>
+                <a:latin typeface="Arimo Bold"/>
+                <a:ea typeface="Arimo Bold"/>
+                <a:cs typeface="Arimo Bold"/>
+                <a:sym typeface="Arimo Bold"/>
+              </a:rPr>
+              <a:t>Factors</a:t>
+            </a:r>
+            <a:endParaRPr lang="en-US" sz="5400" dirty="0">
               <a:solidFill>
                 <a:srgbClr val="5B5F72"/>
               </a:solidFill>
@@ -12446,12 +11618,303 @@
           </a:p>
         </p:txBody>
       </p:sp>
+      <p:sp>
+        <p:nvSpPr>
+          <p:cNvPr id="8" name="TextBox 4">
+            <a:extLst>
+              <a:ext uri="{FF2B5EF4-FFF2-40B4-BE49-F238E27FC236}">
+                <a16:creationId xmlns:a16="http://schemas.microsoft.com/office/drawing/2014/main" id="{7A3218B0-4E01-6094-22FC-84A0FEEA6B18}"/>
+              </a:ext>
+            </a:extLst>
+          </p:cNvPr>
+          <p:cNvSpPr txBox="1"/>
+          <p:nvPr/>
+        </p:nvSpPr>
+        <p:spPr>
+          <a:xfrm>
+            <a:off x="1066800" y="8388523"/>
+            <a:ext cx="15882612" cy="1092543"/>
+          </a:xfrm>
+          <a:prstGeom prst="rect">
+            <a:avLst/>
+          </a:prstGeom>
+        </p:spPr>
+        <p:txBody>
+          <a:bodyPr wrap="square" lIns="0" tIns="0" rIns="0" bIns="0" rtlCol="0" anchor="t">
+            <a:spAutoFit/>
+          </a:bodyPr>
+          <a:lstStyle/>
+          <a:p>
+            <a:pPr>
+              <a:lnSpc>
+                <a:spcPts val="4375"/>
+              </a:lnSpc>
+            </a:pPr>
+            <a:r>
+              <a:rPr lang="en-US" altLang="zh-TW" sz="3600" dirty="0">
+                <a:solidFill>
+                  <a:srgbClr val="5B5F72"/>
+                </a:solidFill>
+                <a:latin typeface="Arimo Bold"/>
+                <a:ea typeface="Arimo Bold"/>
+                <a:cs typeface="Arimo Bold"/>
+                <a:sym typeface="Arimo Bold"/>
+              </a:rPr>
+              <a:t>Positive:</a:t>
+            </a:r>
+            <a:r>
+              <a:rPr lang="zh-TW" altLang="en-US" sz="3600" dirty="0">
+                <a:solidFill>
+                  <a:srgbClr val="5B5F72"/>
+                </a:solidFill>
+                <a:latin typeface="Arimo Bold"/>
+                <a:ea typeface="Arimo Bold"/>
+                <a:cs typeface="Arimo Bold"/>
+                <a:sym typeface="Arimo Bold"/>
+              </a:rPr>
+              <a:t> </a:t>
+            </a:r>
+            <a:r>
+              <a:rPr lang="en-US" altLang="zh-TW" sz="3600" dirty="0" err="1">
+                <a:solidFill>
+                  <a:schemeClr val="accent3">
+                    <a:lumMod val="75000"/>
+                  </a:schemeClr>
+                </a:solidFill>
+                <a:latin typeface="Arimo Bold"/>
+                <a:ea typeface="Arimo Bold"/>
+                <a:cs typeface="Arimo Bold"/>
+                <a:sym typeface="Arimo Bold"/>
+              </a:rPr>
+              <a:t>sc</a:t>
+            </a:r>
+            <a:r>
+              <a:rPr lang="en-US" altLang="zh-TW" sz="3600" dirty="0">
+                <a:solidFill>
+                  <a:schemeClr val="accent3">
+                    <a:lumMod val="75000"/>
+                  </a:schemeClr>
+                </a:solidFill>
+                <a:latin typeface="Arimo Bold"/>
+                <a:ea typeface="Arimo Bold"/>
+                <a:cs typeface="Arimo Bold"/>
+                <a:sym typeface="Arimo Bold"/>
+              </a:rPr>
+              <a:t>(serum creatinine)</a:t>
+            </a:r>
+            <a:endParaRPr lang="en-US" altLang="zh-TW" sz="3200" dirty="0">
+              <a:solidFill>
+                <a:schemeClr val="accent3">
+                  <a:lumMod val="75000"/>
+                </a:schemeClr>
+              </a:solidFill>
+              <a:latin typeface="Arimo Bold"/>
+              <a:ea typeface="Arimo Bold"/>
+              <a:cs typeface="Arimo Bold"/>
+              <a:sym typeface="Arimo Bold"/>
+            </a:endParaRPr>
+          </a:p>
+          <a:p>
+            <a:pPr>
+              <a:lnSpc>
+                <a:spcPts val="4375"/>
+              </a:lnSpc>
+            </a:pPr>
+            <a:endParaRPr lang="en-US" altLang="zh-TW" sz="3600" dirty="0">
+              <a:solidFill>
+                <a:srgbClr val="5B5F72"/>
+              </a:solidFill>
+              <a:latin typeface="Arimo Bold"/>
+              <a:ea typeface="Arimo Bold"/>
+              <a:cs typeface="Arimo Bold"/>
+              <a:sym typeface="Arimo Bold"/>
+            </a:endParaRPr>
+          </a:p>
+        </p:txBody>
+      </p:sp>
+      <p:sp>
+        <p:nvSpPr>
+          <p:cNvPr id="10" name="TextBox 4">
+            <a:extLst>
+              <a:ext uri="{FF2B5EF4-FFF2-40B4-BE49-F238E27FC236}">
+                <a16:creationId xmlns:a16="http://schemas.microsoft.com/office/drawing/2014/main" id="{98B97A70-4506-0F51-21BA-812D6A3A5437}"/>
+              </a:ext>
+            </a:extLst>
+          </p:cNvPr>
+          <p:cNvSpPr txBox="1"/>
+          <p:nvPr/>
+        </p:nvSpPr>
+        <p:spPr>
+          <a:xfrm>
+            <a:off x="8153400" y="8387294"/>
+            <a:ext cx="9764978" cy="1656800"/>
+          </a:xfrm>
+          <a:prstGeom prst="rect">
+            <a:avLst/>
+          </a:prstGeom>
+        </p:spPr>
+        <p:txBody>
+          <a:bodyPr wrap="square" lIns="0" tIns="0" rIns="0" bIns="0" rtlCol="0" anchor="t">
+            <a:spAutoFit/>
+          </a:bodyPr>
+          <a:lstStyle/>
+          <a:p>
+            <a:pPr>
+              <a:lnSpc>
+                <a:spcPts val="4375"/>
+              </a:lnSpc>
+            </a:pPr>
+            <a:r>
+              <a:rPr lang="en-US" altLang="zh-TW" sz="3600" dirty="0">
+                <a:solidFill>
+                  <a:srgbClr val="5B5F72"/>
+                </a:solidFill>
+                <a:latin typeface="Arimo Bold"/>
+                <a:ea typeface="Arimo Bold"/>
+                <a:cs typeface="Arimo Bold"/>
+                <a:sym typeface="Arimo Bold"/>
+              </a:rPr>
+              <a:t>Negative:</a:t>
+            </a:r>
+            <a:r>
+              <a:rPr lang="zh-TW" altLang="en-US" sz="3600" dirty="0">
+                <a:solidFill>
+                  <a:srgbClr val="5B5F72"/>
+                </a:solidFill>
+                <a:latin typeface="Arimo Bold"/>
+                <a:ea typeface="Arimo Bold"/>
+                <a:cs typeface="Arimo Bold"/>
+                <a:sym typeface="Arimo Bold"/>
+              </a:rPr>
+              <a:t> </a:t>
+            </a:r>
+            <a:r>
+              <a:rPr lang="en-US" altLang="zh-TW" sz="3600" dirty="0" err="1">
+                <a:solidFill>
+                  <a:srgbClr val="C00000"/>
+                </a:solidFill>
+                <a:latin typeface="Arimo Bold"/>
+                <a:ea typeface="Arimo Bold"/>
+                <a:cs typeface="Arimo Bold"/>
+                <a:sym typeface="Arimo Bold"/>
+              </a:rPr>
+              <a:t>hemo</a:t>
+            </a:r>
+            <a:r>
+              <a:rPr lang="en-US" altLang="zh-TW" sz="3600" dirty="0">
+                <a:solidFill>
+                  <a:srgbClr val="C00000"/>
+                </a:solidFill>
+                <a:latin typeface="Arimo Bold"/>
+                <a:ea typeface="Arimo Bold"/>
+                <a:cs typeface="Arimo Bold"/>
+                <a:sym typeface="Arimo Bold"/>
+              </a:rPr>
+              <a:t>(hemoglobin)	</a:t>
+            </a:r>
+            <a:r>
+              <a:rPr lang="zh-TW" altLang="en-US" sz="3600" dirty="0">
+                <a:latin typeface="Arimo Bold"/>
+                <a:ea typeface="Arimo Bold"/>
+                <a:cs typeface="Arimo Bold"/>
+                <a:sym typeface="Arimo Bold"/>
+              </a:rPr>
+              <a:t>、</a:t>
+            </a:r>
+            <a:r>
+              <a:rPr lang="en-US" altLang="zh-TW" sz="3600" dirty="0">
+                <a:solidFill>
+                  <a:srgbClr val="C00000"/>
+                </a:solidFill>
+                <a:latin typeface="Arimo Bold"/>
+                <a:ea typeface="Arimo Bold"/>
+                <a:cs typeface="Arimo Bold"/>
+                <a:sym typeface="Arimo Bold"/>
+              </a:rPr>
+              <a:t>		</a:t>
+            </a:r>
+            <a:r>
+              <a:rPr lang="zh-TW" altLang="en-US" sz="3600" dirty="0">
+                <a:solidFill>
+                  <a:srgbClr val="C00000"/>
+                </a:solidFill>
+                <a:latin typeface="Arimo Bold"/>
+                <a:ea typeface="Arimo Bold"/>
+                <a:cs typeface="Arimo Bold"/>
+                <a:sym typeface="Arimo Bold"/>
+              </a:rPr>
+              <a:t>   </a:t>
+            </a:r>
+            <a:r>
+              <a:rPr lang="en-US" altLang="zh-TW" sz="3600" dirty="0" err="1">
+                <a:solidFill>
+                  <a:srgbClr val="C00000"/>
+                </a:solidFill>
+                <a:latin typeface="Arimo Bold"/>
+                <a:ea typeface="Arimo Bold"/>
+                <a:cs typeface="Arimo Bold"/>
+                <a:sym typeface="Arimo Bold"/>
+              </a:rPr>
+              <a:t>pcv</a:t>
+            </a:r>
+            <a:r>
+              <a:rPr lang="en-US" altLang="zh-TW" sz="3600" dirty="0">
+                <a:solidFill>
+                  <a:srgbClr val="C00000"/>
+                </a:solidFill>
+                <a:latin typeface="Arimo Bold"/>
+                <a:ea typeface="Arimo Bold"/>
+                <a:cs typeface="Arimo Bold"/>
+                <a:sym typeface="Arimo Bold"/>
+              </a:rPr>
+              <a:t>(packed cell volume)</a:t>
+            </a:r>
+            <a:r>
+              <a:rPr lang="zh-TW" altLang="en-US" sz="3600" dirty="0">
+                <a:latin typeface="Arimo Bold"/>
+                <a:ea typeface="Arimo Bold"/>
+                <a:cs typeface="Arimo Bold"/>
+                <a:sym typeface="Arimo Bold"/>
+              </a:rPr>
+              <a:t>、</a:t>
+            </a:r>
+            <a:r>
+              <a:rPr lang="en-US" altLang="zh-TW" sz="3600" dirty="0">
+                <a:solidFill>
+                  <a:srgbClr val="C00000"/>
+                </a:solidFill>
+                <a:latin typeface="Arimo Bold"/>
+                <a:ea typeface="Arimo Bold"/>
+                <a:cs typeface="Arimo Bold"/>
+                <a:sym typeface="Arimo Bold"/>
+              </a:rPr>
+              <a:t>sg(specific gravity)</a:t>
+            </a:r>
+          </a:p>
+          <a:p>
+            <a:pPr>
+              <a:lnSpc>
+                <a:spcPts val="4375"/>
+              </a:lnSpc>
+            </a:pPr>
+            <a:endParaRPr lang="en-US" sz="3600" dirty="0">
+              <a:solidFill>
+                <a:srgbClr val="5B5F72"/>
+              </a:solidFill>
+              <a:latin typeface="Arimo Bold"/>
+              <a:ea typeface="Arimo Bold"/>
+              <a:cs typeface="Arimo Bold"/>
+              <a:sym typeface="Arimo Bold"/>
+            </a:endParaRPr>
+          </a:p>
+        </p:txBody>
+      </p:sp>
       <p:pic>
         <p:nvPicPr>
-          <p:cNvPr id="11" name="圖片 10">
+          <p:cNvPr id="5" name="圖片 4">
             <a:extLst>
               <a:ext uri="{FF2B5EF4-FFF2-40B4-BE49-F238E27FC236}">
-                <a16:creationId xmlns:a16="http://schemas.microsoft.com/office/drawing/2014/main" id="{348BD9CA-975A-7683-FE75-E2A766535C40}"/>
+                <a16:creationId xmlns:a16="http://schemas.microsoft.com/office/drawing/2014/main" id="{F90190AE-044F-6F94-65B0-B8C8EE982741}"/>
               </a:ext>
             </a:extLst>
           </p:cNvPr>
@@ -12460,304 +11923,25 @@
           </p:cNvPicPr>
           <p:nvPr/>
         </p:nvPicPr>
-        <p:blipFill>
-          <a:blip r:embed="rId4"/>
-          <a:stretch>
-            <a:fillRect/>
-          </a:stretch>
+        <p:blipFill rotWithShape="1">
+          <a:blip r:embed="rId6"/>
+          <a:srcRect r="47900"/>
+          <a:stretch/>
         </p:blipFill>
         <p:spPr>
           <a:xfrm>
-            <a:off x="838201" y="2609580"/>
-            <a:ext cx="8990742" cy="4228165"/>
+            <a:off x="12481561" y="2027942"/>
+            <a:ext cx="5806440" cy="5612746"/>
           </a:xfrm>
           <a:prstGeom prst="rect">
             <a:avLst/>
           </a:prstGeom>
         </p:spPr>
       </p:pic>
-      <p:pic>
-        <p:nvPicPr>
-          <p:cNvPr id="7" name="圖片 6">
-            <a:extLst>
-              <a:ext uri="{FF2B5EF4-FFF2-40B4-BE49-F238E27FC236}">
-                <a16:creationId xmlns:a16="http://schemas.microsoft.com/office/drawing/2014/main" id="{0D92208D-47FA-6878-7603-EFDF0972A98B}"/>
-              </a:ext>
-            </a:extLst>
-          </p:cNvPr>
-          <p:cNvPicPr>
-            <a:picLocks noChangeAspect="1"/>
-          </p:cNvPicPr>
-          <p:nvPr/>
-        </p:nvPicPr>
-        <p:blipFill>
-          <a:blip r:embed="rId5"/>
-          <a:stretch>
-            <a:fillRect/>
-          </a:stretch>
-        </p:blipFill>
-        <p:spPr>
-          <a:xfrm>
-            <a:off x="9829800" y="649487"/>
-            <a:ext cx="7010400" cy="6837886"/>
-          </a:xfrm>
-          <a:prstGeom prst="rect">
-            <a:avLst/>
-          </a:prstGeom>
-        </p:spPr>
-      </p:pic>
-      <p:sp>
-        <p:nvSpPr>
-          <p:cNvPr id="9" name="TextBox 8">
-            <a:extLst>
-              <a:ext uri="{FF2B5EF4-FFF2-40B4-BE49-F238E27FC236}">
-                <a16:creationId xmlns:a16="http://schemas.microsoft.com/office/drawing/2014/main" id="{5B5632D9-E642-B005-DAD3-6F2BD2792370}"/>
-              </a:ext>
-            </a:extLst>
-          </p:cNvPr>
-          <p:cNvSpPr txBox="1"/>
-          <p:nvPr/>
-        </p:nvSpPr>
-        <p:spPr>
-          <a:xfrm>
-            <a:off x="5120546" y="7984078"/>
-            <a:ext cx="3961768" cy="453394"/>
-          </a:xfrm>
-          <a:prstGeom prst="rect">
-            <a:avLst/>
-          </a:prstGeom>
-        </p:spPr>
-        <p:txBody>
-          <a:bodyPr wrap="square" lIns="0" tIns="0" rIns="0" bIns="0" rtlCol="0" anchor="t">
-            <a:spAutoFit/>
-          </a:bodyPr>
-          <a:lstStyle/>
-          <a:p>
-            <a:pPr algn="ctr">
-              <a:lnSpc>
-                <a:spcPts val="3499"/>
-              </a:lnSpc>
-              <a:spcBef>
-                <a:spcPct val="0"/>
-              </a:spcBef>
-            </a:pPr>
-            <a:r>
-              <a:rPr lang="en-US" sz="4000" dirty="0" err="1">
-                <a:solidFill>
-                  <a:srgbClr val="000000"/>
-                </a:solidFill>
-                <a:latin typeface="Arimo Bold"/>
-                <a:ea typeface="Arimo Bold"/>
-                <a:cs typeface="Arimo Bold"/>
-                <a:sym typeface="Arimo Bold"/>
-              </a:rPr>
-              <a:t>hemo</a:t>
-            </a:r>
-            <a:r>
-              <a:rPr lang="en-US" sz="4000" dirty="0">
-                <a:solidFill>
-                  <a:srgbClr val="000000"/>
-                </a:solidFill>
-                <a:latin typeface="Arimo Bold"/>
-                <a:ea typeface="Arimo Bold"/>
-                <a:cs typeface="Arimo Bold"/>
-                <a:sym typeface="Arimo Bold"/>
-              </a:rPr>
-              <a:t>:  0.116</a:t>
-            </a:r>
-          </a:p>
-        </p:txBody>
-      </p:sp>
-      <p:sp>
-        <p:nvSpPr>
-          <p:cNvPr id="10" name="TextBox 9">
-            <a:extLst>
-              <a:ext uri="{FF2B5EF4-FFF2-40B4-BE49-F238E27FC236}">
-                <a16:creationId xmlns:a16="http://schemas.microsoft.com/office/drawing/2014/main" id="{2D36F5FE-08B5-52A8-938C-1CBD306BDA78}"/>
-              </a:ext>
-            </a:extLst>
-          </p:cNvPr>
-          <p:cNvSpPr txBox="1"/>
-          <p:nvPr/>
-        </p:nvSpPr>
-        <p:spPr>
-          <a:xfrm>
-            <a:off x="5791200" y="8941702"/>
-            <a:ext cx="6157316" cy="453394"/>
-          </a:xfrm>
-          <a:prstGeom prst="rect">
-            <a:avLst/>
-          </a:prstGeom>
-        </p:spPr>
-        <p:txBody>
-          <a:bodyPr lIns="0" tIns="0" rIns="0" bIns="0" rtlCol="0" anchor="t">
-            <a:spAutoFit/>
-          </a:bodyPr>
-          <a:lstStyle/>
-          <a:p>
-            <a:pPr algn="l">
-              <a:lnSpc>
-                <a:spcPts val="3499"/>
-              </a:lnSpc>
-              <a:spcBef>
-                <a:spcPct val="0"/>
-              </a:spcBef>
-            </a:pPr>
-            <a:r>
-              <a:rPr lang="en-US" altLang="zh-TW" sz="4000" dirty="0" err="1">
-                <a:solidFill>
-                  <a:srgbClr val="000000"/>
-                </a:solidFill>
-                <a:latin typeface="Arimo Bold"/>
-                <a:ea typeface="Arimo Bold"/>
-                <a:cs typeface="Arimo Bold"/>
-                <a:sym typeface="Arimo Bold"/>
-              </a:rPr>
-              <a:t>pcv</a:t>
-            </a:r>
-            <a:r>
-              <a:rPr lang="en-US" sz="4000" dirty="0">
-                <a:solidFill>
-                  <a:srgbClr val="000000"/>
-                </a:solidFill>
-                <a:latin typeface="Arimo Bold"/>
-                <a:ea typeface="Arimo Bold"/>
-                <a:cs typeface="Arimo Bold"/>
-                <a:sym typeface="Arimo Bold"/>
-              </a:rPr>
-              <a:t>:  0.105</a:t>
-            </a:r>
-          </a:p>
-        </p:txBody>
-      </p:sp>
-      <p:sp>
-        <p:nvSpPr>
-          <p:cNvPr id="12" name="TextBox 9">
-            <a:extLst>
-              <a:ext uri="{FF2B5EF4-FFF2-40B4-BE49-F238E27FC236}">
-                <a16:creationId xmlns:a16="http://schemas.microsoft.com/office/drawing/2014/main" id="{B584BA96-3B49-0977-B64A-A6094E3D5E3C}"/>
-              </a:ext>
-            </a:extLst>
-          </p:cNvPr>
-          <p:cNvSpPr txBox="1"/>
-          <p:nvPr/>
-        </p:nvSpPr>
-        <p:spPr>
-          <a:xfrm>
-            <a:off x="9555171" y="7949953"/>
-            <a:ext cx="6157316" cy="453394"/>
-          </a:xfrm>
-          <a:prstGeom prst="rect">
-            <a:avLst/>
-          </a:prstGeom>
-        </p:spPr>
-        <p:txBody>
-          <a:bodyPr lIns="0" tIns="0" rIns="0" bIns="0" rtlCol="0" anchor="t">
-            <a:spAutoFit/>
-          </a:bodyPr>
-          <a:lstStyle/>
-          <a:p>
-            <a:pPr algn="l">
-              <a:lnSpc>
-                <a:spcPts val="3499"/>
-              </a:lnSpc>
-              <a:spcBef>
-                <a:spcPct val="0"/>
-              </a:spcBef>
-            </a:pPr>
-            <a:r>
-              <a:rPr lang="en-US" altLang="zh-TW" sz="4000" dirty="0" err="1">
-                <a:solidFill>
-                  <a:srgbClr val="000000"/>
-                </a:solidFill>
-                <a:latin typeface="Arimo Bold"/>
-                <a:ea typeface="Arimo Bold"/>
-                <a:cs typeface="Arimo Bold"/>
-                <a:sym typeface="Arimo Bold"/>
-              </a:rPr>
-              <a:t>bgr</a:t>
-            </a:r>
-            <a:r>
-              <a:rPr lang="en-US" sz="4000" dirty="0">
-                <a:solidFill>
-                  <a:srgbClr val="000000"/>
-                </a:solidFill>
-                <a:latin typeface="Arimo Bold"/>
-                <a:ea typeface="Arimo Bold"/>
-                <a:cs typeface="Arimo Bold"/>
-                <a:sym typeface="Arimo Bold"/>
-              </a:rPr>
-              <a:t>:  0.088</a:t>
-            </a:r>
-          </a:p>
-        </p:txBody>
-      </p:sp>
-      <p:sp>
-        <p:nvSpPr>
-          <p:cNvPr id="13" name="TextBox 9">
-            <a:extLst>
-              <a:ext uri="{FF2B5EF4-FFF2-40B4-BE49-F238E27FC236}">
-                <a16:creationId xmlns:a16="http://schemas.microsoft.com/office/drawing/2014/main" id="{D0364517-0620-A26C-1B74-81127C58CD39}"/>
-              </a:ext>
-            </a:extLst>
-          </p:cNvPr>
-          <p:cNvSpPr txBox="1"/>
-          <p:nvPr/>
-        </p:nvSpPr>
-        <p:spPr>
-          <a:xfrm>
-            <a:off x="9677400" y="8941702"/>
-            <a:ext cx="6157316" cy="453394"/>
-          </a:xfrm>
-          <a:prstGeom prst="rect">
-            <a:avLst/>
-          </a:prstGeom>
-        </p:spPr>
-        <p:txBody>
-          <a:bodyPr wrap="square" lIns="0" tIns="0" rIns="0" bIns="0" rtlCol="0" anchor="t">
-            <a:spAutoFit/>
-          </a:bodyPr>
-          <a:lstStyle/>
-          <a:p>
-            <a:pPr algn="l">
-              <a:lnSpc>
-                <a:spcPts val="3499"/>
-              </a:lnSpc>
-              <a:spcBef>
-                <a:spcPct val="0"/>
-              </a:spcBef>
-            </a:pPr>
-            <a:r>
-              <a:rPr lang="en-US" altLang="zh-TW" sz="4000" dirty="0" err="1">
-                <a:solidFill>
-                  <a:srgbClr val="000000"/>
-                </a:solidFill>
-                <a:latin typeface="Arimo Bold"/>
-                <a:ea typeface="Arimo Bold"/>
-                <a:cs typeface="Arimo Bold"/>
-                <a:sym typeface="Arimo Bold"/>
-              </a:rPr>
-              <a:t>sc</a:t>
-            </a:r>
-            <a:r>
-              <a:rPr lang="en-US" sz="4000" dirty="0">
-                <a:solidFill>
-                  <a:srgbClr val="000000"/>
-                </a:solidFill>
-                <a:latin typeface="Arimo Bold"/>
-                <a:ea typeface="Arimo Bold"/>
-                <a:cs typeface="Arimo Bold"/>
-                <a:sym typeface="Arimo Bold"/>
-              </a:rPr>
-              <a:t>:  0.075</a:t>
-            </a:r>
-          </a:p>
-        </p:txBody>
-      </p:sp>
     </p:spTree>
     <p:extLst>
       <p:ext uri="{BB962C8B-B14F-4D97-AF65-F5344CB8AC3E}">
-        <p14:creationId xmlns:p14="http://schemas.microsoft.com/office/powerpoint/2010/main" val="2947347181"/>
+        <p14:creationId xmlns:p14="http://schemas.microsoft.com/office/powerpoint/2010/main" val="2398364674"/>
       </p:ext>
     </p:extLst>
   </p:cSld>
@@ -12903,27 +12087,21 @@
       </p:grpSp>
       <p:sp>
         <p:nvSpPr>
-          <p:cNvPr id="10" name="TextBox 6">
-            <a:extLst>
-              <a:ext uri="{FF2B5EF4-FFF2-40B4-BE49-F238E27FC236}">
-                <a16:creationId xmlns:a16="http://schemas.microsoft.com/office/drawing/2014/main" id="{BC2BA4F5-4C08-1154-A467-59E8FD21B5E3}"/>
-              </a:ext>
-            </a:extLst>
-          </p:cNvPr>
+          <p:cNvPr id="5" name="TextBox 5"/>
           <p:cNvSpPr txBox="1"/>
           <p:nvPr/>
         </p:nvSpPr>
         <p:spPr>
           <a:xfrm>
-            <a:off x="609600" y="571500"/>
-            <a:ext cx="10533337" cy="908326"/>
-          </a:xfrm>
-          <a:prstGeom prst="rect">
-            <a:avLst/>
-          </a:prstGeom>
-        </p:spPr>
-        <p:txBody>
-          <a:bodyPr lIns="0" tIns="0" rIns="0" bIns="0" rtlCol="0" anchor="t">
+            <a:off x="609600" y="462624"/>
+            <a:ext cx="12344400" cy="908326"/>
+          </a:xfrm>
+          <a:prstGeom prst="rect">
+            <a:avLst/>
+          </a:prstGeom>
+        </p:spPr>
+        <p:txBody>
+          <a:bodyPr wrap="square" lIns="0" tIns="0" rIns="0" bIns="0" rtlCol="0" anchor="t">
             <a:spAutoFit/>
           </a:bodyPr>
           <a:lstStyle/>
@@ -12943,7 +12121,7 @@
                 <a:cs typeface="Arimo Bold"/>
                 <a:sym typeface="Arimo Bold"/>
               </a:rPr>
-              <a:t>Accuracy(</a:t>
+              <a:t>Operating with </a:t>
             </a:r>
             <a:r>
               <a:rPr lang="en-US" altLang="zh-TW" sz="6075" dirty="0">
@@ -12955,295 +12133,9 @@
                 <a:cs typeface="Arimo Bold"/>
                 <a:sym typeface="Arimo Bold"/>
               </a:rPr>
-              <a:t>Causal</a:t>
-            </a:r>
-            <a:r>
-              <a:rPr lang="zh-TW" altLang="en-US" sz="6075" dirty="0">
-                <a:solidFill>
-                  <a:srgbClr val="5B5F72"/>
-                </a:solidFill>
-                <a:latin typeface="Arimo Bold"/>
-                <a:ea typeface="Arimo Bold"/>
-                <a:cs typeface="Arimo Bold"/>
-                <a:sym typeface="Arimo Bold"/>
-              </a:rPr>
-              <a:t> </a:t>
-            </a:r>
-            <a:r>
-              <a:rPr lang="en-US" altLang="zh-TW" sz="6075" dirty="0">
-                <a:solidFill>
-                  <a:srgbClr val="5B5F72"/>
-                </a:solidFill>
-                <a:latin typeface="Arimo Bold"/>
-                <a:ea typeface="Arimo Bold"/>
-                <a:cs typeface="Arimo Bold"/>
-                <a:sym typeface="Arimo Bold"/>
-              </a:rPr>
-              <a:t>Prediction</a:t>
-            </a:r>
-            <a:r>
-              <a:rPr lang="en-US" sz="6075" dirty="0">
-                <a:solidFill>
-                  <a:srgbClr val="5B5F72"/>
-                </a:solidFill>
-                <a:latin typeface="Arimo Bold"/>
-                <a:ea typeface="Arimo Bold"/>
-                <a:cs typeface="Arimo Bold"/>
-                <a:sym typeface="Arimo Bold"/>
-              </a:rPr>
-              <a:t>)</a:t>
-            </a:r>
-          </a:p>
-        </p:txBody>
-      </p:sp>
-      <p:sp>
-        <p:nvSpPr>
-          <p:cNvPr id="11" name="TextBox 8">
-            <a:extLst>
-              <a:ext uri="{FF2B5EF4-FFF2-40B4-BE49-F238E27FC236}">
-                <a16:creationId xmlns:a16="http://schemas.microsoft.com/office/drawing/2014/main" id="{D2E3CD7C-930B-AA43-72E0-EE65319011EF}"/>
-              </a:ext>
-            </a:extLst>
-          </p:cNvPr>
-          <p:cNvSpPr txBox="1"/>
-          <p:nvPr/>
-        </p:nvSpPr>
-        <p:spPr>
-          <a:xfrm>
-            <a:off x="609600" y="1618484"/>
-            <a:ext cx="12649200" cy="456856"/>
-          </a:xfrm>
-          <a:prstGeom prst="rect">
-            <a:avLst/>
-          </a:prstGeom>
-        </p:spPr>
-        <p:txBody>
-          <a:bodyPr wrap="square" lIns="0" tIns="0" rIns="0" bIns="0" rtlCol="0" anchor="t">
-            <a:spAutoFit/>
-          </a:bodyPr>
-          <a:lstStyle/>
-          <a:p>
-            <a:pPr>
-              <a:lnSpc>
-                <a:spcPts val="3887"/>
-              </a:lnSpc>
-            </a:pPr>
-            <a:r>
-              <a:rPr lang="en-US" altLang="zh-TW" sz="2800" dirty="0">
-                <a:solidFill>
-                  <a:srgbClr val="5B5F71"/>
-                </a:solidFill>
-                <a:latin typeface="Arimo"/>
-                <a:ea typeface="Arimo"/>
-                <a:cs typeface="Arimo"/>
-                <a:sym typeface="Arimo"/>
-              </a:rPr>
-              <a:t>Change outliers to</a:t>
-            </a:r>
-            <a:r>
-              <a:rPr lang="zh-TW" altLang="en-US" sz="2800" dirty="0">
-                <a:solidFill>
-                  <a:srgbClr val="5B5F71"/>
-                </a:solidFill>
-                <a:latin typeface="Arimo"/>
-                <a:ea typeface="Arimo"/>
-                <a:cs typeface="Arimo"/>
-                <a:sym typeface="Arimo"/>
-              </a:rPr>
-              <a:t> </a:t>
-            </a:r>
-            <a:r>
-              <a:rPr lang="en-US" altLang="zh-TW" sz="2800" dirty="0">
-                <a:solidFill>
-                  <a:srgbClr val="5B5F71"/>
-                </a:solidFill>
-                <a:latin typeface="Arimo"/>
-                <a:ea typeface="Arimo"/>
-                <a:cs typeface="Arimo"/>
-                <a:sym typeface="Arimo"/>
-              </a:rPr>
-              <a:t>empty value(90%). Delete row(Over 3 empty).</a:t>
-            </a:r>
-            <a:r>
-              <a:rPr lang="zh-TW" altLang="en-US" sz="2800" dirty="0">
-                <a:solidFill>
-                  <a:srgbClr val="5B5F71"/>
-                </a:solidFill>
-                <a:latin typeface="Arimo"/>
-                <a:ea typeface="Arimo"/>
-                <a:cs typeface="Arimo"/>
-                <a:sym typeface="Arimo"/>
-              </a:rPr>
-              <a:t> </a:t>
-            </a:r>
-            <a:r>
-              <a:rPr lang="en-US" altLang="zh-TW" sz="2800" dirty="0">
-                <a:solidFill>
-                  <a:srgbClr val="5B5F71"/>
-                </a:solidFill>
-                <a:latin typeface="Arimo"/>
-                <a:ea typeface="Arimo"/>
-                <a:cs typeface="Arimo"/>
-                <a:sym typeface="Arimo"/>
-              </a:rPr>
-              <a:t>Balance data.</a:t>
-            </a:r>
-          </a:p>
-        </p:txBody>
-      </p:sp>
-      <p:pic>
-        <p:nvPicPr>
-          <p:cNvPr id="13" name="圖片 12">
-            <a:extLst>
-              <a:ext uri="{FF2B5EF4-FFF2-40B4-BE49-F238E27FC236}">
-                <a16:creationId xmlns:a16="http://schemas.microsoft.com/office/drawing/2014/main" id="{9E5738D1-55F5-2C94-431B-C3271F1229FB}"/>
-              </a:ext>
-            </a:extLst>
-          </p:cNvPr>
-          <p:cNvPicPr>
-            <a:picLocks noChangeAspect="1"/>
-          </p:cNvPicPr>
-          <p:nvPr/>
-        </p:nvPicPr>
-        <p:blipFill>
-          <a:blip r:embed="rId4"/>
-          <a:stretch>
-            <a:fillRect/>
-          </a:stretch>
-        </p:blipFill>
-        <p:spPr>
-          <a:xfrm>
-            <a:off x="8409377" y="2145701"/>
-            <a:ext cx="8583223" cy="6649378"/>
-          </a:xfrm>
-          <a:prstGeom prst="rect">
-            <a:avLst/>
-          </a:prstGeom>
-        </p:spPr>
-      </p:pic>
-      <p:pic>
-        <p:nvPicPr>
-          <p:cNvPr id="15" name="圖片 14">
-            <a:extLst>
-              <a:ext uri="{FF2B5EF4-FFF2-40B4-BE49-F238E27FC236}">
-                <a16:creationId xmlns:a16="http://schemas.microsoft.com/office/drawing/2014/main" id="{56DECEF2-45EF-51F2-08BA-1EEBC79BA414}"/>
-              </a:ext>
-            </a:extLst>
-          </p:cNvPr>
-          <p:cNvPicPr>
-            <a:picLocks noChangeAspect="1"/>
-          </p:cNvPicPr>
-          <p:nvPr/>
-        </p:nvPicPr>
-        <p:blipFill>
-          <a:blip r:embed="rId5"/>
-          <a:stretch>
-            <a:fillRect/>
-          </a:stretch>
-        </p:blipFill>
-        <p:spPr>
-          <a:xfrm>
-            <a:off x="1295400" y="3009556"/>
-            <a:ext cx="6858000" cy="5101167"/>
-          </a:xfrm>
-          <a:prstGeom prst="rect">
-            <a:avLst/>
-          </a:prstGeom>
-        </p:spPr>
-      </p:pic>
-      <p:sp>
-        <p:nvSpPr>
-          <p:cNvPr id="16" name="TextBox 4">
-            <a:extLst>
-              <a:ext uri="{FF2B5EF4-FFF2-40B4-BE49-F238E27FC236}">
-                <a16:creationId xmlns:a16="http://schemas.microsoft.com/office/drawing/2014/main" id="{C7ADE17F-165A-0B68-97DC-C4CC57983A45}"/>
-              </a:ext>
-            </a:extLst>
-          </p:cNvPr>
-          <p:cNvSpPr txBox="1"/>
-          <p:nvPr/>
-        </p:nvSpPr>
-        <p:spPr>
-          <a:xfrm>
-            <a:off x="3048000" y="9029700"/>
-            <a:ext cx="11214393" cy="537904"/>
-          </a:xfrm>
-          <a:prstGeom prst="rect">
-            <a:avLst/>
-          </a:prstGeom>
-        </p:spPr>
-        <p:txBody>
-          <a:bodyPr wrap="square" lIns="0" tIns="0" rIns="0" bIns="0" rtlCol="0" anchor="t">
-            <a:spAutoFit/>
-          </a:bodyPr>
-          <a:lstStyle/>
-          <a:p>
-            <a:pPr algn="ctr">
-              <a:lnSpc>
-                <a:spcPts val="4500"/>
-              </a:lnSpc>
-            </a:pPr>
-            <a:r>
-              <a:rPr lang="en-US" altLang="zh-TW" sz="3600" dirty="0">
-                <a:solidFill>
-                  <a:srgbClr val="5B5F72"/>
-                </a:solidFill>
-                <a:latin typeface="Arimo Bold"/>
-                <a:ea typeface="Arimo Bold"/>
-                <a:cs typeface="Arimo Bold"/>
-                <a:sym typeface="Arimo Bold"/>
-              </a:rPr>
-              <a:t>Train/Test</a:t>
-            </a:r>
-            <a:r>
-              <a:rPr lang="zh-TW" altLang="en-US" sz="3600" dirty="0">
-                <a:solidFill>
-                  <a:srgbClr val="5B5F72"/>
-                </a:solidFill>
-                <a:latin typeface="Arimo Bold"/>
-                <a:ea typeface="Arimo Bold"/>
-                <a:cs typeface="Arimo Bold"/>
-                <a:sym typeface="Arimo Bold"/>
-              </a:rPr>
-              <a:t> </a:t>
-            </a:r>
-            <a:r>
-              <a:rPr lang="en-US" altLang="zh-TW" sz="3600" dirty="0">
-                <a:solidFill>
-                  <a:srgbClr val="5B5F72"/>
-                </a:solidFill>
-                <a:latin typeface="Arimo Bold"/>
-                <a:ea typeface="Arimo Bold"/>
-                <a:cs typeface="Arimo Bold"/>
-                <a:sym typeface="Arimo Bold"/>
-              </a:rPr>
-              <a:t>=</a:t>
-            </a:r>
-            <a:r>
-              <a:rPr lang="zh-TW" altLang="en-US" sz="3600" dirty="0">
-                <a:solidFill>
-                  <a:srgbClr val="5B5F72"/>
-                </a:solidFill>
-                <a:latin typeface="Arimo Bold"/>
-                <a:ea typeface="Arimo Bold"/>
-                <a:cs typeface="Arimo Bold"/>
-                <a:sym typeface="Arimo Bold"/>
-              </a:rPr>
-              <a:t> </a:t>
-            </a:r>
-            <a:r>
-              <a:rPr lang="en-US" altLang="zh-TW" sz="3600" dirty="0">
-                <a:solidFill>
-                  <a:srgbClr val="5B5F72"/>
-                </a:solidFill>
-                <a:latin typeface="Arimo Bold"/>
-                <a:ea typeface="Arimo Bold"/>
-                <a:cs typeface="Arimo Bold"/>
-                <a:sym typeface="Arimo Bold"/>
-              </a:rPr>
-              <a:t>70%/30%</a:t>
-            </a:r>
-            <a:endParaRPr lang="en-US" sz="3600" dirty="0">
+              <a:t>LLM</a:t>
+            </a:r>
+            <a:endParaRPr lang="en-US" sz="6075" dirty="0">
               <a:solidFill>
                 <a:srgbClr val="5B5F72"/>
               </a:solidFill>
@@ -13255,7 +12147,367 @@
           </a:p>
         </p:txBody>
       </p:sp>
+      <p:pic>
+        <p:nvPicPr>
+          <p:cNvPr id="11" name="圖片 10">
+            <a:extLst>
+              <a:ext uri="{FF2B5EF4-FFF2-40B4-BE49-F238E27FC236}">
+                <a16:creationId xmlns:a16="http://schemas.microsoft.com/office/drawing/2014/main" id="{348BD9CA-975A-7683-FE75-E2A766535C40}"/>
+              </a:ext>
+            </a:extLst>
+          </p:cNvPr>
+          <p:cNvPicPr>
+            <a:picLocks noChangeAspect="1"/>
+          </p:cNvPicPr>
+          <p:nvPr/>
+        </p:nvPicPr>
+        <p:blipFill>
+          <a:blip r:embed="rId4"/>
+          <a:stretch>
+            <a:fillRect/>
+          </a:stretch>
+        </p:blipFill>
+        <p:spPr>
+          <a:xfrm>
+            <a:off x="838201" y="2609580"/>
+            <a:ext cx="8990742" cy="4228165"/>
+          </a:xfrm>
+          <a:prstGeom prst="rect">
+            <a:avLst/>
+          </a:prstGeom>
+        </p:spPr>
+      </p:pic>
+      <p:pic>
+        <p:nvPicPr>
+          <p:cNvPr id="7" name="圖片 6">
+            <a:extLst>
+              <a:ext uri="{FF2B5EF4-FFF2-40B4-BE49-F238E27FC236}">
+                <a16:creationId xmlns:a16="http://schemas.microsoft.com/office/drawing/2014/main" id="{0D92208D-47FA-6878-7603-EFDF0972A98B}"/>
+              </a:ext>
+            </a:extLst>
+          </p:cNvPr>
+          <p:cNvPicPr>
+            <a:picLocks noChangeAspect="1"/>
+          </p:cNvPicPr>
+          <p:nvPr/>
+        </p:nvPicPr>
+        <p:blipFill>
+          <a:blip r:embed="rId5"/>
+          <a:stretch>
+            <a:fillRect/>
+          </a:stretch>
+        </p:blipFill>
+        <p:spPr>
+          <a:xfrm>
+            <a:off x="9829800" y="649487"/>
+            <a:ext cx="7010400" cy="6837886"/>
+          </a:xfrm>
+          <a:prstGeom prst="rect">
+            <a:avLst/>
+          </a:prstGeom>
+        </p:spPr>
+      </p:pic>
+      <p:sp>
+        <p:nvSpPr>
+          <p:cNvPr id="9" name="TextBox 8">
+            <a:extLst>
+              <a:ext uri="{FF2B5EF4-FFF2-40B4-BE49-F238E27FC236}">
+                <a16:creationId xmlns:a16="http://schemas.microsoft.com/office/drawing/2014/main" id="{5B5632D9-E642-B005-DAD3-6F2BD2792370}"/>
+              </a:ext>
+            </a:extLst>
+          </p:cNvPr>
+          <p:cNvSpPr txBox="1"/>
+          <p:nvPr/>
+        </p:nvSpPr>
+        <p:spPr>
+          <a:xfrm>
+            <a:off x="7216407" y="8047264"/>
+            <a:ext cx="3961768" cy="453394"/>
+          </a:xfrm>
+          <a:prstGeom prst="rect">
+            <a:avLst/>
+          </a:prstGeom>
+        </p:spPr>
+        <p:txBody>
+          <a:bodyPr wrap="square" lIns="0" tIns="0" rIns="0" bIns="0" rtlCol="0" anchor="t">
+            <a:spAutoFit/>
+          </a:bodyPr>
+          <a:lstStyle/>
+          <a:p>
+            <a:pPr algn="ctr">
+              <a:lnSpc>
+                <a:spcPts val="3499"/>
+              </a:lnSpc>
+              <a:spcBef>
+                <a:spcPct val="0"/>
+              </a:spcBef>
+            </a:pPr>
+            <a:r>
+              <a:rPr lang="en-US" sz="4000" dirty="0" err="1">
+                <a:solidFill>
+                  <a:srgbClr val="000000"/>
+                </a:solidFill>
+                <a:latin typeface="Arimo Bold"/>
+                <a:ea typeface="Arimo Bold"/>
+                <a:cs typeface="Arimo Bold"/>
+                <a:sym typeface="Arimo Bold"/>
+              </a:rPr>
+              <a:t>hemo</a:t>
+            </a:r>
+            <a:r>
+              <a:rPr lang="en-US" sz="4000" dirty="0">
+                <a:solidFill>
+                  <a:srgbClr val="000000"/>
+                </a:solidFill>
+                <a:latin typeface="Arimo Bold"/>
+                <a:ea typeface="Arimo Bold"/>
+                <a:cs typeface="Arimo Bold"/>
+                <a:sym typeface="Arimo Bold"/>
+              </a:rPr>
+              <a:t>:  0.116</a:t>
+            </a:r>
+          </a:p>
+        </p:txBody>
+      </p:sp>
+      <p:sp>
+        <p:nvSpPr>
+          <p:cNvPr id="10" name="TextBox 9">
+            <a:extLst>
+              <a:ext uri="{FF2B5EF4-FFF2-40B4-BE49-F238E27FC236}">
+                <a16:creationId xmlns:a16="http://schemas.microsoft.com/office/drawing/2014/main" id="{2D36F5FE-08B5-52A8-938C-1CBD306BDA78}"/>
+              </a:ext>
+            </a:extLst>
+          </p:cNvPr>
+          <p:cNvSpPr txBox="1"/>
+          <p:nvPr/>
+        </p:nvSpPr>
+        <p:spPr>
+          <a:xfrm>
+            <a:off x="7817519" y="8953500"/>
+            <a:ext cx="6157316" cy="453394"/>
+          </a:xfrm>
+          <a:prstGeom prst="rect">
+            <a:avLst/>
+          </a:prstGeom>
+        </p:spPr>
+        <p:txBody>
+          <a:bodyPr lIns="0" tIns="0" rIns="0" bIns="0" rtlCol="0" anchor="t">
+            <a:spAutoFit/>
+          </a:bodyPr>
+          <a:lstStyle/>
+          <a:p>
+            <a:pPr algn="l">
+              <a:lnSpc>
+                <a:spcPts val="3499"/>
+              </a:lnSpc>
+              <a:spcBef>
+                <a:spcPct val="0"/>
+              </a:spcBef>
+            </a:pPr>
+            <a:r>
+              <a:rPr lang="en-US" altLang="zh-TW" sz="4000" dirty="0" err="1">
+                <a:solidFill>
+                  <a:srgbClr val="000000"/>
+                </a:solidFill>
+                <a:latin typeface="Arimo Bold"/>
+                <a:ea typeface="Arimo Bold"/>
+                <a:cs typeface="Arimo Bold"/>
+                <a:sym typeface="Arimo Bold"/>
+              </a:rPr>
+              <a:t>pcv</a:t>
+            </a:r>
+            <a:r>
+              <a:rPr lang="en-US" sz="4000" dirty="0">
+                <a:solidFill>
+                  <a:srgbClr val="000000"/>
+                </a:solidFill>
+                <a:latin typeface="Arimo Bold"/>
+                <a:ea typeface="Arimo Bold"/>
+                <a:cs typeface="Arimo Bold"/>
+                <a:sym typeface="Arimo Bold"/>
+              </a:rPr>
+              <a:t>:  0.105</a:t>
+            </a:r>
+          </a:p>
+        </p:txBody>
+      </p:sp>
+      <p:sp>
+        <p:nvSpPr>
+          <p:cNvPr id="12" name="TextBox 9">
+            <a:extLst>
+              <a:ext uri="{FF2B5EF4-FFF2-40B4-BE49-F238E27FC236}">
+                <a16:creationId xmlns:a16="http://schemas.microsoft.com/office/drawing/2014/main" id="{B584BA96-3B49-0977-B64A-A6094E3D5E3C}"/>
+              </a:ext>
+            </a:extLst>
+          </p:cNvPr>
+          <p:cNvSpPr txBox="1"/>
+          <p:nvPr/>
+        </p:nvSpPr>
+        <p:spPr>
+          <a:xfrm>
+            <a:off x="11811000" y="8046988"/>
+            <a:ext cx="6157316" cy="453394"/>
+          </a:xfrm>
+          <a:prstGeom prst="rect">
+            <a:avLst/>
+          </a:prstGeom>
+        </p:spPr>
+        <p:txBody>
+          <a:bodyPr lIns="0" tIns="0" rIns="0" bIns="0" rtlCol="0" anchor="t">
+            <a:spAutoFit/>
+          </a:bodyPr>
+          <a:lstStyle/>
+          <a:p>
+            <a:pPr algn="l">
+              <a:lnSpc>
+                <a:spcPts val="3499"/>
+              </a:lnSpc>
+              <a:spcBef>
+                <a:spcPct val="0"/>
+              </a:spcBef>
+            </a:pPr>
+            <a:r>
+              <a:rPr lang="en-US" altLang="zh-TW" sz="4000" dirty="0" err="1">
+                <a:solidFill>
+                  <a:srgbClr val="000000"/>
+                </a:solidFill>
+                <a:latin typeface="Arimo Bold"/>
+                <a:ea typeface="Arimo Bold"/>
+                <a:cs typeface="Arimo Bold"/>
+                <a:sym typeface="Arimo Bold"/>
+              </a:rPr>
+              <a:t>bgr</a:t>
+            </a:r>
+            <a:r>
+              <a:rPr lang="en-US" sz="4000" dirty="0">
+                <a:solidFill>
+                  <a:srgbClr val="000000"/>
+                </a:solidFill>
+                <a:latin typeface="Arimo Bold"/>
+                <a:ea typeface="Arimo Bold"/>
+                <a:cs typeface="Arimo Bold"/>
+                <a:sym typeface="Arimo Bold"/>
+              </a:rPr>
+              <a:t>:  0.088</a:t>
+            </a:r>
+          </a:p>
+        </p:txBody>
+      </p:sp>
+      <p:sp>
+        <p:nvSpPr>
+          <p:cNvPr id="13" name="TextBox 9">
+            <a:extLst>
+              <a:ext uri="{FF2B5EF4-FFF2-40B4-BE49-F238E27FC236}">
+                <a16:creationId xmlns:a16="http://schemas.microsoft.com/office/drawing/2014/main" id="{D0364517-0620-A26C-1B74-81127C58CD39}"/>
+              </a:ext>
+            </a:extLst>
+          </p:cNvPr>
+          <p:cNvSpPr txBox="1"/>
+          <p:nvPr/>
+        </p:nvSpPr>
+        <p:spPr>
+          <a:xfrm>
+            <a:off x="11811000" y="8964544"/>
+            <a:ext cx="6157316" cy="453394"/>
+          </a:xfrm>
+          <a:prstGeom prst="rect">
+            <a:avLst/>
+          </a:prstGeom>
+        </p:spPr>
+        <p:txBody>
+          <a:bodyPr wrap="square" lIns="0" tIns="0" rIns="0" bIns="0" rtlCol="0" anchor="t">
+            <a:spAutoFit/>
+          </a:bodyPr>
+          <a:lstStyle/>
+          <a:p>
+            <a:pPr algn="l">
+              <a:lnSpc>
+                <a:spcPts val="3499"/>
+              </a:lnSpc>
+              <a:spcBef>
+                <a:spcPct val="0"/>
+              </a:spcBef>
+            </a:pPr>
+            <a:r>
+              <a:rPr lang="en-US" altLang="zh-TW" sz="4000" dirty="0" err="1">
+                <a:solidFill>
+                  <a:srgbClr val="000000"/>
+                </a:solidFill>
+                <a:latin typeface="Arimo Bold"/>
+                <a:ea typeface="Arimo Bold"/>
+                <a:cs typeface="Arimo Bold"/>
+                <a:sym typeface="Arimo Bold"/>
+              </a:rPr>
+              <a:t>sc</a:t>
+            </a:r>
+            <a:r>
+              <a:rPr lang="en-US" sz="4000" dirty="0">
+                <a:solidFill>
+                  <a:srgbClr val="000000"/>
+                </a:solidFill>
+                <a:latin typeface="Arimo Bold"/>
+                <a:ea typeface="Arimo Bold"/>
+                <a:cs typeface="Arimo Bold"/>
+                <a:sym typeface="Arimo Bold"/>
+              </a:rPr>
+              <a:t>:  0.075</a:t>
+            </a:r>
+          </a:p>
+        </p:txBody>
+      </p:sp>
+      <p:sp>
+        <p:nvSpPr>
+          <p:cNvPr id="6" name="TextBox 4">
+            <a:extLst>
+              <a:ext uri="{FF2B5EF4-FFF2-40B4-BE49-F238E27FC236}">
+                <a16:creationId xmlns:a16="http://schemas.microsoft.com/office/drawing/2014/main" id="{313AF073-18F0-6D15-2CE8-49C1FF777FF5}"/>
+              </a:ext>
+            </a:extLst>
+          </p:cNvPr>
+          <p:cNvSpPr txBox="1"/>
+          <p:nvPr/>
+        </p:nvSpPr>
+        <p:spPr>
+          <a:xfrm>
+            <a:off x="2742354" y="8393609"/>
+            <a:ext cx="7239000" cy="615553"/>
+          </a:xfrm>
+          <a:prstGeom prst="rect">
+            <a:avLst/>
+          </a:prstGeom>
+        </p:spPr>
+        <p:txBody>
+          <a:bodyPr wrap="square" lIns="0" tIns="0" rIns="0" bIns="0" rtlCol="0" anchor="t">
+            <a:spAutoFit/>
+          </a:bodyPr>
+          <a:lstStyle/>
+          <a:p>
+            <a:pPr>
+              <a:lnSpc>
+                <a:spcPts val="4750"/>
+              </a:lnSpc>
+            </a:pPr>
+            <a:r>
+              <a:rPr lang="en-US" sz="4800" dirty="0">
+                <a:solidFill>
+                  <a:srgbClr val="5B5F72"/>
+                </a:solidFill>
+                <a:latin typeface="Arimo Bold"/>
+                <a:ea typeface="Arimo Bold"/>
+                <a:cs typeface="Arimo Bold"/>
+                <a:sym typeface="Arimo Bold"/>
+              </a:rPr>
+              <a:t>Same factors:</a:t>
+            </a:r>
+          </a:p>
+        </p:txBody>
+      </p:sp>
     </p:spTree>
+    <p:extLst>
+      <p:ext uri="{BB962C8B-B14F-4D97-AF65-F5344CB8AC3E}">
+        <p14:creationId xmlns:p14="http://schemas.microsoft.com/office/powerpoint/2010/main" val="2947347181"/>
+      </p:ext>
+    </p:extLst>
   </p:cSld>
   <p:clrMapOvr>
     <a:masterClrMapping/>
@@ -19968,7 +19220,7 @@
 </p:sld>
 </file>
 
-<file path=ppt/slides/slide28.xml><?xml version="1.0" encoding="utf-8"?>
+<file path=ppt/slides/slide3.xml><?xml version="1.0" encoding="utf-8"?>
 <p:sld xmlns:a="http://schemas.openxmlformats.org/drawingml/2006/main" xmlns:r="http://schemas.openxmlformats.org/officeDocument/2006/relationships" xmlns:p="http://schemas.openxmlformats.org/presentationml/2006/main">
   <p:cSld>
     <p:spTree>
@@ -19993,7 +19245,7 @@
         </p:nvSpPr>
         <p:spPr>
           <a:xfrm>
-            <a:off x="0" y="0"/>
+            <a:off x="-1" y="0"/>
             <a:ext cx="18288000" cy="10287000"/>
           </a:xfrm>
           <a:custGeom>
@@ -20034,1137 +19286,6 @@
           <a:bodyPr/>
           <a:lstStyle/>
           <a:p>
-            <a:endParaRPr lang="zh-TW" altLang="en-US"/>
-          </a:p>
-        </p:txBody>
-      </p:sp>
-      <p:grpSp>
-        <p:nvGrpSpPr>
-          <p:cNvPr id="3" name="Group 3"/>
-          <p:cNvGrpSpPr/>
-          <p:nvPr/>
-        </p:nvGrpSpPr>
-        <p:grpSpPr>
-          <a:xfrm>
-            <a:off x="-34413" y="0"/>
-            <a:ext cx="18288000" cy="10287000"/>
-            <a:chOff x="0" y="0"/>
-            <a:chExt cx="24384000" cy="13716000"/>
-          </a:xfrm>
-        </p:grpSpPr>
-        <p:sp>
-          <p:nvSpPr>
-            <p:cNvPr id="4" name="Freeform 4"/>
-            <p:cNvSpPr/>
-            <p:nvPr/>
-          </p:nvSpPr>
-          <p:spPr>
-            <a:xfrm>
-              <a:off x="0" y="0"/>
-              <a:ext cx="24384000" cy="13716000"/>
-            </a:xfrm>
-            <a:custGeom>
-              <a:avLst/>
-              <a:gdLst/>
-              <a:ahLst/>
-              <a:cxnLst/>
-              <a:rect l="l" t="t" r="r" b="b"/>
-              <a:pathLst>
-                <a:path w="24384000" h="13716000">
-                  <a:moveTo>
-                    <a:pt x="0" y="0"/>
-                  </a:moveTo>
-                  <a:lnTo>
-                    <a:pt x="24384000" y="0"/>
-                  </a:lnTo>
-                  <a:lnTo>
-                    <a:pt x="24384000" y="13716000"/>
-                  </a:lnTo>
-                  <a:lnTo>
-                    <a:pt x="0" y="13716000"/>
-                  </a:lnTo>
-                  <a:close/>
-                </a:path>
-              </a:pathLst>
-            </a:custGeom>
-            <a:solidFill>
-              <a:srgbClr val="FFFFFF">
-                <a:alpha val="74902"/>
-              </a:srgbClr>
-            </a:solidFill>
-          </p:spPr>
-          <p:txBody>
-            <a:bodyPr/>
-            <a:lstStyle/>
-            <a:p>
-              <a:endParaRPr lang="zh-TW" altLang="en-US"/>
-            </a:p>
-          </p:txBody>
-        </p:sp>
-      </p:grpSp>
-      <p:sp>
-        <p:nvSpPr>
-          <p:cNvPr id="5" name="TextBox 5"/>
-          <p:cNvSpPr txBox="1"/>
-          <p:nvPr/>
-        </p:nvSpPr>
-        <p:spPr>
-          <a:xfrm>
-            <a:off x="530533" y="430037"/>
-            <a:ext cx="12042467" cy="859402"/>
-          </a:xfrm>
-          <a:prstGeom prst="rect">
-            <a:avLst/>
-          </a:prstGeom>
-        </p:spPr>
-        <p:txBody>
-          <a:bodyPr wrap="square" lIns="0" tIns="0" rIns="0" bIns="0" rtlCol="0" anchor="t">
-            <a:spAutoFit/>
-          </a:bodyPr>
-          <a:lstStyle/>
-          <a:p>
-            <a:pPr algn="l">
-              <a:lnSpc>
-                <a:spcPts val="7593"/>
-              </a:lnSpc>
-            </a:pPr>
-            <a:r>
-              <a:rPr lang="en-US" sz="4400" dirty="0">
-                <a:solidFill>
-                  <a:srgbClr val="5B5F72"/>
-                </a:solidFill>
-                <a:latin typeface="Arimo Bold"/>
-                <a:ea typeface="Arimo Bold"/>
-                <a:cs typeface="Arimo Bold"/>
-                <a:sym typeface="Arimo Bold"/>
-              </a:rPr>
-              <a:t>Appendix: Operate with </a:t>
-            </a:r>
-            <a:r>
-              <a:rPr lang="en-US" altLang="zh-TW" sz="4400" dirty="0" err="1">
-                <a:solidFill>
-                  <a:srgbClr val="5B5F72"/>
-                </a:solidFill>
-                <a:latin typeface="Arimo Bold"/>
-                <a:ea typeface="Arimo Bold"/>
-                <a:cs typeface="Arimo Bold"/>
-                <a:sym typeface="Arimo Bold"/>
-              </a:rPr>
-              <a:t>Chatgpt</a:t>
-            </a:r>
-            <a:endParaRPr lang="en-US" sz="4400" dirty="0">
-              <a:solidFill>
-                <a:srgbClr val="5B5F72"/>
-              </a:solidFill>
-              <a:latin typeface="Arimo Bold"/>
-              <a:ea typeface="Arimo Bold"/>
-              <a:cs typeface="Arimo Bold"/>
-              <a:sym typeface="Arimo Bold"/>
-            </a:endParaRPr>
-          </a:p>
-        </p:txBody>
-      </p:sp>
-      <p:sp>
-        <p:nvSpPr>
-          <p:cNvPr id="15" name="TextBox 7">
-            <a:extLst>
-              <a:ext uri="{FF2B5EF4-FFF2-40B4-BE49-F238E27FC236}">
-                <a16:creationId xmlns:a16="http://schemas.microsoft.com/office/drawing/2014/main" id="{B91309AC-A188-246B-8716-71031836920B}"/>
-              </a:ext>
-            </a:extLst>
-          </p:cNvPr>
-          <p:cNvSpPr txBox="1"/>
-          <p:nvPr/>
-        </p:nvSpPr>
-        <p:spPr>
-          <a:xfrm>
-            <a:off x="10409903" y="7890680"/>
-            <a:ext cx="6324600" cy="2280176"/>
-          </a:xfrm>
-          <a:prstGeom prst="rect">
-            <a:avLst/>
-          </a:prstGeom>
-        </p:spPr>
-        <p:txBody>
-          <a:bodyPr wrap="square" lIns="0" tIns="0" rIns="0" bIns="0" rtlCol="0" anchor="t">
-            <a:spAutoFit/>
-          </a:bodyPr>
-          <a:lstStyle/>
-          <a:p>
-            <a:r>
-              <a:rPr lang="en-US" altLang="zh-TW" sz="2000" b="1" dirty="0"/>
-              <a:t>Specific Gravity (sg)</a:t>
-            </a:r>
-            <a:endParaRPr lang="en-US" altLang="zh-TW" sz="2000" dirty="0"/>
-          </a:p>
-          <a:p>
-            <a:pPr>
-              <a:buFont typeface="Arial" panose="020B0604020202020204" pitchFamily="34" charset="0"/>
-              <a:buChar char="•"/>
-            </a:pPr>
-            <a:r>
-              <a:rPr lang="en-US" altLang="zh-TW" sz="2000" dirty="0"/>
-              <a:t>Importance: 0.08</a:t>
-            </a:r>
-          </a:p>
-          <a:p>
-            <a:pPr>
-              <a:buFont typeface="Arial" panose="020B0604020202020204" pitchFamily="34" charset="0"/>
-              <a:buChar char="•"/>
-            </a:pPr>
-            <a:r>
-              <a:rPr lang="en-US" altLang="zh-TW" sz="2000" dirty="0"/>
-              <a:t>Correlation: -0.86</a:t>
-            </a:r>
-          </a:p>
-          <a:p>
-            <a:pPr>
-              <a:buFont typeface="Arial" panose="020B0604020202020204" pitchFamily="34" charset="0"/>
-              <a:buChar char="•"/>
-            </a:pPr>
-            <a:r>
-              <a:rPr lang="en-US" altLang="zh-TW" sz="2000" dirty="0"/>
-              <a:t>Interpretation: A lower specific gravity might indicate CKD, suggesting a reduced ability of the kidneys to concentrate urine.</a:t>
-            </a:r>
-          </a:p>
-          <a:p>
-            <a:pPr algn="l">
-              <a:lnSpc>
-                <a:spcPts val="3887"/>
-              </a:lnSpc>
-            </a:pPr>
-            <a:endParaRPr lang="en-US" sz="2000" dirty="0">
-              <a:solidFill>
-                <a:srgbClr val="5B5F71"/>
-              </a:solidFill>
-              <a:latin typeface="Arimo"/>
-              <a:ea typeface="Arimo"/>
-              <a:cs typeface="Arimo"/>
-              <a:sym typeface="Arimo"/>
-            </a:endParaRPr>
-          </a:p>
-        </p:txBody>
-      </p:sp>
-      <p:sp>
-        <p:nvSpPr>
-          <p:cNvPr id="8" name="TextBox 7">
-            <a:extLst>
-              <a:ext uri="{FF2B5EF4-FFF2-40B4-BE49-F238E27FC236}">
-                <a16:creationId xmlns:a16="http://schemas.microsoft.com/office/drawing/2014/main" id="{DE8C5229-331A-519B-DBC9-79E0B7F0A891}"/>
-              </a:ext>
-            </a:extLst>
-          </p:cNvPr>
-          <p:cNvSpPr txBox="1"/>
-          <p:nvPr/>
-        </p:nvSpPr>
-        <p:spPr>
-          <a:xfrm>
-            <a:off x="870033" y="8054200"/>
-            <a:ext cx="9129373" cy="1538883"/>
-          </a:xfrm>
-          <a:prstGeom prst="rect">
-            <a:avLst/>
-          </a:prstGeom>
-        </p:spPr>
-        <p:txBody>
-          <a:bodyPr wrap="square" lIns="0" tIns="0" rIns="0" bIns="0" rtlCol="0" anchor="t">
-            <a:spAutoFit/>
-          </a:bodyPr>
-          <a:lstStyle/>
-          <a:p>
-            <a:r>
-              <a:rPr lang="en-US" altLang="zh-TW" sz="2000" b="1" dirty="0"/>
-              <a:t>Blood Glucose Random (</a:t>
-            </a:r>
-            <a:r>
-              <a:rPr lang="en-US" altLang="zh-TW" sz="2000" b="1" dirty="0" err="1"/>
-              <a:t>bgr</a:t>
-            </a:r>
-            <a:r>
-              <a:rPr lang="en-US" altLang="zh-TW" sz="2000" b="1" dirty="0"/>
-              <a:t>)</a:t>
-            </a:r>
-            <a:endParaRPr lang="en-US" altLang="zh-TW" sz="2000" dirty="0"/>
-          </a:p>
-          <a:p>
-            <a:pPr>
-              <a:buFont typeface="Arial" panose="020B0604020202020204" pitchFamily="34" charset="0"/>
-              <a:buChar char="•"/>
-            </a:pPr>
-            <a:r>
-              <a:rPr lang="en-US" altLang="zh-TW" sz="2000" dirty="0"/>
-              <a:t>Importance: 0.09</a:t>
-            </a:r>
-          </a:p>
-          <a:p>
-            <a:pPr>
-              <a:buFont typeface="Arial" panose="020B0604020202020204" pitchFamily="34" charset="0"/>
-              <a:buChar char="•"/>
-            </a:pPr>
-            <a:r>
-              <a:rPr lang="en-US" altLang="zh-TW" sz="2000" dirty="0"/>
-              <a:t>Correlation: 0.58</a:t>
-            </a:r>
-          </a:p>
-          <a:p>
-            <a:pPr>
-              <a:buFont typeface="Arial" panose="020B0604020202020204" pitchFamily="34" charset="0"/>
-              <a:buChar char="•"/>
-            </a:pPr>
-            <a:r>
-              <a:rPr lang="en-US" altLang="zh-TW" sz="2000" dirty="0"/>
-              <a:t>Interpretation: Elevated random blood glucose levels may be associated with the development of CKD, as impaired kidney function can lead to reduced glucose excretion.</a:t>
-            </a:r>
-          </a:p>
-        </p:txBody>
-      </p:sp>
-      <p:sp>
-        <p:nvSpPr>
-          <p:cNvPr id="9" name="TextBox 7">
-            <a:extLst>
-              <a:ext uri="{FF2B5EF4-FFF2-40B4-BE49-F238E27FC236}">
-                <a16:creationId xmlns:a16="http://schemas.microsoft.com/office/drawing/2014/main" id="{E13B41A1-C45B-A08C-8A9F-D27FE36E1B62}"/>
-              </a:ext>
-            </a:extLst>
-          </p:cNvPr>
-          <p:cNvSpPr txBox="1"/>
-          <p:nvPr/>
-        </p:nvSpPr>
-        <p:spPr>
-          <a:xfrm>
-            <a:off x="870033" y="6185443"/>
-            <a:ext cx="9158870" cy="1538883"/>
-          </a:xfrm>
-          <a:prstGeom prst="rect">
-            <a:avLst/>
-          </a:prstGeom>
-        </p:spPr>
-        <p:txBody>
-          <a:bodyPr wrap="square" lIns="0" tIns="0" rIns="0" bIns="0" rtlCol="0" anchor="t">
-            <a:spAutoFit/>
-          </a:bodyPr>
-          <a:lstStyle/>
-          <a:p>
-            <a:r>
-              <a:rPr lang="en-US" altLang="zh-TW" sz="2000" b="1" dirty="0"/>
-              <a:t>Serum Creatinine (</a:t>
-            </a:r>
-            <a:r>
-              <a:rPr lang="en-US" altLang="zh-TW" sz="2000" b="1" dirty="0" err="1"/>
-              <a:t>sc</a:t>
-            </a:r>
-            <a:r>
-              <a:rPr lang="en-US" altLang="zh-TW" sz="2000" b="1" dirty="0"/>
-              <a:t>)</a:t>
-            </a:r>
-            <a:endParaRPr lang="en-US" altLang="zh-TW" sz="2000" dirty="0"/>
-          </a:p>
-          <a:p>
-            <a:pPr>
-              <a:buFont typeface="Arial" panose="020B0604020202020204" pitchFamily="34" charset="0"/>
-              <a:buChar char="•"/>
-            </a:pPr>
-            <a:r>
-              <a:rPr lang="en-US" altLang="zh-TW" sz="2000" dirty="0"/>
-              <a:t>Importance: 0.08</a:t>
-            </a:r>
-          </a:p>
-          <a:p>
-            <a:pPr>
-              <a:buFont typeface="Arial" panose="020B0604020202020204" pitchFamily="34" charset="0"/>
-              <a:buChar char="•"/>
-            </a:pPr>
-            <a:r>
-              <a:rPr lang="en-US" altLang="zh-TW" sz="2000" dirty="0"/>
-              <a:t>Correlation: 0.88</a:t>
-            </a:r>
-          </a:p>
-          <a:p>
-            <a:pPr>
-              <a:buFont typeface="Arial" panose="020B0604020202020204" pitchFamily="34" charset="0"/>
-              <a:buChar char="•"/>
-            </a:pPr>
-            <a:r>
-              <a:rPr lang="en-US" altLang="zh-TW" sz="2000" dirty="0"/>
-              <a:t>Interpretation: An increase in serum creatinine is commonly associated with kidney damage and is a significant marker for CKD.</a:t>
-            </a:r>
-          </a:p>
-        </p:txBody>
-      </p:sp>
-      <p:sp>
-        <p:nvSpPr>
-          <p:cNvPr id="10" name="TextBox 7">
-            <a:extLst>
-              <a:ext uri="{FF2B5EF4-FFF2-40B4-BE49-F238E27FC236}">
-                <a16:creationId xmlns:a16="http://schemas.microsoft.com/office/drawing/2014/main" id="{4DC9D71F-04BF-B713-7B35-B26CE6581F84}"/>
-              </a:ext>
-            </a:extLst>
-          </p:cNvPr>
-          <p:cNvSpPr txBox="1"/>
-          <p:nvPr/>
-        </p:nvSpPr>
-        <p:spPr>
-          <a:xfrm>
-            <a:off x="870033" y="4041509"/>
-            <a:ext cx="6324600" cy="1538883"/>
-          </a:xfrm>
-          <a:prstGeom prst="rect">
-            <a:avLst/>
-          </a:prstGeom>
-        </p:spPr>
-        <p:txBody>
-          <a:bodyPr wrap="square" lIns="0" tIns="0" rIns="0" bIns="0" rtlCol="0" anchor="t">
-            <a:spAutoFit/>
-          </a:bodyPr>
-          <a:lstStyle/>
-          <a:p>
-            <a:r>
-              <a:rPr lang="en-US" altLang="zh-TW" sz="2000" b="1" dirty="0"/>
-              <a:t>Packed Cell Volume (</a:t>
-            </a:r>
-            <a:r>
-              <a:rPr lang="en-US" altLang="zh-TW" sz="2000" b="1" dirty="0" err="1"/>
-              <a:t>pcv</a:t>
-            </a:r>
-            <a:r>
-              <a:rPr lang="en-US" altLang="zh-TW" sz="2000" b="1" dirty="0"/>
-              <a:t>)</a:t>
-            </a:r>
-            <a:endParaRPr lang="en-US" altLang="zh-TW" sz="2000" dirty="0"/>
-          </a:p>
-          <a:p>
-            <a:pPr>
-              <a:buFont typeface="Arial" panose="020B0604020202020204" pitchFamily="34" charset="0"/>
-              <a:buChar char="•"/>
-            </a:pPr>
-            <a:r>
-              <a:rPr lang="en-US" altLang="zh-TW" sz="2000" dirty="0"/>
-              <a:t>Importance: 0.11</a:t>
-            </a:r>
-          </a:p>
-          <a:p>
-            <a:pPr>
-              <a:buFont typeface="Arial" panose="020B0604020202020204" pitchFamily="34" charset="0"/>
-              <a:buChar char="•"/>
-            </a:pPr>
-            <a:r>
-              <a:rPr lang="en-US" altLang="zh-TW" sz="2000" dirty="0"/>
-              <a:t>Correlation: -0.92</a:t>
-            </a:r>
-          </a:p>
-          <a:p>
-            <a:pPr>
-              <a:buFont typeface="Arial" panose="020B0604020202020204" pitchFamily="34" charset="0"/>
-              <a:buChar char="•"/>
-            </a:pPr>
-            <a:r>
-              <a:rPr lang="en-US" altLang="zh-TW" sz="2000" dirty="0"/>
-              <a:t>Interpretation: Decreased packed cell volume can also indicate anemia, further supporting a diagnosis of CKD.</a:t>
-            </a:r>
-          </a:p>
-        </p:txBody>
-      </p:sp>
-      <p:sp>
-        <p:nvSpPr>
-          <p:cNvPr id="21" name="TextBox 7">
-            <a:extLst>
-              <a:ext uri="{FF2B5EF4-FFF2-40B4-BE49-F238E27FC236}">
-                <a16:creationId xmlns:a16="http://schemas.microsoft.com/office/drawing/2014/main" id="{9F453CED-CE5A-FFB2-A6F1-37E8F3E507DF}"/>
-              </a:ext>
-            </a:extLst>
-          </p:cNvPr>
-          <p:cNvSpPr txBox="1"/>
-          <p:nvPr/>
-        </p:nvSpPr>
-        <p:spPr>
-          <a:xfrm>
-            <a:off x="870033" y="1938984"/>
-            <a:ext cx="9158870" cy="1538883"/>
-          </a:xfrm>
-          <a:prstGeom prst="rect">
-            <a:avLst/>
-          </a:prstGeom>
-        </p:spPr>
-        <p:txBody>
-          <a:bodyPr wrap="square" lIns="0" tIns="0" rIns="0" bIns="0" rtlCol="0" anchor="t">
-            <a:spAutoFit/>
-          </a:bodyPr>
-          <a:lstStyle/>
-          <a:p>
-            <a:r>
-              <a:rPr lang="en-US" altLang="zh-TW" sz="2000" b="1" dirty="0"/>
-              <a:t>Hemoglobin (</a:t>
-            </a:r>
-            <a:r>
-              <a:rPr lang="en-US" altLang="zh-TW" sz="2000" b="1" dirty="0" err="1"/>
-              <a:t>hemo</a:t>
-            </a:r>
-            <a:r>
-              <a:rPr lang="en-US" altLang="zh-TW" sz="2000" b="1" dirty="0"/>
-              <a:t>)</a:t>
-            </a:r>
-            <a:endParaRPr lang="en-US" altLang="zh-TW" sz="2000" dirty="0"/>
-          </a:p>
-          <a:p>
-            <a:pPr>
-              <a:buFont typeface="Arial" panose="020B0604020202020204" pitchFamily="34" charset="0"/>
-              <a:buChar char="•"/>
-            </a:pPr>
-            <a:r>
-              <a:rPr lang="en-US" altLang="zh-TW" sz="2000" dirty="0"/>
-              <a:t>Importance: 0.12</a:t>
-            </a:r>
-          </a:p>
-          <a:p>
-            <a:pPr>
-              <a:buFont typeface="Arial" panose="020B0604020202020204" pitchFamily="34" charset="0"/>
-              <a:buChar char="•"/>
-            </a:pPr>
-            <a:r>
-              <a:rPr lang="en-US" altLang="zh-TW" sz="2000" dirty="0"/>
-              <a:t>Correlation: -0.92</a:t>
-            </a:r>
-          </a:p>
-          <a:p>
-            <a:pPr>
-              <a:buFont typeface="Arial" panose="020B0604020202020204" pitchFamily="34" charset="0"/>
-              <a:buChar char="•"/>
-            </a:pPr>
-            <a:r>
-              <a:rPr lang="en-US" altLang="zh-TW" sz="2000" dirty="0"/>
-              <a:t>Interpretation: Low hemoglobin levels could indicate anemia, a common complication in CKD patients.</a:t>
-            </a:r>
-          </a:p>
-        </p:txBody>
-      </p:sp>
-      <p:pic>
-        <p:nvPicPr>
-          <p:cNvPr id="6" name="圖片 5">
-            <a:extLst>
-              <a:ext uri="{FF2B5EF4-FFF2-40B4-BE49-F238E27FC236}">
-                <a16:creationId xmlns:a16="http://schemas.microsoft.com/office/drawing/2014/main" id="{FE7245F3-4327-854E-5DC8-6986A6B2D8D7}"/>
-              </a:ext>
-            </a:extLst>
-          </p:cNvPr>
-          <p:cNvPicPr>
-            <a:picLocks noChangeAspect="1"/>
-          </p:cNvPicPr>
-          <p:nvPr/>
-        </p:nvPicPr>
-        <p:blipFill>
-          <a:blip r:embed="rId4"/>
-          <a:stretch>
-            <a:fillRect/>
-          </a:stretch>
-        </p:blipFill>
-        <p:spPr>
-          <a:xfrm>
-            <a:off x="9999406" y="675482"/>
-            <a:ext cx="7145594" cy="6969753"/>
-          </a:xfrm>
-          <a:prstGeom prst="rect">
-            <a:avLst/>
-          </a:prstGeom>
-        </p:spPr>
-      </p:pic>
-    </p:spTree>
-    <p:extLst>
-      <p:ext uri="{BB962C8B-B14F-4D97-AF65-F5344CB8AC3E}">
-        <p14:creationId xmlns:p14="http://schemas.microsoft.com/office/powerpoint/2010/main" val="100583885"/>
-      </p:ext>
-    </p:extLst>
-  </p:cSld>
-  <p:clrMapOvr>
-    <a:masterClrMapping/>
-  </p:clrMapOvr>
-</p:sld>
-</file>
-
-<file path=ppt/slides/slide29.xml><?xml version="1.0" encoding="utf-8"?>
-<p:sld xmlns:a="http://schemas.openxmlformats.org/drawingml/2006/main" xmlns:r="http://schemas.openxmlformats.org/officeDocument/2006/relationships" xmlns:p="http://schemas.openxmlformats.org/presentationml/2006/main">
-  <p:cSld>
-    <p:spTree>
-      <p:nvGrpSpPr>
-        <p:cNvPr id="1" name=""/>
-        <p:cNvGrpSpPr/>
-        <p:nvPr/>
-      </p:nvGrpSpPr>
-      <p:grpSpPr>
-        <a:xfrm>
-          <a:off x="0" y="0"/>
-          <a:ext cx="0" cy="0"/>
-          <a:chOff x="0" y="0"/>
-          <a:chExt cx="0" cy="0"/>
-        </a:xfrm>
-      </p:grpSpPr>
-      <p:sp>
-        <p:nvSpPr>
-          <p:cNvPr id="2" name="Freeform 2" descr="preencoded.png"/>
-          <p:cNvSpPr/>
-          <p:nvPr/>
-        </p:nvSpPr>
-        <p:spPr>
-          <a:xfrm>
-            <a:off x="0" y="0"/>
-            <a:ext cx="18288000" cy="10287000"/>
-          </a:xfrm>
-          <a:custGeom>
-            <a:avLst/>
-            <a:gdLst/>
-            <a:ahLst/>
-            <a:cxnLst/>
-            <a:rect l="l" t="t" r="r" b="b"/>
-            <a:pathLst>
-              <a:path w="18288000" h="10287000">
-                <a:moveTo>
-                  <a:pt x="0" y="0"/>
-                </a:moveTo>
-                <a:lnTo>
-                  <a:pt x="18288000" y="0"/>
-                </a:lnTo>
-                <a:lnTo>
-                  <a:pt x="18288000" y="10287000"/>
-                </a:lnTo>
-                <a:lnTo>
-                  <a:pt x="0" y="10287000"/>
-                </a:lnTo>
-                <a:lnTo>
-                  <a:pt x="0" y="0"/>
-                </a:lnTo>
-                <a:close/>
-              </a:path>
-            </a:pathLst>
-          </a:custGeom>
-          <a:blipFill>
-            <a:blip r:embed="rId3"/>
-            <a:stretch>
-              <a:fillRect/>
-            </a:stretch>
-          </a:blipFill>
-        </p:spPr>
-        <p:txBody>
-          <a:bodyPr/>
-          <a:lstStyle/>
-          <a:p>
-            <a:endParaRPr lang="zh-TW" altLang="en-US"/>
-          </a:p>
-        </p:txBody>
-      </p:sp>
-      <p:grpSp>
-        <p:nvGrpSpPr>
-          <p:cNvPr id="3" name="Group 3"/>
-          <p:cNvGrpSpPr/>
-          <p:nvPr/>
-        </p:nvGrpSpPr>
-        <p:grpSpPr>
-          <a:xfrm>
-            <a:off x="0" y="0"/>
-            <a:ext cx="18288000" cy="10287000"/>
-            <a:chOff x="0" y="0"/>
-            <a:chExt cx="24384000" cy="13716000"/>
-          </a:xfrm>
-        </p:grpSpPr>
-        <p:sp>
-          <p:nvSpPr>
-            <p:cNvPr id="4" name="Freeform 4"/>
-            <p:cNvSpPr/>
-            <p:nvPr/>
-          </p:nvSpPr>
-          <p:spPr>
-            <a:xfrm>
-              <a:off x="0" y="0"/>
-              <a:ext cx="24384000" cy="13716000"/>
-            </a:xfrm>
-            <a:custGeom>
-              <a:avLst/>
-              <a:gdLst/>
-              <a:ahLst/>
-              <a:cxnLst/>
-              <a:rect l="l" t="t" r="r" b="b"/>
-              <a:pathLst>
-                <a:path w="24384000" h="13716000">
-                  <a:moveTo>
-                    <a:pt x="0" y="0"/>
-                  </a:moveTo>
-                  <a:lnTo>
-                    <a:pt x="24384000" y="0"/>
-                  </a:lnTo>
-                  <a:lnTo>
-                    <a:pt x="24384000" y="13716000"/>
-                  </a:lnTo>
-                  <a:lnTo>
-                    <a:pt x="0" y="13716000"/>
-                  </a:lnTo>
-                  <a:close/>
-                </a:path>
-              </a:pathLst>
-            </a:custGeom>
-            <a:solidFill>
-              <a:srgbClr val="FFFFFF">
-                <a:alpha val="74902"/>
-              </a:srgbClr>
-            </a:solidFill>
-          </p:spPr>
-          <p:txBody>
-            <a:bodyPr/>
-            <a:lstStyle/>
-            <a:p>
-              <a:endParaRPr lang="zh-TW" altLang="en-US"/>
-            </a:p>
-          </p:txBody>
-        </p:sp>
-      </p:grpSp>
-      <p:sp>
-        <p:nvSpPr>
-          <p:cNvPr id="6" name="TextBox 6"/>
-          <p:cNvSpPr txBox="1"/>
-          <p:nvPr/>
-        </p:nvSpPr>
-        <p:spPr>
-          <a:xfrm>
-            <a:off x="609600" y="571500"/>
-            <a:ext cx="10533337" cy="908326"/>
-          </a:xfrm>
-          <a:prstGeom prst="rect">
-            <a:avLst/>
-          </a:prstGeom>
-        </p:spPr>
-        <p:txBody>
-          <a:bodyPr lIns="0" tIns="0" rIns="0" bIns="0" rtlCol="0" anchor="t">
-            <a:spAutoFit/>
-          </a:bodyPr>
-          <a:lstStyle/>
-          <a:p>
-            <a:pPr algn="l">
-              <a:lnSpc>
-                <a:spcPts val="7593"/>
-              </a:lnSpc>
-            </a:pPr>
-            <a:r>
-              <a:rPr lang="en-US" sz="6075" dirty="0">
-                <a:solidFill>
-                  <a:srgbClr val="5B5F72"/>
-                </a:solidFill>
-                <a:latin typeface="Arimo Bold"/>
-                <a:ea typeface="Arimo Bold"/>
-                <a:cs typeface="Arimo Bold"/>
-                <a:sym typeface="Arimo Bold"/>
-              </a:rPr>
-              <a:t>Accuracy(</a:t>
-            </a:r>
-            <a:r>
-              <a:rPr lang="en-US" altLang="zh-TW" sz="6075" dirty="0">
-                <a:solidFill>
-                  <a:srgbClr val="5B5F72"/>
-                </a:solidFill>
-                <a:latin typeface="Arimo Bold"/>
-                <a:ea typeface="Arimo Bold"/>
-                <a:cs typeface="Arimo Bold"/>
-                <a:sym typeface="Arimo Bold"/>
-              </a:rPr>
-              <a:t>random</a:t>
-            </a:r>
-            <a:r>
-              <a:rPr lang="zh-TW" altLang="en-US" sz="6075" dirty="0">
-                <a:solidFill>
-                  <a:srgbClr val="5B5F72"/>
-                </a:solidFill>
-                <a:latin typeface="Arimo Bold"/>
-                <a:ea typeface="Arimo Bold"/>
-                <a:cs typeface="Arimo Bold"/>
-                <a:sym typeface="Arimo Bold"/>
-              </a:rPr>
-              <a:t> </a:t>
-            </a:r>
-            <a:r>
-              <a:rPr lang="en-US" altLang="zh-TW" sz="6075" dirty="0">
-                <a:solidFill>
-                  <a:srgbClr val="5B5F72"/>
-                </a:solidFill>
-                <a:latin typeface="Arimo Bold"/>
-                <a:ea typeface="Arimo Bold"/>
-                <a:cs typeface="Arimo Bold"/>
-                <a:sym typeface="Arimo Bold"/>
-              </a:rPr>
-              <a:t>forest</a:t>
-            </a:r>
-            <a:r>
-              <a:rPr lang="en-US" sz="6075" dirty="0">
-                <a:solidFill>
-                  <a:srgbClr val="5B5F72"/>
-                </a:solidFill>
-                <a:latin typeface="Arimo Bold"/>
-                <a:ea typeface="Arimo Bold"/>
-                <a:cs typeface="Arimo Bold"/>
-                <a:sym typeface="Arimo Bold"/>
-              </a:rPr>
-              <a:t>)</a:t>
-            </a:r>
-          </a:p>
-        </p:txBody>
-      </p:sp>
-      <p:sp>
-        <p:nvSpPr>
-          <p:cNvPr id="8" name="TextBox 8"/>
-          <p:cNvSpPr txBox="1"/>
-          <p:nvPr/>
-        </p:nvSpPr>
-        <p:spPr>
-          <a:xfrm>
-            <a:off x="609600" y="1618484"/>
-            <a:ext cx="11270032" cy="456856"/>
-          </a:xfrm>
-          <a:prstGeom prst="rect">
-            <a:avLst/>
-          </a:prstGeom>
-        </p:spPr>
-        <p:txBody>
-          <a:bodyPr wrap="square" lIns="0" tIns="0" rIns="0" bIns="0" rtlCol="0" anchor="t">
-            <a:spAutoFit/>
-          </a:bodyPr>
-          <a:lstStyle/>
-          <a:p>
-            <a:pPr algn="l">
-              <a:lnSpc>
-                <a:spcPts val="3887"/>
-              </a:lnSpc>
-            </a:pPr>
-            <a:r>
-              <a:rPr lang="en-US" sz="2800" dirty="0">
-                <a:solidFill>
-                  <a:srgbClr val="5B5F71"/>
-                </a:solidFill>
-                <a:latin typeface="Arimo"/>
-                <a:ea typeface="Arimo"/>
-                <a:cs typeface="Arimo"/>
-                <a:sym typeface="Arimo"/>
-              </a:rPr>
-              <a:t>Change outliers to Q1 or Q3. Fill with mean values. Rows not deleted.</a:t>
-            </a:r>
-          </a:p>
-        </p:txBody>
-      </p:sp>
-      <p:pic>
-        <p:nvPicPr>
-          <p:cNvPr id="9" name="圖片 8">
-            <a:extLst>
-              <a:ext uri="{FF2B5EF4-FFF2-40B4-BE49-F238E27FC236}">
-                <a16:creationId xmlns:a16="http://schemas.microsoft.com/office/drawing/2014/main" id="{DB9BDA21-ADC6-9019-A50C-47BCA7F3D59D}"/>
-              </a:ext>
-            </a:extLst>
-          </p:cNvPr>
-          <p:cNvPicPr>
-            <a:picLocks noChangeAspect="1"/>
-          </p:cNvPicPr>
-          <p:nvPr/>
-        </p:nvPicPr>
-        <p:blipFill>
-          <a:blip r:embed="rId4"/>
-          <a:stretch>
-            <a:fillRect/>
-          </a:stretch>
-        </p:blipFill>
-        <p:spPr>
-          <a:xfrm>
-            <a:off x="8888746" y="2623079"/>
-            <a:ext cx="7616877" cy="5853869"/>
-          </a:xfrm>
-          <a:prstGeom prst="rect">
-            <a:avLst/>
-          </a:prstGeom>
-        </p:spPr>
-      </p:pic>
-      <p:pic>
-        <p:nvPicPr>
-          <p:cNvPr id="11" name="圖片 10">
-            <a:extLst>
-              <a:ext uri="{FF2B5EF4-FFF2-40B4-BE49-F238E27FC236}">
-                <a16:creationId xmlns:a16="http://schemas.microsoft.com/office/drawing/2014/main" id="{3A898E49-5085-A822-6A85-F74276C35F35}"/>
-              </a:ext>
-            </a:extLst>
-          </p:cNvPr>
-          <p:cNvPicPr>
-            <a:picLocks noChangeAspect="1"/>
-          </p:cNvPicPr>
-          <p:nvPr/>
-        </p:nvPicPr>
-        <p:blipFill>
-          <a:blip r:embed="rId5"/>
-          <a:stretch>
-            <a:fillRect/>
-          </a:stretch>
-        </p:blipFill>
-        <p:spPr>
-          <a:xfrm>
-            <a:off x="1295400" y="2846755"/>
-            <a:ext cx="7358244" cy="5406515"/>
-          </a:xfrm>
-          <a:prstGeom prst="rect">
-            <a:avLst/>
-          </a:prstGeom>
-        </p:spPr>
-      </p:pic>
-      <p:sp>
-        <p:nvSpPr>
-          <p:cNvPr id="12" name="TextBox 4">
-            <a:extLst>
-              <a:ext uri="{FF2B5EF4-FFF2-40B4-BE49-F238E27FC236}">
-                <a16:creationId xmlns:a16="http://schemas.microsoft.com/office/drawing/2014/main" id="{134DADF2-FA5A-1729-683A-30F375DD0376}"/>
-              </a:ext>
-            </a:extLst>
-          </p:cNvPr>
-          <p:cNvSpPr txBox="1"/>
-          <p:nvPr/>
-        </p:nvSpPr>
-        <p:spPr>
-          <a:xfrm>
-            <a:off x="3046447" y="8979411"/>
-            <a:ext cx="11214393" cy="537904"/>
-          </a:xfrm>
-          <a:prstGeom prst="rect">
-            <a:avLst/>
-          </a:prstGeom>
-        </p:spPr>
-        <p:txBody>
-          <a:bodyPr wrap="square" lIns="0" tIns="0" rIns="0" bIns="0" rtlCol="0" anchor="t">
-            <a:spAutoFit/>
-          </a:bodyPr>
-          <a:lstStyle/>
-          <a:p>
-            <a:pPr algn="ctr">
-              <a:lnSpc>
-                <a:spcPts val="4500"/>
-              </a:lnSpc>
-            </a:pPr>
-            <a:r>
-              <a:rPr lang="en-US" sz="3600" dirty="0">
-                <a:solidFill>
-                  <a:srgbClr val="5B5F72"/>
-                </a:solidFill>
-                <a:latin typeface="Arimo Bold"/>
-                <a:ea typeface="Arimo Bold"/>
-                <a:cs typeface="Arimo Bold"/>
-                <a:sym typeface="Arimo Bold"/>
-              </a:rPr>
-              <a:t>70/30 split for Train and Test. </a:t>
-            </a:r>
-          </a:p>
-        </p:txBody>
-      </p:sp>
-      <p:sp>
-        <p:nvSpPr>
-          <p:cNvPr id="13" name="矩形 12">
-            <a:extLst>
-              <a:ext uri="{FF2B5EF4-FFF2-40B4-BE49-F238E27FC236}">
-                <a16:creationId xmlns:a16="http://schemas.microsoft.com/office/drawing/2014/main" id="{A926F337-EE85-5D55-7E0E-E58787F8B6BA}"/>
-              </a:ext>
-            </a:extLst>
-          </p:cNvPr>
-          <p:cNvSpPr/>
-          <p:nvPr/>
-        </p:nvSpPr>
-        <p:spPr>
-          <a:xfrm>
-            <a:off x="9525000" y="3080160"/>
-            <a:ext cx="1828800" cy="1016805"/>
-          </a:xfrm>
-          <a:prstGeom prst="rect">
-            <a:avLst/>
-          </a:prstGeom>
-          <a:noFill/>
-          <a:ln w="38100">
-            <a:solidFill>
-              <a:srgbClr val="FF0000"/>
-            </a:solidFill>
-          </a:ln>
-        </p:spPr>
-        <p:style>
-          <a:lnRef idx="2">
-            <a:schemeClr val="accent1">
-              <a:shade val="15000"/>
-            </a:schemeClr>
-          </a:lnRef>
-          <a:fillRef idx="1">
-            <a:schemeClr val="accent1"/>
-          </a:fillRef>
-          <a:effectRef idx="0">
-            <a:schemeClr val="accent1"/>
-          </a:effectRef>
-          <a:fontRef idx="minor">
-            <a:schemeClr val="lt1"/>
-          </a:fontRef>
-        </p:style>
-        <p:txBody>
-          <a:bodyPr rtlCol="0" anchor="ctr"/>
-          <a:lstStyle/>
-          <a:p>
-            <a:pPr algn="ctr"/>
-            <a:endParaRPr lang="zh-TW" altLang="en-US"/>
-          </a:p>
-        </p:txBody>
-      </p:sp>
-      <p:cxnSp>
-        <p:nvCxnSpPr>
-          <p:cNvPr id="15" name="直線接點 14">
-            <a:extLst>
-              <a:ext uri="{FF2B5EF4-FFF2-40B4-BE49-F238E27FC236}">
-                <a16:creationId xmlns:a16="http://schemas.microsoft.com/office/drawing/2014/main" id="{2D7E1B5A-43EF-713B-9F19-0F6737E39E64}"/>
-              </a:ext>
-            </a:extLst>
-          </p:cNvPr>
-          <p:cNvCxnSpPr/>
-          <p:nvPr/>
-        </p:nvCxnSpPr>
-        <p:spPr>
-          <a:xfrm flipV="1">
-            <a:off x="10439400" y="2027565"/>
-            <a:ext cx="2362200" cy="1058535"/>
-          </a:xfrm>
-          <a:prstGeom prst="line">
-            <a:avLst/>
-          </a:prstGeom>
-          <a:ln w="28575">
-            <a:solidFill>
-              <a:srgbClr val="FF0000"/>
-            </a:solidFill>
-          </a:ln>
-        </p:spPr>
-        <p:style>
-          <a:lnRef idx="1">
-            <a:schemeClr val="accent1"/>
-          </a:lnRef>
-          <a:fillRef idx="0">
-            <a:schemeClr val="accent1"/>
-          </a:fillRef>
-          <a:effectRef idx="0">
-            <a:schemeClr val="accent1"/>
-          </a:effectRef>
-          <a:fontRef idx="minor">
-            <a:schemeClr val="tx1"/>
-          </a:fontRef>
-        </p:style>
-      </p:cxnSp>
-      <p:sp>
-        <p:nvSpPr>
-          <p:cNvPr id="16" name="TextBox 8">
-            <a:extLst>
-              <a:ext uri="{FF2B5EF4-FFF2-40B4-BE49-F238E27FC236}">
-                <a16:creationId xmlns:a16="http://schemas.microsoft.com/office/drawing/2014/main" id="{8F76B34F-6848-4D86-56A1-6ED141663F73}"/>
-              </a:ext>
-            </a:extLst>
-          </p:cNvPr>
-          <p:cNvSpPr txBox="1"/>
-          <p:nvPr/>
-        </p:nvSpPr>
-        <p:spPr>
-          <a:xfrm>
-            <a:off x="12489232" y="1541622"/>
-            <a:ext cx="11270032" cy="456856"/>
-          </a:xfrm>
-          <a:prstGeom prst="rect">
-            <a:avLst/>
-          </a:prstGeom>
-        </p:spPr>
-        <p:txBody>
-          <a:bodyPr wrap="square" lIns="0" tIns="0" rIns="0" bIns="0" rtlCol="0" anchor="t">
-            <a:spAutoFit/>
-          </a:bodyPr>
-          <a:lstStyle/>
-          <a:p>
-            <a:pPr algn="l">
-              <a:lnSpc>
-                <a:spcPts val="3887"/>
-              </a:lnSpc>
-            </a:pPr>
-            <a:r>
-              <a:rPr lang="en-US" sz="2800" dirty="0">
-                <a:solidFill>
-                  <a:srgbClr val="FF0000"/>
-                </a:solidFill>
-                <a:latin typeface="Arimo"/>
-                <a:ea typeface="Arimo"/>
-                <a:cs typeface="Arimo"/>
-                <a:sym typeface="Arimo"/>
-              </a:rPr>
-              <a:t>Overflow?</a:t>
-            </a:r>
-          </a:p>
-        </p:txBody>
-      </p:sp>
-    </p:spTree>
-  </p:cSld>
-  <p:clrMapOvr>
-    <a:masterClrMapping/>
-  </p:clrMapOvr>
-</p:sld>
-</file>
-
-<file path=ppt/slides/slide3.xml><?xml version="1.0" encoding="utf-8"?>
-<p:sld xmlns:a="http://schemas.openxmlformats.org/drawingml/2006/main" xmlns:r="http://schemas.openxmlformats.org/officeDocument/2006/relationships" xmlns:p="http://schemas.openxmlformats.org/presentationml/2006/main">
-  <p:cSld>
-    <p:spTree>
-      <p:nvGrpSpPr>
-        <p:cNvPr id="1" name=""/>
-        <p:cNvGrpSpPr/>
-        <p:nvPr/>
-      </p:nvGrpSpPr>
-      <p:grpSpPr>
-        <a:xfrm>
-          <a:off x="0" y="0"/>
-          <a:ext cx="0" cy="0"/>
-          <a:chOff x="0" y="0"/>
-          <a:chExt cx="0" cy="0"/>
-        </a:xfrm>
-      </p:grpSpPr>
-      <p:sp>
-        <p:nvSpPr>
-          <p:cNvPr id="2" name="Freeform 2" descr="preencoded.png"/>
-          <p:cNvSpPr/>
-          <p:nvPr/>
-        </p:nvSpPr>
-        <p:spPr>
-          <a:xfrm>
-            <a:off x="-1" y="0"/>
-            <a:ext cx="18288000" cy="10287000"/>
-          </a:xfrm>
-          <a:custGeom>
-            <a:avLst/>
-            <a:gdLst/>
-            <a:ahLst/>
-            <a:cxnLst/>
-            <a:rect l="l" t="t" r="r" b="b"/>
-            <a:pathLst>
-              <a:path w="18288000" h="10287000">
-                <a:moveTo>
-                  <a:pt x="0" y="0"/>
-                </a:moveTo>
-                <a:lnTo>
-                  <a:pt x="18288000" y="0"/>
-                </a:lnTo>
-                <a:lnTo>
-                  <a:pt x="18288000" y="10287000"/>
-                </a:lnTo>
-                <a:lnTo>
-                  <a:pt x="0" y="10287000"/>
-                </a:lnTo>
-                <a:lnTo>
-                  <a:pt x="0" y="0"/>
-                </a:lnTo>
-                <a:close/>
-              </a:path>
-            </a:pathLst>
-          </a:custGeom>
-          <a:blipFill>
-            <a:blip r:embed="rId3"/>
-            <a:stretch>
-              <a:fillRect/>
-            </a:stretch>
-          </a:blipFill>
-        </p:spPr>
-        <p:txBody>
-          <a:bodyPr/>
-          <a:lstStyle/>
-          <a:p>
             <a:endParaRPr lang="zh-TW" altLang="en-US" dirty="0"/>
           </a:p>
         </p:txBody>
@@ -21609,840 +19730,6 @@
         <p14:creationId xmlns:p14="http://schemas.microsoft.com/office/powerpoint/2010/main" val="1076743792"/>
       </p:ext>
     </p:extLst>
-  </p:cSld>
-  <p:clrMapOvr>
-    <a:masterClrMapping/>
-  </p:clrMapOvr>
-</p:sld>
-</file>
-
-<file path=ppt/slides/slide30.xml><?xml version="1.0" encoding="utf-8"?>
-<p:sld xmlns:a="http://schemas.openxmlformats.org/drawingml/2006/main" xmlns:r="http://schemas.openxmlformats.org/officeDocument/2006/relationships" xmlns:p="http://schemas.openxmlformats.org/presentationml/2006/main">
-  <p:cSld>
-    <p:spTree>
-      <p:nvGrpSpPr>
-        <p:cNvPr id="1" name=""/>
-        <p:cNvGrpSpPr/>
-        <p:nvPr/>
-      </p:nvGrpSpPr>
-      <p:grpSpPr>
-        <a:xfrm>
-          <a:off x="0" y="0"/>
-          <a:ext cx="0" cy="0"/>
-          <a:chOff x="0" y="0"/>
-          <a:chExt cx="0" cy="0"/>
-        </a:xfrm>
-      </p:grpSpPr>
-      <p:sp>
-        <p:nvSpPr>
-          <p:cNvPr id="2" name="Freeform 2" descr="preencoded.png"/>
-          <p:cNvSpPr/>
-          <p:nvPr/>
-        </p:nvSpPr>
-        <p:spPr>
-          <a:xfrm>
-            <a:off x="0" y="0"/>
-            <a:ext cx="18288000" cy="10287000"/>
-          </a:xfrm>
-          <a:custGeom>
-            <a:avLst/>
-            <a:gdLst/>
-            <a:ahLst/>
-            <a:cxnLst/>
-            <a:rect l="l" t="t" r="r" b="b"/>
-            <a:pathLst>
-              <a:path w="18288000" h="10287000">
-                <a:moveTo>
-                  <a:pt x="0" y="0"/>
-                </a:moveTo>
-                <a:lnTo>
-                  <a:pt x="18288000" y="0"/>
-                </a:lnTo>
-                <a:lnTo>
-                  <a:pt x="18288000" y="10287000"/>
-                </a:lnTo>
-                <a:lnTo>
-                  <a:pt x="0" y="10287000"/>
-                </a:lnTo>
-                <a:lnTo>
-                  <a:pt x="0" y="0"/>
-                </a:lnTo>
-                <a:close/>
-              </a:path>
-            </a:pathLst>
-          </a:custGeom>
-          <a:blipFill>
-            <a:blip r:embed="rId3"/>
-            <a:stretch>
-              <a:fillRect/>
-            </a:stretch>
-          </a:blipFill>
-        </p:spPr>
-        <p:txBody>
-          <a:bodyPr/>
-          <a:lstStyle/>
-          <a:p>
-            <a:endParaRPr lang="zh-TW" altLang="en-US"/>
-          </a:p>
-        </p:txBody>
-      </p:sp>
-      <p:grpSp>
-        <p:nvGrpSpPr>
-          <p:cNvPr id="3" name="Group 3"/>
-          <p:cNvGrpSpPr/>
-          <p:nvPr/>
-        </p:nvGrpSpPr>
-        <p:grpSpPr>
-          <a:xfrm>
-            <a:off x="0" y="0"/>
-            <a:ext cx="18288000" cy="10287000"/>
-            <a:chOff x="0" y="0"/>
-            <a:chExt cx="24384000" cy="13716000"/>
-          </a:xfrm>
-        </p:grpSpPr>
-        <p:sp>
-          <p:nvSpPr>
-            <p:cNvPr id="4" name="Freeform 4"/>
-            <p:cNvSpPr/>
-            <p:nvPr/>
-          </p:nvSpPr>
-          <p:spPr>
-            <a:xfrm>
-              <a:off x="0" y="0"/>
-              <a:ext cx="24384000" cy="13716000"/>
-            </a:xfrm>
-            <a:custGeom>
-              <a:avLst/>
-              <a:gdLst/>
-              <a:ahLst/>
-              <a:cxnLst/>
-              <a:rect l="l" t="t" r="r" b="b"/>
-              <a:pathLst>
-                <a:path w="24384000" h="13716000">
-                  <a:moveTo>
-                    <a:pt x="0" y="0"/>
-                  </a:moveTo>
-                  <a:lnTo>
-                    <a:pt x="24384000" y="0"/>
-                  </a:lnTo>
-                  <a:lnTo>
-                    <a:pt x="24384000" y="13716000"/>
-                  </a:lnTo>
-                  <a:lnTo>
-                    <a:pt x="0" y="13716000"/>
-                  </a:lnTo>
-                  <a:close/>
-                </a:path>
-              </a:pathLst>
-            </a:custGeom>
-            <a:solidFill>
-              <a:srgbClr val="FFFFFF">
-                <a:alpha val="74902"/>
-              </a:srgbClr>
-            </a:solidFill>
-          </p:spPr>
-          <p:txBody>
-            <a:bodyPr/>
-            <a:lstStyle/>
-            <a:p>
-              <a:endParaRPr lang="zh-TW" altLang="en-US"/>
-            </a:p>
-          </p:txBody>
-        </p:sp>
-      </p:grpSp>
-      <p:sp>
-        <p:nvSpPr>
-          <p:cNvPr id="6" name="TextBox 6"/>
-          <p:cNvSpPr txBox="1"/>
-          <p:nvPr/>
-        </p:nvSpPr>
-        <p:spPr>
-          <a:xfrm>
-            <a:off x="609600" y="571500"/>
-            <a:ext cx="10533337" cy="908326"/>
-          </a:xfrm>
-          <a:prstGeom prst="rect">
-            <a:avLst/>
-          </a:prstGeom>
-        </p:spPr>
-        <p:txBody>
-          <a:bodyPr lIns="0" tIns="0" rIns="0" bIns="0" rtlCol="0" anchor="t">
-            <a:spAutoFit/>
-          </a:bodyPr>
-          <a:lstStyle/>
-          <a:p>
-            <a:pPr algn="l">
-              <a:lnSpc>
-                <a:spcPts val="7593"/>
-              </a:lnSpc>
-            </a:pPr>
-            <a:r>
-              <a:rPr lang="en-US" sz="6075" dirty="0">
-                <a:solidFill>
-                  <a:srgbClr val="5B5F72"/>
-                </a:solidFill>
-                <a:latin typeface="Arimo Bold"/>
-                <a:ea typeface="Arimo Bold"/>
-                <a:cs typeface="Arimo Bold"/>
-                <a:sym typeface="Arimo Bold"/>
-              </a:rPr>
-              <a:t>Accuracy(</a:t>
-            </a:r>
-            <a:r>
-              <a:rPr lang="en-US" altLang="zh-TW" sz="6075" dirty="0">
-                <a:solidFill>
-                  <a:srgbClr val="5B5F72"/>
-                </a:solidFill>
-                <a:latin typeface="Arimo Bold"/>
-                <a:ea typeface="Arimo Bold"/>
-                <a:cs typeface="Arimo Bold"/>
-                <a:sym typeface="Arimo Bold"/>
-              </a:rPr>
-              <a:t>random</a:t>
-            </a:r>
-            <a:r>
-              <a:rPr lang="zh-TW" altLang="en-US" sz="6075" dirty="0">
-                <a:solidFill>
-                  <a:srgbClr val="5B5F72"/>
-                </a:solidFill>
-                <a:latin typeface="Arimo Bold"/>
-                <a:ea typeface="Arimo Bold"/>
-                <a:cs typeface="Arimo Bold"/>
-                <a:sym typeface="Arimo Bold"/>
-              </a:rPr>
-              <a:t> </a:t>
-            </a:r>
-            <a:r>
-              <a:rPr lang="en-US" altLang="zh-TW" sz="6075" dirty="0">
-                <a:solidFill>
-                  <a:srgbClr val="5B5F72"/>
-                </a:solidFill>
-                <a:latin typeface="Arimo Bold"/>
-                <a:ea typeface="Arimo Bold"/>
-                <a:cs typeface="Arimo Bold"/>
-                <a:sym typeface="Arimo Bold"/>
-              </a:rPr>
-              <a:t>forest</a:t>
-            </a:r>
-            <a:r>
-              <a:rPr lang="en-US" sz="6075" dirty="0">
-                <a:solidFill>
-                  <a:srgbClr val="5B5F72"/>
-                </a:solidFill>
-                <a:latin typeface="Arimo Bold"/>
-                <a:ea typeface="Arimo Bold"/>
-                <a:cs typeface="Arimo Bold"/>
-                <a:sym typeface="Arimo Bold"/>
-              </a:rPr>
-              <a:t>)</a:t>
-            </a:r>
-          </a:p>
-        </p:txBody>
-      </p:sp>
-      <p:sp>
-        <p:nvSpPr>
-          <p:cNvPr id="8" name="TextBox 8"/>
-          <p:cNvSpPr txBox="1"/>
-          <p:nvPr/>
-        </p:nvSpPr>
-        <p:spPr>
-          <a:xfrm>
-            <a:off x="609600" y="1618484"/>
-            <a:ext cx="11270032" cy="456856"/>
-          </a:xfrm>
-          <a:prstGeom prst="rect">
-            <a:avLst/>
-          </a:prstGeom>
-        </p:spPr>
-        <p:txBody>
-          <a:bodyPr wrap="square" lIns="0" tIns="0" rIns="0" bIns="0" rtlCol="0" anchor="t">
-            <a:spAutoFit/>
-          </a:bodyPr>
-          <a:lstStyle/>
-          <a:p>
-            <a:pPr algn="l">
-              <a:lnSpc>
-                <a:spcPts val="3887"/>
-              </a:lnSpc>
-            </a:pPr>
-            <a:r>
-              <a:rPr lang="en-US" sz="2800" dirty="0">
-                <a:solidFill>
-                  <a:srgbClr val="5B5F71"/>
-                </a:solidFill>
-                <a:latin typeface="Arimo"/>
-                <a:ea typeface="Arimo"/>
-                <a:cs typeface="Arimo"/>
-                <a:sym typeface="Arimo"/>
-              </a:rPr>
-              <a:t>Change outliers to Q1 or Q3. Fill with mean values. Rows not deleted.</a:t>
-            </a:r>
-          </a:p>
-        </p:txBody>
-      </p:sp>
-      <p:sp>
-        <p:nvSpPr>
-          <p:cNvPr id="12" name="TextBox 4">
-            <a:extLst>
-              <a:ext uri="{FF2B5EF4-FFF2-40B4-BE49-F238E27FC236}">
-                <a16:creationId xmlns:a16="http://schemas.microsoft.com/office/drawing/2014/main" id="{134DADF2-FA5A-1729-683A-30F375DD0376}"/>
-              </a:ext>
-            </a:extLst>
-          </p:cNvPr>
-          <p:cNvSpPr txBox="1"/>
-          <p:nvPr/>
-        </p:nvSpPr>
-        <p:spPr>
-          <a:xfrm>
-            <a:off x="3046447" y="8979411"/>
-            <a:ext cx="11214393" cy="537904"/>
-          </a:xfrm>
-          <a:prstGeom prst="rect">
-            <a:avLst/>
-          </a:prstGeom>
-        </p:spPr>
-        <p:txBody>
-          <a:bodyPr wrap="square" lIns="0" tIns="0" rIns="0" bIns="0" rtlCol="0" anchor="t">
-            <a:spAutoFit/>
-          </a:bodyPr>
-          <a:lstStyle/>
-          <a:p>
-            <a:pPr algn="ctr">
-              <a:lnSpc>
-                <a:spcPts val="4500"/>
-              </a:lnSpc>
-            </a:pPr>
-            <a:r>
-              <a:rPr lang="en-US" sz="3600" dirty="0">
-                <a:solidFill>
-                  <a:srgbClr val="5B5F72"/>
-                </a:solidFill>
-                <a:latin typeface="Arimo Bold"/>
-                <a:ea typeface="Arimo Bold"/>
-                <a:cs typeface="Arimo Bold"/>
-                <a:sym typeface="Arimo Bold"/>
-              </a:rPr>
-              <a:t>Use another dataset for Test. </a:t>
-            </a:r>
-          </a:p>
-        </p:txBody>
-      </p:sp>
-      <p:pic>
-        <p:nvPicPr>
-          <p:cNvPr id="7" name="圖片 6">
-            <a:extLst>
-              <a:ext uri="{FF2B5EF4-FFF2-40B4-BE49-F238E27FC236}">
-                <a16:creationId xmlns:a16="http://schemas.microsoft.com/office/drawing/2014/main" id="{8775A431-8C5D-130E-3592-A3F5AA929D2F}"/>
-              </a:ext>
-            </a:extLst>
-          </p:cNvPr>
-          <p:cNvPicPr>
-            <a:picLocks noChangeAspect="1"/>
-          </p:cNvPicPr>
-          <p:nvPr/>
-        </p:nvPicPr>
-        <p:blipFill>
-          <a:blip r:embed="rId4"/>
-          <a:stretch>
-            <a:fillRect/>
-          </a:stretch>
-        </p:blipFill>
-        <p:spPr>
-          <a:xfrm>
-            <a:off x="8839200" y="2624084"/>
-            <a:ext cx="7830770" cy="6013827"/>
-          </a:xfrm>
-          <a:prstGeom prst="rect">
-            <a:avLst/>
-          </a:prstGeom>
-        </p:spPr>
-      </p:pic>
-      <p:pic>
-        <p:nvPicPr>
-          <p:cNvPr id="13" name="圖片 12">
-            <a:extLst>
-              <a:ext uri="{FF2B5EF4-FFF2-40B4-BE49-F238E27FC236}">
-                <a16:creationId xmlns:a16="http://schemas.microsoft.com/office/drawing/2014/main" id="{78E14B3B-29AF-3EA9-FB00-FE3B8D3F305B}"/>
-              </a:ext>
-            </a:extLst>
-          </p:cNvPr>
-          <p:cNvPicPr>
-            <a:picLocks noChangeAspect="1"/>
-          </p:cNvPicPr>
-          <p:nvPr/>
-        </p:nvPicPr>
-        <p:blipFill>
-          <a:blip r:embed="rId5"/>
-          <a:stretch>
-            <a:fillRect/>
-          </a:stretch>
-        </p:blipFill>
-        <p:spPr>
-          <a:xfrm>
-            <a:off x="1383410" y="2852078"/>
-            <a:ext cx="7455790" cy="5366835"/>
-          </a:xfrm>
-          <a:prstGeom prst="rect">
-            <a:avLst/>
-          </a:prstGeom>
-        </p:spPr>
-      </p:pic>
-    </p:spTree>
-    <p:extLst>
-      <p:ext uri="{BB962C8B-B14F-4D97-AF65-F5344CB8AC3E}">
-        <p14:creationId xmlns:p14="http://schemas.microsoft.com/office/powerpoint/2010/main" val="912200873"/>
-      </p:ext>
-    </p:extLst>
-  </p:cSld>
-  <p:clrMapOvr>
-    <a:masterClrMapping/>
-  </p:clrMapOvr>
-</p:sld>
-</file>
-
-<file path=ppt/slides/slide31.xml><?xml version="1.0" encoding="utf-8"?>
-<p:sld xmlns:a="http://schemas.openxmlformats.org/drawingml/2006/main" xmlns:r="http://schemas.openxmlformats.org/officeDocument/2006/relationships" xmlns:p="http://schemas.openxmlformats.org/presentationml/2006/main">
-  <p:cSld>
-    <p:spTree>
-      <p:nvGrpSpPr>
-        <p:cNvPr id="1" name=""/>
-        <p:cNvGrpSpPr/>
-        <p:nvPr/>
-      </p:nvGrpSpPr>
-      <p:grpSpPr>
-        <a:xfrm>
-          <a:off x="0" y="0"/>
-          <a:ext cx="0" cy="0"/>
-          <a:chOff x="0" y="0"/>
-          <a:chExt cx="0" cy="0"/>
-        </a:xfrm>
-      </p:grpSpPr>
-      <p:sp>
-        <p:nvSpPr>
-          <p:cNvPr id="2" name="Freeform 2" descr="preencoded.png"/>
-          <p:cNvSpPr/>
-          <p:nvPr/>
-        </p:nvSpPr>
-        <p:spPr>
-          <a:xfrm>
-            <a:off x="0" y="0"/>
-            <a:ext cx="18288000" cy="10287000"/>
-          </a:xfrm>
-          <a:custGeom>
-            <a:avLst/>
-            <a:gdLst/>
-            <a:ahLst/>
-            <a:cxnLst/>
-            <a:rect l="l" t="t" r="r" b="b"/>
-            <a:pathLst>
-              <a:path w="18288000" h="10287000">
-                <a:moveTo>
-                  <a:pt x="0" y="0"/>
-                </a:moveTo>
-                <a:lnTo>
-                  <a:pt x="18288000" y="0"/>
-                </a:lnTo>
-                <a:lnTo>
-                  <a:pt x="18288000" y="10287000"/>
-                </a:lnTo>
-                <a:lnTo>
-                  <a:pt x="0" y="10287000"/>
-                </a:lnTo>
-                <a:lnTo>
-                  <a:pt x="0" y="0"/>
-                </a:lnTo>
-                <a:close/>
-              </a:path>
-            </a:pathLst>
-          </a:custGeom>
-          <a:blipFill>
-            <a:blip r:embed="rId3"/>
-            <a:stretch>
-              <a:fillRect/>
-            </a:stretch>
-          </a:blipFill>
-        </p:spPr>
-        <p:txBody>
-          <a:bodyPr/>
-          <a:lstStyle/>
-          <a:p>
-            <a:endParaRPr lang="zh-TW" altLang="en-US"/>
-          </a:p>
-        </p:txBody>
-      </p:sp>
-      <p:grpSp>
-        <p:nvGrpSpPr>
-          <p:cNvPr id="3" name="Group 3"/>
-          <p:cNvGrpSpPr/>
-          <p:nvPr/>
-        </p:nvGrpSpPr>
-        <p:grpSpPr>
-          <a:xfrm>
-            <a:off x="0" y="0"/>
-            <a:ext cx="18288000" cy="10287000"/>
-            <a:chOff x="0" y="0"/>
-            <a:chExt cx="24384000" cy="13716000"/>
-          </a:xfrm>
-        </p:grpSpPr>
-        <p:sp>
-          <p:nvSpPr>
-            <p:cNvPr id="4" name="Freeform 4"/>
-            <p:cNvSpPr/>
-            <p:nvPr/>
-          </p:nvSpPr>
-          <p:spPr>
-            <a:xfrm>
-              <a:off x="0" y="0"/>
-              <a:ext cx="24384000" cy="13716000"/>
-            </a:xfrm>
-            <a:custGeom>
-              <a:avLst/>
-              <a:gdLst/>
-              <a:ahLst/>
-              <a:cxnLst/>
-              <a:rect l="l" t="t" r="r" b="b"/>
-              <a:pathLst>
-                <a:path w="24384000" h="13716000">
-                  <a:moveTo>
-                    <a:pt x="0" y="0"/>
-                  </a:moveTo>
-                  <a:lnTo>
-                    <a:pt x="24384000" y="0"/>
-                  </a:lnTo>
-                  <a:lnTo>
-                    <a:pt x="24384000" y="13716000"/>
-                  </a:lnTo>
-                  <a:lnTo>
-                    <a:pt x="0" y="13716000"/>
-                  </a:lnTo>
-                  <a:close/>
-                </a:path>
-              </a:pathLst>
-            </a:custGeom>
-            <a:solidFill>
-              <a:srgbClr val="FFFFFF">
-                <a:alpha val="74902"/>
-              </a:srgbClr>
-            </a:solidFill>
-          </p:spPr>
-          <p:txBody>
-            <a:bodyPr/>
-            <a:lstStyle/>
-            <a:p>
-              <a:endParaRPr lang="zh-TW" altLang="en-US"/>
-            </a:p>
-          </p:txBody>
-        </p:sp>
-      </p:grpSp>
-      <p:sp>
-        <p:nvSpPr>
-          <p:cNvPr id="7" name="TextBox 6">
-            <a:extLst>
-              <a:ext uri="{FF2B5EF4-FFF2-40B4-BE49-F238E27FC236}">
-                <a16:creationId xmlns:a16="http://schemas.microsoft.com/office/drawing/2014/main" id="{F8E3CADC-403D-D161-33B3-BD87644760E4}"/>
-              </a:ext>
-            </a:extLst>
-          </p:cNvPr>
-          <p:cNvSpPr txBox="1"/>
-          <p:nvPr/>
-        </p:nvSpPr>
-        <p:spPr>
-          <a:xfrm>
-            <a:off x="609600" y="495300"/>
-            <a:ext cx="10533337" cy="908326"/>
-          </a:xfrm>
-          <a:prstGeom prst="rect">
-            <a:avLst/>
-          </a:prstGeom>
-        </p:spPr>
-        <p:txBody>
-          <a:bodyPr lIns="0" tIns="0" rIns="0" bIns="0" rtlCol="0" anchor="t">
-            <a:spAutoFit/>
-          </a:bodyPr>
-          <a:lstStyle/>
-          <a:p>
-            <a:pPr algn="l">
-              <a:lnSpc>
-                <a:spcPts val="7593"/>
-              </a:lnSpc>
-            </a:pPr>
-            <a:r>
-              <a:rPr lang="en-US" sz="6075" dirty="0">
-                <a:solidFill>
-                  <a:srgbClr val="5B5F72"/>
-                </a:solidFill>
-                <a:latin typeface="Arimo Bold"/>
-                <a:ea typeface="Arimo Bold"/>
-                <a:cs typeface="Arimo Bold"/>
-                <a:sym typeface="Arimo Bold"/>
-              </a:rPr>
-              <a:t>Accuracy(</a:t>
-            </a:r>
-            <a:r>
-              <a:rPr lang="en-US" altLang="zh-TW" sz="6075" dirty="0">
-                <a:solidFill>
-                  <a:srgbClr val="5B5F72"/>
-                </a:solidFill>
-                <a:latin typeface="Arimo Bold"/>
-                <a:ea typeface="Arimo Bold"/>
-                <a:cs typeface="Arimo Bold"/>
-                <a:sym typeface="Arimo Bold"/>
-              </a:rPr>
-              <a:t>random</a:t>
-            </a:r>
-            <a:r>
-              <a:rPr lang="zh-TW" altLang="en-US" sz="6075" dirty="0">
-                <a:solidFill>
-                  <a:srgbClr val="5B5F72"/>
-                </a:solidFill>
-                <a:latin typeface="Arimo Bold"/>
-                <a:ea typeface="Arimo Bold"/>
-                <a:cs typeface="Arimo Bold"/>
-                <a:sym typeface="Arimo Bold"/>
-              </a:rPr>
-              <a:t> </a:t>
-            </a:r>
-            <a:r>
-              <a:rPr lang="en-US" altLang="zh-TW" sz="6075" dirty="0">
-                <a:solidFill>
-                  <a:srgbClr val="5B5F72"/>
-                </a:solidFill>
-                <a:latin typeface="Arimo Bold"/>
-                <a:ea typeface="Arimo Bold"/>
-                <a:cs typeface="Arimo Bold"/>
-                <a:sym typeface="Arimo Bold"/>
-              </a:rPr>
-              <a:t>forest</a:t>
-            </a:r>
-            <a:r>
-              <a:rPr lang="en-US" sz="6075" dirty="0">
-                <a:solidFill>
-                  <a:srgbClr val="5B5F72"/>
-                </a:solidFill>
-                <a:latin typeface="Arimo Bold"/>
-                <a:ea typeface="Arimo Bold"/>
-                <a:cs typeface="Arimo Bold"/>
-                <a:sym typeface="Arimo Bold"/>
-              </a:rPr>
-              <a:t>)</a:t>
-            </a:r>
-          </a:p>
-        </p:txBody>
-      </p:sp>
-      <p:sp>
-        <p:nvSpPr>
-          <p:cNvPr id="9" name="TextBox 8">
-            <a:extLst>
-              <a:ext uri="{FF2B5EF4-FFF2-40B4-BE49-F238E27FC236}">
-                <a16:creationId xmlns:a16="http://schemas.microsoft.com/office/drawing/2014/main" id="{8B089659-2C28-2090-C6BE-A697CE84B03D}"/>
-              </a:ext>
-            </a:extLst>
-          </p:cNvPr>
-          <p:cNvSpPr txBox="1"/>
-          <p:nvPr/>
-        </p:nvSpPr>
-        <p:spPr>
-          <a:xfrm>
-            <a:off x="609600" y="1542284"/>
-            <a:ext cx="10431832" cy="1457130"/>
-          </a:xfrm>
-          <a:prstGeom prst="rect">
-            <a:avLst/>
-          </a:prstGeom>
-        </p:spPr>
-        <p:txBody>
-          <a:bodyPr wrap="square" lIns="0" tIns="0" rIns="0" bIns="0" rtlCol="0" anchor="t">
-            <a:spAutoFit/>
-          </a:bodyPr>
-          <a:lstStyle/>
-          <a:p>
-            <a:pPr algn="l">
-              <a:lnSpc>
-                <a:spcPts val="3885"/>
-              </a:lnSpc>
-            </a:pPr>
-            <a:r>
-              <a:rPr lang="en-US" altLang="zh-TW" sz="2800" dirty="0">
-                <a:solidFill>
-                  <a:srgbClr val="5B5F71"/>
-                </a:solidFill>
-                <a:latin typeface="Arimo"/>
-                <a:ea typeface="Arimo"/>
-                <a:cs typeface="Arimo"/>
-                <a:sym typeface="Arimo"/>
-              </a:rPr>
-              <a:t>Change outliers to empty value(normal range). </a:t>
-            </a:r>
-          </a:p>
-          <a:p>
-            <a:pPr algn="l">
-              <a:lnSpc>
-                <a:spcPts val="3885"/>
-              </a:lnSpc>
-            </a:pPr>
-            <a:r>
-              <a:rPr lang="en-US" altLang="zh-TW" sz="2800" dirty="0">
-                <a:solidFill>
-                  <a:srgbClr val="5B5F71"/>
-                </a:solidFill>
-                <a:latin typeface="Arimo"/>
-                <a:ea typeface="Arimo"/>
-                <a:cs typeface="Arimo"/>
-                <a:sym typeface="Arimo"/>
-              </a:rPr>
-              <a:t>Delete row when it </a:t>
-            </a:r>
-            <a:r>
-              <a:rPr lang="en-US" altLang="zh-TW" sz="2800" dirty="0" err="1">
-                <a:solidFill>
-                  <a:srgbClr val="5B5F71"/>
-                </a:solidFill>
-                <a:latin typeface="Arimo"/>
-                <a:ea typeface="Arimo"/>
-                <a:cs typeface="Arimo"/>
-                <a:sym typeface="Arimo"/>
-              </a:rPr>
-              <a:t>exsist</a:t>
-            </a:r>
-            <a:r>
-              <a:rPr lang="en-US" altLang="zh-TW" sz="2800" dirty="0">
-                <a:solidFill>
-                  <a:srgbClr val="5B5F71"/>
-                </a:solidFill>
-                <a:latin typeface="Arimo"/>
-                <a:ea typeface="Arimo"/>
-                <a:cs typeface="Arimo"/>
-                <a:sym typeface="Arimo"/>
-              </a:rPr>
-              <a:t> over 3 empty values. Exist empty value.</a:t>
-            </a:r>
-          </a:p>
-          <a:p>
-            <a:pPr algn="l">
-              <a:lnSpc>
-                <a:spcPts val="3887"/>
-              </a:lnSpc>
-            </a:pPr>
-            <a:endParaRPr lang="en-US" altLang="zh-TW" sz="2800" dirty="0">
-              <a:solidFill>
-                <a:srgbClr val="5B5F71"/>
-              </a:solidFill>
-              <a:latin typeface="Arimo"/>
-              <a:ea typeface="Arimo"/>
-              <a:cs typeface="Arimo"/>
-              <a:sym typeface="Arimo"/>
-            </a:endParaRPr>
-          </a:p>
-        </p:txBody>
-      </p:sp>
-      <p:pic>
-        <p:nvPicPr>
-          <p:cNvPr id="11" name="圖片 10">
-            <a:extLst>
-              <a:ext uri="{FF2B5EF4-FFF2-40B4-BE49-F238E27FC236}">
-                <a16:creationId xmlns:a16="http://schemas.microsoft.com/office/drawing/2014/main" id="{5CA37993-B8F9-1EE6-07BC-285C227D0A8B}"/>
-              </a:ext>
-            </a:extLst>
-          </p:cNvPr>
-          <p:cNvPicPr>
-            <a:picLocks noChangeAspect="1"/>
-          </p:cNvPicPr>
-          <p:nvPr/>
-        </p:nvPicPr>
-        <p:blipFill>
-          <a:blip r:embed="rId4"/>
-          <a:stretch>
-            <a:fillRect/>
-          </a:stretch>
-        </p:blipFill>
-        <p:spPr>
-          <a:xfrm>
-            <a:off x="8458200" y="2628900"/>
-            <a:ext cx="7832112" cy="5973061"/>
-          </a:xfrm>
-          <a:prstGeom prst="rect">
-            <a:avLst/>
-          </a:prstGeom>
-        </p:spPr>
-      </p:pic>
-      <p:pic>
-        <p:nvPicPr>
-          <p:cNvPr id="13" name="圖片 12">
-            <a:extLst>
-              <a:ext uri="{FF2B5EF4-FFF2-40B4-BE49-F238E27FC236}">
-                <a16:creationId xmlns:a16="http://schemas.microsoft.com/office/drawing/2014/main" id="{D94156FA-AAE1-6197-F88E-92939F1FD283}"/>
-              </a:ext>
-            </a:extLst>
-          </p:cNvPr>
-          <p:cNvPicPr>
-            <a:picLocks noChangeAspect="1"/>
-          </p:cNvPicPr>
-          <p:nvPr/>
-        </p:nvPicPr>
-        <p:blipFill>
-          <a:blip r:embed="rId5"/>
-          <a:stretch>
-            <a:fillRect/>
-          </a:stretch>
-        </p:blipFill>
-        <p:spPr>
-          <a:xfrm>
-            <a:off x="1402961" y="3138072"/>
-            <a:ext cx="6874796" cy="4977228"/>
-          </a:xfrm>
-          <a:prstGeom prst="rect">
-            <a:avLst/>
-          </a:prstGeom>
-        </p:spPr>
-      </p:pic>
-      <p:sp>
-        <p:nvSpPr>
-          <p:cNvPr id="14" name="TextBox 4">
-            <a:extLst>
-              <a:ext uri="{FF2B5EF4-FFF2-40B4-BE49-F238E27FC236}">
-                <a16:creationId xmlns:a16="http://schemas.microsoft.com/office/drawing/2014/main" id="{F5E5516F-5651-6EC0-81D7-CBAC1BB49DD8}"/>
-              </a:ext>
-            </a:extLst>
-          </p:cNvPr>
-          <p:cNvSpPr txBox="1"/>
-          <p:nvPr/>
-        </p:nvSpPr>
-        <p:spPr>
-          <a:xfrm>
-            <a:off x="3048000" y="9029700"/>
-            <a:ext cx="11214393" cy="537904"/>
-          </a:xfrm>
-          <a:prstGeom prst="rect">
-            <a:avLst/>
-          </a:prstGeom>
-        </p:spPr>
-        <p:txBody>
-          <a:bodyPr wrap="square" lIns="0" tIns="0" rIns="0" bIns="0" rtlCol="0" anchor="t">
-            <a:spAutoFit/>
-          </a:bodyPr>
-          <a:lstStyle/>
-          <a:p>
-            <a:pPr algn="ctr">
-              <a:lnSpc>
-                <a:spcPts val="4500"/>
-              </a:lnSpc>
-            </a:pPr>
-            <a:r>
-              <a:rPr lang="en-US" sz="3600" dirty="0">
-                <a:solidFill>
-                  <a:srgbClr val="5B5F72"/>
-                </a:solidFill>
-                <a:latin typeface="Arimo Bold"/>
-                <a:ea typeface="Arimo Bold"/>
-                <a:cs typeface="Arimo Bold"/>
-                <a:sym typeface="Arimo Bold"/>
-              </a:rPr>
-              <a:t>Use another dataset for Test. </a:t>
-            </a:r>
-          </a:p>
-        </p:txBody>
-      </p:sp>
-    </p:spTree>
   </p:cSld>
   <p:clrMapOvr>
     <a:masterClrMapping/>
